--- a/Lab-Slides/Arthropod_devlopment_senses_taxonomy_2015b.pptx
+++ b/Lab-Slides/Arthropod_devlopment_senses_taxonomy_2015b.pptx
@@ -1,41 +1,428 @@
 
 <file path=ppt/presentation.xml><?xml version="1.0" encoding="utf-8"?>
-<p:presentation xmlns:a="http://schemas.openxmlformats.org/drawingml/2006/main" xmlns:p="http://schemas.openxmlformats.org/presentationml/2006/main" xmlns:r="http://schemas.openxmlformats.org/officeDocument/2006/relationships">
+<p:presentation xmlns:a="http://schemas.openxmlformats.org/drawingml/2006/main" xmlns:r="http://schemas.openxmlformats.org/officeDocument/2006/relationships" xmlns:p="http://schemas.openxmlformats.org/presentationml/2006/main">
   <p:sldMasterIdLst>
-    <p:sldMasterId id="2147483648" r:id="rId2"/>
-    <p:sldMasterId id="2147483661" r:id="rId3"/>
-    <p:sldMasterId id="2147483674" r:id="rId4"/>
+    <p:sldMasterId id="2147483648" r:id="rId1"/>
+    <p:sldMasterId id="2147483661" r:id="rId2"/>
+    <p:sldMasterId id="2147483674" r:id="rId3"/>
   </p:sldMasterIdLst>
   <p:notesMasterIdLst>
-    <p:notesMasterId r:id="rId5"/>
+    <p:notesMasterId r:id="rId22"/>
   </p:notesMasterIdLst>
   <p:sldIdLst>
-    <p:sldId id="256" r:id="rId6"/>
-    <p:sldId id="257" r:id="rId7"/>
-    <p:sldId id="258" r:id="rId8"/>
-    <p:sldId id="259" r:id="rId9"/>
-    <p:sldId id="260" r:id="rId10"/>
-    <p:sldId id="261" r:id="rId11"/>
-    <p:sldId id="262" r:id="rId12"/>
-    <p:sldId id="263" r:id="rId13"/>
-    <p:sldId id="264" r:id="rId14"/>
-    <p:sldId id="265" r:id="rId15"/>
-    <p:sldId id="266" r:id="rId16"/>
-    <p:sldId id="267" r:id="rId17"/>
-    <p:sldId id="268" r:id="rId18"/>
-    <p:sldId id="269" r:id="rId19"/>
-    <p:sldId id="270" r:id="rId20"/>
-    <p:sldId id="271" r:id="rId21"/>
-    <p:sldId id="272" r:id="rId22"/>
-    <p:sldId id="273" r:id="rId23"/>
+    <p:sldId id="256" r:id="rId4"/>
+    <p:sldId id="257" r:id="rId5"/>
+    <p:sldId id="258" r:id="rId6"/>
+    <p:sldId id="259" r:id="rId7"/>
+    <p:sldId id="260" r:id="rId8"/>
+    <p:sldId id="261" r:id="rId9"/>
+    <p:sldId id="262" r:id="rId10"/>
+    <p:sldId id="263" r:id="rId11"/>
+    <p:sldId id="264" r:id="rId12"/>
+    <p:sldId id="265" r:id="rId13"/>
+    <p:sldId id="266" r:id="rId14"/>
+    <p:sldId id="267" r:id="rId15"/>
+    <p:sldId id="268" r:id="rId16"/>
+    <p:sldId id="269" r:id="rId17"/>
+    <p:sldId id="270" r:id="rId18"/>
+    <p:sldId id="271" r:id="rId19"/>
+    <p:sldId id="272" r:id="rId20"/>
+    <p:sldId id="273" r:id="rId21"/>
   </p:sldIdLst>
-  <p:sldSz cx="9144000" cy="6858000"/>
+  <p:sldSz cx="9144000" cy="6858000" type="screen4x3"/>
   <p:notesSz cx="6858000" cy="9144000"/>
+  <p:defaultTextStyle>
+    <a:defPPr>
+      <a:defRPr lang="en-US"/>
+    </a:defPPr>
+    <a:lvl1pPr marL="0" algn="l" defTabSz="914400" rtl="0" eaLnBrk="1" latinLnBrk="0" hangingPunct="1">
+      <a:defRPr sz="1800" kern="1200">
+        <a:solidFill>
+          <a:schemeClr val="tx1"/>
+        </a:solidFill>
+        <a:latin typeface="+mn-lt"/>
+        <a:ea typeface="+mn-ea"/>
+        <a:cs typeface="+mn-cs"/>
+      </a:defRPr>
+    </a:lvl1pPr>
+    <a:lvl2pPr marL="457200" algn="l" defTabSz="914400" rtl="0" eaLnBrk="1" latinLnBrk="0" hangingPunct="1">
+      <a:defRPr sz="1800" kern="1200">
+        <a:solidFill>
+          <a:schemeClr val="tx1"/>
+        </a:solidFill>
+        <a:latin typeface="+mn-lt"/>
+        <a:ea typeface="+mn-ea"/>
+        <a:cs typeface="+mn-cs"/>
+      </a:defRPr>
+    </a:lvl2pPr>
+    <a:lvl3pPr marL="914400" algn="l" defTabSz="914400" rtl="0" eaLnBrk="1" latinLnBrk="0" hangingPunct="1">
+      <a:defRPr sz="1800" kern="1200">
+        <a:solidFill>
+          <a:schemeClr val="tx1"/>
+        </a:solidFill>
+        <a:latin typeface="+mn-lt"/>
+        <a:ea typeface="+mn-ea"/>
+        <a:cs typeface="+mn-cs"/>
+      </a:defRPr>
+    </a:lvl3pPr>
+    <a:lvl4pPr marL="1371600" algn="l" defTabSz="914400" rtl="0" eaLnBrk="1" latinLnBrk="0" hangingPunct="1">
+      <a:defRPr sz="1800" kern="1200">
+        <a:solidFill>
+          <a:schemeClr val="tx1"/>
+        </a:solidFill>
+        <a:latin typeface="+mn-lt"/>
+        <a:ea typeface="+mn-ea"/>
+        <a:cs typeface="+mn-cs"/>
+      </a:defRPr>
+    </a:lvl4pPr>
+    <a:lvl5pPr marL="1828800" algn="l" defTabSz="914400" rtl="0" eaLnBrk="1" latinLnBrk="0" hangingPunct="1">
+      <a:defRPr sz="1800" kern="1200">
+        <a:solidFill>
+          <a:schemeClr val="tx1"/>
+        </a:solidFill>
+        <a:latin typeface="+mn-lt"/>
+        <a:ea typeface="+mn-ea"/>
+        <a:cs typeface="+mn-cs"/>
+      </a:defRPr>
+    </a:lvl5pPr>
+    <a:lvl6pPr marL="2286000" algn="l" defTabSz="914400" rtl="0" eaLnBrk="1" latinLnBrk="0" hangingPunct="1">
+      <a:defRPr sz="1800" kern="1200">
+        <a:solidFill>
+          <a:schemeClr val="tx1"/>
+        </a:solidFill>
+        <a:latin typeface="+mn-lt"/>
+        <a:ea typeface="+mn-ea"/>
+        <a:cs typeface="+mn-cs"/>
+      </a:defRPr>
+    </a:lvl6pPr>
+    <a:lvl7pPr marL="2743200" algn="l" defTabSz="914400" rtl="0" eaLnBrk="1" latinLnBrk="0" hangingPunct="1">
+      <a:defRPr sz="1800" kern="1200">
+        <a:solidFill>
+          <a:schemeClr val="tx1"/>
+        </a:solidFill>
+        <a:latin typeface="+mn-lt"/>
+        <a:ea typeface="+mn-ea"/>
+        <a:cs typeface="+mn-cs"/>
+      </a:defRPr>
+    </a:lvl7pPr>
+    <a:lvl8pPr marL="3200400" algn="l" defTabSz="914400" rtl="0" eaLnBrk="1" latinLnBrk="0" hangingPunct="1">
+      <a:defRPr sz="1800" kern="1200">
+        <a:solidFill>
+          <a:schemeClr val="tx1"/>
+        </a:solidFill>
+        <a:latin typeface="+mn-lt"/>
+        <a:ea typeface="+mn-ea"/>
+        <a:cs typeface="+mn-cs"/>
+      </a:defRPr>
+    </a:lvl8pPr>
+    <a:lvl9pPr marL="3657600" algn="l" defTabSz="914400" rtl="0" eaLnBrk="1" latinLnBrk="0" hangingPunct="1">
+      <a:defRPr sz="1800" kern="1200">
+        <a:solidFill>
+          <a:schemeClr val="tx1"/>
+        </a:solidFill>
+        <a:latin typeface="+mn-lt"/>
+        <a:ea typeface="+mn-ea"/>
+        <a:cs typeface="+mn-cs"/>
+      </a:defRPr>
+    </a:lvl9pPr>
+  </p:defaultTextStyle>
 </p:presentation>
 </file>
 
 <file path=ppt/notesMasters/notesMaster1.xml><?xml version="1.0" encoding="utf-8"?>
-<p:notesMaster xmlns:a="http://schemas.openxmlformats.org/drawingml/2006/main" xmlns:p="http://schemas.openxmlformats.org/presentationml/2006/main" xmlns:r="http://schemas.openxmlformats.org/officeDocument/2006/relationships">
+<p:notesMaster xmlns:a="http://schemas.openxmlformats.org/drawingml/2006/main" xmlns:r="http://schemas.openxmlformats.org/officeDocument/2006/relationships" xmlns:p="http://schemas.openxmlformats.org/presentationml/2006/main">
+  <p:cSld>
+    <p:bg>
+      <p:bgRef idx="1001">
+        <a:schemeClr val="bg1"/>
+      </p:bgRef>
+    </p:bg>
+    <p:spTree>
+      <p:nvGrpSpPr>
+        <p:cNvPr id="1" name=""/>
+        <p:cNvGrpSpPr/>
+        <p:nvPr/>
+      </p:nvGrpSpPr>
+      <p:grpSpPr>
+        <a:xfrm>
+          <a:off x="0" y="0"/>
+          <a:ext cx="0" cy="0"/>
+          <a:chOff x="0" y="0"/>
+          <a:chExt cx="0" cy="0"/>
+        </a:xfrm>
+      </p:grpSpPr>
+      <p:sp>
+        <p:nvSpPr>
+          <p:cNvPr id="118" name="PlaceHolder 1"/>
+          <p:cNvSpPr>
+            <a:spLocks noGrp="1"/>
+          </p:cNvSpPr>
+          <p:nvPr>
+            <p:ph type="body"/>
+          </p:nvPr>
+        </p:nvSpPr>
+        <p:spPr>
+          <a:xfrm>
+            <a:off x="777240" y="4777560"/>
+            <a:ext cx="6217560" cy="4525920"/>
+          </a:xfrm>
+          <a:prstGeom prst="rect">
+            <a:avLst/>
+          </a:prstGeom>
+        </p:spPr>
+        <p:txBody>
+          <a:bodyPr lIns="0" tIns="0" rIns="0" bIns="0"/>
+          <a:lstStyle/>
+          <a:p>
+            <a:r>
+              <a:rPr lang="en-US" sz="2000">
+                <a:latin typeface="Arial"/>
+              </a:rPr>
+              <a:t>Click to edit the notes format</a:t>
+            </a:r>
+            <a:endParaRPr/>
+          </a:p>
+        </p:txBody>
+      </p:sp>
+      <p:sp>
+        <p:nvSpPr>
+          <p:cNvPr id="119" name="PlaceHolder 2"/>
+          <p:cNvSpPr>
+            <a:spLocks noGrp="1"/>
+          </p:cNvSpPr>
+          <p:nvPr>
+            <p:ph type="hdr"/>
+          </p:nvPr>
+        </p:nvSpPr>
+        <p:spPr>
+          <a:xfrm>
+            <a:off x="0" y="0"/>
+            <a:ext cx="3372840" cy="502560"/>
+          </a:xfrm>
+          <a:prstGeom prst="rect">
+            <a:avLst/>
+          </a:prstGeom>
+        </p:spPr>
+        <p:txBody>
+          <a:bodyPr lIns="0" tIns="0" rIns="0" bIns="0"/>
+          <a:lstStyle/>
+          <a:p>
+            <a:r>
+              <a:rPr lang="en-US" sz="1400">
+                <a:latin typeface="Times New Roman"/>
+              </a:rPr>
+              <a:t>&lt;header&gt;</a:t>
+            </a:r>
+            <a:endParaRPr/>
+          </a:p>
+        </p:txBody>
+      </p:sp>
+      <p:sp>
+        <p:nvSpPr>
+          <p:cNvPr id="120" name="PlaceHolder 3"/>
+          <p:cNvSpPr>
+            <a:spLocks noGrp="1"/>
+          </p:cNvSpPr>
+          <p:nvPr>
+            <p:ph type="dt"/>
+          </p:nvPr>
+        </p:nvSpPr>
+        <p:spPr>
+          <a:xfrm>
+            <a:off x="4399200" y="0"/>
+            <a:ext cx="3372840" cy="502560"/>
+          </a:xfrm>
+          <a:prstGeom prst="rect">
+            <a:avLst/>
+          </a:prstGeom>
+        </p:spPr>
+        <p:txBody>
+          <a:bodyPr lIns="0" tIns="0" rIns="0" bIns="0"/>
+          <a:lstStyle/>
+          <a:p>
+            <a:pPr algn="r"/>
+            <a:r>
+              <a:rPr lang="en-US" sz="1400">
+                <a:latin typeface="Times New Roman"/>
+              </a:rPr>
+              <a:t>&lt;date/time&gt;</a:t>
+            </a:r>
+            <a:endParaRPr/>
+          </a:p>
+        </p:txBody>
+      </p:sp>
+      <p:sp>
+        <p:nvSpPr>
+          <p:cNvPr id="121" name="PlaceHolder 4"/>
+          <p:cNvSpPr>
+            <a:spLocks noGrp="1"/>
+          </p:cNvSpPr>
+          <p:nvPr>
+            <p:ph type="ftr"/>
+          </p:nvPr>
+        </p:nvSpPr>
+        <p:spPr>
+          <a:xfrm>
+            <a:off x="0" y="9555480"/>
+            <a:ext cx="3372840" cy="502560"/>
+          </a:xfrm>
+          <a:prstGeom prst="rect">
+            <a:avLst/>
+          </a:prstGeom>
+        </p:spPr>
+        <p:txBody>
+          <a:bodyPr lIns="0" tIns="0" rIns="0" bIns="0" anchor="b"/>
+          <a:lstStyle/>
+          <a:p>
+            <a:r>
+              <a:rPr lang="en-US" sz="1400">
+                <a:latin typeface="Times New Roman"/>
+              </a:rPr>
+              <a:t>&lt;footer&gt;</a:t>
+            </a:r>
+            <a:endParaRPr/>
+          </a:p>
+        </p:txBody>
+      </p:sp>
+      <p:sp>
+        <p:nvSpPr>
+          <p:cNvPr id="122" name="PlaceHolder 5"/>
+          <p:cNvSpPr>
+            <a:spLocks noGrp="1"/>
+          </p:cNvSpPr>
+          <p:nvPr>
+            <p:ph type="sldNum"/>
+          </p:nvPr>
+        </p:nvSpPr>
+        <p:spPr>
+          <a:xfrm>
+            <a:off x="4399200" y="9555480"/>
+            <a:ext cx="3372840" cy="502560"/>
+          </a:xfrm>
+          <a:prstGeom prst="rect">
+            <a:avLst/>
+          </a:prstGeom>
+        </p:spPr>
+        <p:txBody>
+          <a:bodyPr lIns="0" tIns="0" rIns="0" bIns="0" anchor="b"/>
+          <a:lstStyle/>
+          <a:p>
+            <a:pPr algn="r"/>
+            <a:fld id="{B914AA78-61DB-433C-9A13-B69FBE2BA95F}" type="slidenum">
+              <a:rPr lang="en-US" sz="1400">
+                <a:latin typeface="Times New Roman"/>
+              </a:rPr>
+              <a:t>‹#›</a:t>
+            </a:fld>
+            <a:endParaRPr/>
+          </a:p>
+        </p:txBody>
+      </p:sp>
+    </p:spTree>
+    <p:extLst>
+      <p:ext uri="{BB962C8B-B14F-4D97-AF65-F5344CB8AC3E}">
+        <p14:creationId xmlns:p14="http://schemas.microsoft.com/office/powerpoint/2010/main" val="4066044111"/>
+      </p:ext>
+    </p:extLst>
+  </p:cSld>
+  <p:clrMap bg1="lt1" tx1="dk1" bg2="lt2" tx2="dk2" accent1="accent1" accent2="accent2" accent3="accent3" accent4="accent4" accent5="accent5" accent6="accent6" hlink="hlink" folHlink="folHlink"/>
+  <p:notesStyle>
+    <a:lvl1pPr marL="0" algn="l" defTabSz="914400" rtl="0" eaLnBrk="1" latinLnBrk="0" hangingPunct="1">
+      <a:defRPr sz="1200" kern="1200">
+        <a:solidFill>
+          <a:schemeClr val="tx1"/>
+        </a:solidFill>
+        <a:latin typeface="+mn-lt"/>
+        <a:ea typeface="+mn-ea"/>
+        <a:cs typeface="+mn-cs"/>
+      </a:defRPr>
+    </a:lvl1pPr>
+    <a:lvl2pPr marL="457200" algn="l" defTabSz="914400" rtl="0" eaLnBrk="1" latinLnBrk="0" hangingPunct="1">
+      <a:defRPr sz="1200" kern="1200">
+        <a:solidFill>
+          <a:schemeClr val="tx1"/>
+        </a:solidFill>
+        <a:latin typeface="+mn-lt"/>
+        <a:ea typeface="+mn-ea"/>
+        <a:cs typeface="+mn-cs"/>
+      </a:defRPr>
+    </a:lvl2pPr>
+    <a:lvl3pPr marL="914400" algn="l" defTabSz="914400" rtl="0" eaLnBrk="1" latinLnBrk="0" hangingPunct="1">
+      <a:defRPr sz="1200" kern="1200">
+        <a:solidFill>
+          <a:schemeClr val="tx1"/>
+        </a:solidFill>
+        <a:latin typeface="+mn-lt"/>
+        <a:ea typeface="+mn-ea"/>
+        <a:cs typeface="+mn-cs"/>
+      </a:defRPr>
+    </a:lvl3pPr>
+    <a:lvl4pPr marL="1371600" algn="l" defTabSz="914400" rtl="0" eaLnBrk="1" latinLnBrk="0" hangingPunct="1">
+      <a:defRPr sz="1200" kern="1200">
+        <a:solidFill>
+          <a:schemeClr val="tx1"/>
+        </a:solidFill>
+        <a:latin typeface="+mn-lt"/>
+        <a:ea typeface="+mn-ea"/>
+        <a:cs typeface="+mn-cs"/>
+      </a:defRPr>
+    </a:lvl4pPr>
+    <a:lvl5pPr marL="1828800" algn="l" defTabSz="914400" rtl="0" eaLnBrk="1" latinLnBrk="0" hangingPunct="1">
+      <a:defRPr sz="1200" kern="1200">
+        <a:solidFill>
+          <a:schemeClr val="tx1"/>
+        </a:solidFill>
+        <a:latin typeface="+mn-lt"/>
+        <a:ea typeface="+mn-ea"/>
+        <a:cs typeface="+mn-cs"/>
+      </a:defRPr>
+    </a:lvl5pPr>
+    <a:lvl6pPr marL="2286000" algn="l" defTabSz="914400" rtl="0" eaLnBrk="1" latinLnBrk="0" hangingPunct="1">
+      <a:defRPr sz="1200" kern="1200">
+        <a:solidFill>
+          <a:schemeClr val="tx1"/>
+        </a:solidFill>
+        <a:latin typeface="+mn-lt"/>
+        <a:ea typeface="+mn-ea"/>
+        <a:cs typeface="+mn-cs"/>
+      </a:defRPr>
+    </a:lvl6pPr>
+    <a:lvl7pPr marL="2743200" algn="l" defTabSz="914400" rtl="0" eaLnBrk="1" latinLnBrk="0" hangingPunct="1">
+      <a:defRPr sz="1200" kern="1200">
+        <a:solidFill>
+          <a:schemeClr val="tx1"/>
+        </a:solidFill>
+        <a:latin typeface="+mn-lt"/>
+        <a:ea typeface="+mn-ea"/>
+        <a:cs typeface="+mn-cs"/>
+      </a:defRPr>
+    </a:lvl7pPr>
+    <a:lvl8pPr marL="3200400" algn="l" defTabSz="914400" rtl="0" eaLnBrk="1" latinLnBrk="0" hangingPunct="1">
+      <a:defRPr sz="1200" kern="1200">
+        <a:solidFill>
+          <a:schemeClr val="tx1"/>
+        </a:solidFill>
+        <a:latin typeface="+mn-lt"/>
+        <a:ea typeface="+mn-ea"/>
+        <a:cs typeface="+mn-cs"/>
+      </a:defRPr>
+    </a:lvl8pPr>
+    <a:lvl9pPr marL="3657600" algn="l" defTabSz="914400" rtl="0" eaLnBrk="1" latinLnBrk="0" hangingPunct="1">
+      <a:defRPr sz="1200" kern="1200">
+        <a:solidFill>
+          <a:schemeClr val="tx1"/>
+        </a:solidFill>
+        <a:latin typeface="+mn-lt"/>
+        <a:ea typeface="+mn-ea"/>
+        <a:cs typeface="+mn-cs"/>
+      </a:defRPr>
+    </a:lvl9pPr>
+  </p:notesStyle>
+</p:notesMaster>
+</file>
+
+<file path=ppt/notesSlides/notesSlide1.xml><?xml version="1.0" encoding="utf-8"?>
+<p:notes xmlns:a="http://schemas.openxmlformats.org/drawingml/2006/main" xmlns:r="http://schemas.openxmlformats.org/officeDocument/2006/relationships" xmlns:p="http://schemas.openxmlformats.org/presentationml/2006/main">
   <p:cSld>
     <p:spTree>
       <p:nvGrpSpPr>
@@ -53,7 +440,45 @@
       </p:grpSpPr>
       <p:sp>
         <p:nvSpPr>
-          <p:cNvPr id="118" name="PlaceHolder 1"/>
+          <p:cNvPr id="185" name="TextShape 1"/>
+          <p:cNvSpPr txBox="1"/>
+          <p:nvPr/>
+        </p:nvSpPr>
+        <p:spPr>
+          <a:xfrm>
+            <a:off x="3884760" y="8685360"/>
+            <a:ext cx="2971440" cy="456840"/>
+          </a:xfrm>
+          <a:prstGeom prst="rect">
+            <a:avLst/>
+          </a:prstGeom>
+        </p:spPr>
+        <p:txBody>
+          <a:bodyPr anchor="b"/>
+          <a:lstStyle/>
+          <a:p>
+            <a:pPr>
+              <a:lnSpc>
+                <a:spcPct val="100000"/>
+              </a:lnSpc>
+            </a:pPr>
+            <a:fld id="{BABF8366-C6CF-40F8-8F46-56D2723BB27B}" type="slidenum">
+              <a:rPr lang="en-US" sz="1200">
+                <a:solidFill>
+                  <a:srgbClr val="000000"/>
+                </a:solidFill>
+                <a:latin typeface="Arial"/>
+                <a:ea typeface="ＭＳ Ｐゴシック"/>
+              </a:rPr>
+              <a:t>2</a:t>
+            </a:fld>
+            <a:endParaRPr/>
+          </a:p>
+        </p:txBody>
+      </p:sp>
+      <p:sp>
+        <p:nvSpPr>
+          <p:cNvPr id="186" name="PlaceHolder 2"/>
           <p:cNvSpPr>
             <a:spLocks noGrp="1"/>
           </p:cNvSpPr>
@@ -63,164 +488,36 @@
         </p:nvSpPr>
         <p:spPr>
           <a:xfrm>
-            <a:off x="777240" y="4777560"/>
-            <a:ext cx="6217560" cy="4525920"/>
-          </a:xfrm>
-          <a:prstGeom prst="rect">
-            <a:avLst/>
-          </a:prstGeom>
-        </p:spPr>
-        <p:txBody>
-          <a:bodyPr lIns="0" rIns="0" tIns="0" bIns="0"/>
-          <a:p>
-            <a:r>
-              <a:rPr lang="en-US" sz="2000">
-                <a:latin typeface="Arial"/>
-              </a:rPr>
-              <a:t>Click to edit the notes format</a:t>
-            </a:r>
-            <a:endParaRPr/>
-          </a:p>
-        </p:txBody>
-      </p:sp>
-      <p:sp>
-        <p:nvSpPr>
-          <p:cNvPr id="119" name="PlaceHolder 2"/>
-          <p:cNvSpPr>
-            <a:spLocks noGrp="1"/>
-          </p:cNvSpPr>
-          <p:nvPr>
-            <p:ph type="hdr"/>
-          </p:nvPr>
-        </p:nvSpPr>
-        <p:spPr>
-          <a:xfrm>
-            <a:off x="0" y="0"/>
-            <a:ext cx="3372840" cy="502560"/>
-          </a:xfrm>
-          <a:prstGeom prst="rect">
-            <a:avLst/>
-          </a:prstGeom>
-        </p:spPr>
-        <p:txBody>
-          <a:bodyPr lIns="0" rIns="0" tIns="0" bIns="0"/>
-          <a:p>
-            <a:r>
-              <a:rPr lang="en-US" sz="1400">
-                <a:latin typeface="Times New Roman"/>
-              </a:rPr>
-              <a:t>&lt;header&gt;</a:t>
-            </a:r>
-            <a:endParaRPr/>
-          </a:p>
-        </p:txBody>
-      </p:sp>
-      <p:sp>
-        <p:nvSpPr>
-          <p:cNvPr id="120" name="PlaceHolder 3"/>
-          <p:cNvSpPr>
-            <a:spLocks noGrp="1"/>
-          </p:cNvSpPr>
-          <p:nvPr>
-            <p:ph type="dt"/>
-          </p:nvPr>
-        </p:nvSpPr>
-        <p:spPr>
-          <a:xfrm>
-            <a:off x="4399200" y="0"/>
-            <a:ext cx="3372840" cy="502560"/>
-          </a:xfrm>
-          <a:prstGeom prst="rect">
-            <a:avLst/>
-          </a:prstGeom>
-        </p:spPr>
-        <p:txBody>
-          <a:bodyPr lIns="0" rIns="0" tIns="0" bIns="0"/>
-          <a:p>
-            <a:pPr algn="r"/>
-            <a:r>
-              <a:rPr lang="en-US" sz="1400">
-                <a:latin typeface="Times New Roman"/>
-              </a:rPr>
-              <a:t>&lt;date/time&gt;</a:t>
-            </a:r>
-            <a:endParaRPr/>
-          </a:p>
-        </p:txBody>
-      </p:sp>
-      <p:sp>
-        <p:nvSpPr>
-          <p:cNvPr id="121" name="PlaceHolder 4"/>
-          <p:cNvSpPr>
-            <a:spLocks noGrp="1"/>
-          </p:cNvSpPr>
-          <p:nvPr>
-            <p:ph type="ftr"/>
-          </p:nvPr>
-        </p:nvSpPr>
-        <p:spPr>
-          <a:xfrm>
-            <a:off x="0" y="9555480"/>
-            <a:ext cx="3372840" cy="502560"/>
-          </a:xfrm>
-          <a:prstGeom prst="rect">
-            <a:avLst/>
-          </a:prstGeom>
-        </p:spPr>
-        <p:txBody>
-          <a:bodyPr lIns="0" rIns="0" tIns="0" bIns="0" anchor="b"/>
-          <a:p>
-            <a:r>
-              <a:rPr lang="en-US" sz="1400">
-                <a:latin typeface="Times New Roman"/>
-              </a:rPr>
-              <a:t>&lt;footer&gt;</a:t>
-            </a:r>
-            <a:endParaRPr/>
-          </a:p>
-        </p:txBody>
-      </p:sp>
-      <p:sp>
-        <p:nvSpPr>
-          <p:cNvPr id="122" name="PlaceHolder 5"/>
-          <p:cNvSpPr>
-            <a:spLocks noGrp="1"/>
-          </p:cNvSpPr>
-          <p:nvPr>
-            <p:ph type="sldNum"/>
-          </p:nvPr>
-        </p:nvSpPr>
-        <p:spPr>
-          <a:xfrm>
-            <a:off x="4399200" y="9555480"/>
-            <a:ext cx="3372840" cy="502560"/>
-          </a:xfrm>
-          <a:prstGeom prst="rect">
-            <a:avLst/>
-          </a:prstGeom>
-        </p:spPr>
-        <p:txBody>
-          <a:bodyPr lIns="0" rIns="0" tIns="0" bIns="0" anchor="b"/>
-          <a:p>
-            <a:pPr algn="r"/>
-            <a:fld id="{B914AA78-61DB-433C-9A13-B69FBE2BA95F}" type="slidenum">
-              <a:rPr lang="en-US" sz="1400">
-                <a:latin typeface="Times New Roman"/>
-              </a:rPr>
-              <a:t>&lt;number&gt;</a:t>
-            </a:fld>
+            <a:off x="685800" y="4343400"/>
+            <a:ext cx="5486040" cy="4114440"/>
+          </a:xfrm>
+          <a:prstGeom prst="rect">
+            <a:avLst/>
+          </a:prstGeom>
+        </p:spPr>
+        <p:txBody>
+          <a:bodyPr/>
+          <a:lstStyle/>
+          <a:p>
             <a:endParaRPr/>
           </a:p>
         </p:txBody>
       </p:sp>
     </p:spTree>
+    <p:extLst>
+      <p:ext uri="{BB962C8B-B14F-4D97-AF65-F5344CB8AC3E}">
+        <p14:creationId xmlns:p14="http://schemas.microsoft.com/office/powerpoint/2010/main" val="103233247"/>
+      </p:ext>
+    </p:extLst>
   </p:cSld>
-  <p:clrMap bg1="lt1" bg2="lt2" tx1="dk1" tx2="dk2" accent1="accent1" accent2="accent2" accent3="accent3" accent4="accent4" accent5="accent5" accent6="accent6" hlink="hlink" folHlink="folHlink"/>
-</p:notesMaster>
+  <p:clrMapOvr>
+    <a:masterClrMapping/>
+  </p:clrMapOvr>
+</p:notes>
 </file>
 
 <file path=ppt/notesSlides/notesSlide10.xml><?xml version="1.0" encoding="utf-8"?>
-<p:notes xmlns:a="http://schemas.openxmlformats.org/drawingml/2006/main" xmlns:p="http://schemas.openxmlformats.org/presentationml/2006/main" xmlns:r="http://schemas.openxmlformats.org/officeDocument/2006/relationships">
+<p:notes xmlns:a="http://schemas.openxmlformats.org/drawingml/2006/main" xmlns:r="http://schemas.openxmlformats.org/officeDocument/2006/relationships" xmlns:p="http://schemas.openxmlformats.org/presentationml/2006/main">
   <p:cSld>
     <p:spTree>
       <p:nvGrpSpPr>
@@ -238,7 +535,7 @@
       </p:grpSpPr>
       <p:sp>
         <p:nvSpPr>
-          <p:cNvPr id="201" name="TextShape 1"/>
+          <p:cNvPr id="203" name="TextShape 1"/>
           <p:cNvSpPr txBox="1"/>
           <p:nvPr/>
         </p:nvSpPr>
@@ -253,13 +550,14 @@
         </p:spPr>
         <p:txBody>
           <a:bodyPr anchor="b"/>
+          <a:lstStyle/>
           <a:p>
             <a:pPr>
               <a:lnSpc>
                 <a:spcPct val="100000"/>
               </a:lnSpc>
             </a:pPr>
-            <a:fld id="{AB5244CA-66E1-4D21-9F3E-48DEB3A76CFB}" type="slidenum">
+            <a:fld id="{4C3E2765-4EBF-4FD7-A16E-645357771A26}" type="slidenum">
               <a:rPr lang="en-US" sz="1200">
                 <a:solidFill>
                   <a:srgbClr val="000000"/>
@@ -267,7 +565,7 @@
                 <a:latin typeface="Arial"/>
                 <a:ea typeface="ＭＳ Ｐゴシック"/>
               </a:rPr>
-              <a:t>&lt;number&gt;</a:t>
+              <a:t>11</a:t>
             </a:fld>
             <a:endParaRPr/>
           </a:p>
@@ -275,7 +573,7 @@
       </p:sp>
       <p:sp>
         <p:nvSpPr>
-          <p:cNvPr id="202" name="PlaceHolder 2"/>
+          <p:cNvPr id="204" name="PlaceHolder 2"/>
           <p:cNvSpPr>
             <a:spLocks noGrp="1"/>
           </p:cNvSpPr>
@@ -294,45 +592,27 @@
         </p:spPr>
         <p:txBody>
           <a:bodyPr/>
-          <a:p>
-            <a:pPr>
-              <a:lnSpc>
-                <a:spcPct val="100000"/>
-              </a:lnSpc>
-            </a:pPr>
-            <a:r>
-              <a:rPr lang="en-US" sz="2000">
-                <a:latin typeface="Arial"/>
-                <a:ea typeface="ＭＳ Ｐゴシック"/>
-              </a:rPr>
-              <a:t>Barnacles have cyprids, copepods have copepodite</a:t>
-            </a:r>
-            <a:endParaRPr/>
-          </a:p>
-          <a:p>
-            <a:pPr>
-              <a:lnSpc>
-                <a:spcPct val="100000"/>
-              </a:lnSpc>
-            </a:pPr>
-            <a:r>
-              <a:rPr lang="en-US" sz="2000">
-                <a:latin typeface="Arial"/>
-                <a:ea typeface="ＭＳ Ｐゴシック"/>
-              </a:rPr>
-              <a:t>, crabs have zoea and megalops</a:t>
-            </a:r>
+          <a:lstStyle/>
+          <a:p>
             <a:endParaRPr/>
           </a:p>
         </p:txBody>
       </p:sp>
     </p:spTree>
+    <p:extLst>
+      <p:ext uri="{BB962C8B-B14F-4D97-AF65-F5344CB8AC3E}">
+        <p14:creationId xmlns:p14="http://schemas.microsoft.com/office/powerpoint/2010/main" val="2320421076"/>
+      </p:ext>
+    </p:extLst>
   </p:cSld>
+  <p:clrMapOvr>
+    <a:masterClrMapping/>
+  </p:clrMapOvr>
 </p:notes>
 </file>
 
 <file path=ppt/notesSlides/notesSlide11.xml><?xml version="1.0" encoding="utf-8"?>
-<p:notes xmlns:a="http://schemas.openxmlformats.org/drawingml/2006/main" xmlns:p="http://schemas.openxmlformats.org/presentationml/2006/main" xmlns:r="http://schemas.openxmlformats.org/officeDocument/2006/relationships">
+<p:notes xmlns:a="http://schemas.openxmlformats.org/drawingml/2006/main" xmlns:r="http://schemas.openxmlformats.org/officeDocument/2006/relationships" xmlns:p="http://schemas.openxmlformats.org/presentationml/2006/main">
   <p:cSld>
     <p:spTree>
       <p:nvGrpSpPr>
@@ -350,7 +630,7 @@
       </p:grpSpPr>
       <p:sp>
         <p:nvSpPr>
-          <p:cNvPr id="203" name="TextShape 1"/>
+          <p:cNvPr id="205" name="TextShape 1"/>
           <p:cNvSpPr txBox="1"/>
           <p:nvPr/>
         </p:nvSpPr>
@@ -365,13 +645,14 @@
         </p:spPr>
         <p:txBody>
           <a:bodyPr anchor="b"/>
+          <a:lstStyle/>
           <a:p>
             <a:pPr>
               <a:lnSpc>
                 <a:spcPct val="100000"/>
               </a:lnSpc>
             </a:pPr>
-            <a:fld id="{4C3E2765-4EBF-4FD7-A16E-645357771A26}" type="slidenum">
+            <a:fld id="{3AFC4356-858E-4DFA-BFFA-02C3DB004DA6}" type="slidenum">
               <a:rPr lang="en-US" sz="1200">
                 <a:solidFill>
                   <a:srgbClr val="000000"/>
@@ -379,7 +660,7 @@
                 <a:latin typeface="Arial"/>
                 <a:ea typeface="ＭＳ Ｐゴシック"/>
               </a:rPr>
-              <a:t>&lt;number&gt;</a:t>
+              <a:t>12</a:t>
             </a:fld>
             <a:endParaRPr/>
           </a:p>
@@ -387,7 +668,7 @@
       </p:sp>
       <p:sp>
         <p:nvSpPr>
-          <p:cNvPr id="204" name="PlaceHolder 2"/>
+          <p:cNvPr id="206" name="PlaceHolder 2"/>
           <p:cNvSpPr>
             <a:spLocks noGrp="1"/>
           </p:cNvSpPr>
@@ -406,18 +687,39 @@
         </p:spPr>
         <p:txBody>
           <a:bodyPr/>
-          <a:p>
+          <a:lstStyle/>
+          <a:p>
+            <a:pPr>
+              <a:lnSpc>
+                <a:spcPct val="100000"/>
+              </a:lnSpc>
+            </a:pPr>
+            <a:r>
+              <a:rPr lang="en-US" sz="2000">
+                <a:latin typeface="Arial"/>
+                <a:ea typeface="ＭＳ Ｐゴシック"/>
+              </a:rPr>
+              <a:t>Looking for: rough surfaces (tactile) and members of their own species (chemosensory)</a:t>
+            </a:r>
             <a:endParaRPr/>
           </a:p>
         </p:txBody>
       </p:sp>
     </p:spTree>
+    <p:extLst>
+      <p:ext uri="{BB962C8B-B14F-4D97-AF65-F5344CB8AC3E}">
+        <p14:creationId xmlns:p14="http://schemas.microsoft.com/office/powerpoint/2010/main" val="1195434732"/>
+      </p:ext>
+    </p:extLst>
   </p:cSld>
+  <p:clrMapOvr>
+    <a:masterClrMapping/>
+  </p:clrMapOvr>
 </p:notes>
 </file>
 
 <file path=ppt/notesSlides/notesSlide12.xml><?xml version="1.0" encoding="utf-8"?>
-<p:notes xmlns:a="http://schemas.openxmlformats.org/drawingml/2006/main" xmlns:p="http://schemas.openxmlformats.org/presentationml/2006/main" xmlns:r="http://schemas.openxmlformats.org/officeDocument/2006/relationships">
+<p:notes xmlns:a="http://schemas.openxmlformats.org/drawingml/2006/main" xmlns:r="http://schemas.openxmlformats.org/officeDocument/2006/relationships" xmlns:p="http://schemas.openxmlformats.org/presentationml/2006/main">
   <p:cSld>
     <p:spTree>
       <p:nvGrpSpPr>
@@ -435,7 +737,7 @@
       </p:grpSpPr>
       <p:sp>
         <p:nvSpPr>
-          <p:cNvPr id="205" name="TextShape 1"/>
+          <p:cNvPr id="207" name="TextShape 1"/>
           <p:cNvSpPr txBox="1"/>
           <p:nvPr/>
         </p:nvSpPr>
@@ -450,13 +752,14 @@
         </p:spPr>
         <p:txBody>
           <a:bodyPr anchor="b"/>
+          <a:lstStyle/>
           <a:p>
             <a:pPr>
               <a:lnSpc>
                 <a:spcPct val="100000"/>
               </a:lnSpc>
             </a:pPr>
-            <a:fld id="{3AFC4356-858E-4DFA-BFFA-02C3DB004DA6}" type="slidenum">
+            <a:fld id="{355EB8DD-C41A-4340-B4CB-7E28C012339C}" type="slidenum">
               <a:rPr lang="en-US" sz="1200">
                 <a:solidFill>
                   <a:srgbClr val="000000"/>
@@ -464,7 +767,7 @@
                 <a:latin typeface="Arial"/>
                 <a:ea typeface="ＭＳ Ｐゴシック"/>
               </a:rPr>
-              <a:t>&lt;number&gt;</a:t>
+              <a:t>13</a:t>
             </a:fld>
             <a:endParaRPr/>
           </a:p>
@@ -472,7 +775,7 @@
       </p:sp>
       <p:sp>
         <p:nvSpPr>
-          <p:cNvPr id="206" name="PlaceHolder 2"/>
+          <p:cNvPr id="208" name="PlaceHolder 2"/>
           <p:cNvSpPr>
             <a:spLocks noGrp="1"/>
           </p:cNvSpPr>
@@ -491,30 +794,27 @@
         </p:spPr>
         <p:txBody>
           <a:bodyPr/>
-          <a:p>
-            <a:pPr>
-              <a:lnSpc>
-                <a:spcPct val="100000"/>
-              </a:lnSpc>
-            </a:pPr>
-            <a:r>
-              <a:rPr lang="en-US" sz="2000">
-                <a:latin typeface="Arial"/>
-                <a:ea typeface="ＭＳ Ｐゴシック"/>
-              </a:rPr>
-              <a:t>Looking for: rough surfaces (tactile) and members of their own species (chemosensory)</a:t>
-            </a:r>
+          <a:lstStyle/>
+          <a:p>
             <a:endParaRPr/>
           </a:p>
         </p:txBody>
       </p:sp>
     </p:spTree>
+    <p:extLst>
+      <p:ext uri="{BB962C8B-B14F-4D97-AF65-F5344CB8AC3E}">
+        <p14:creationId xmlns:p14="http://schemas.microsoft.com/office/powerpoint/2010/main" val="594764112"/>
+      </p:ext>
+    </p:extLst>
   </p:cSld>
+  <p:clrMapOvr>
+    <a:masterClrMapping/>
+  </p:clrMapOvr>
 </p:notes>
 </file>
 
 <file path=ppt/notesSlides/notesSlide13.xml><?xml version="1.0" encoding="utf-8"?>
-<p:notes xmlns:a="http://schemas.openxmlformats.org/drawingml/2006/main" xmlns:p="http://schemas.openxmlformats.org/presentationml/2006/main" xmlns:r="http://schemas.openxmlformats.org/officeDocument/2006/relationships">
+<p:notes xmlns:a="http://schemas.openxmlformats.org/drawingml/2006/main" xmlns:r="http://schemas.openxmlformats.org/officeDocument/2006/relationships" xmlns:p="http://schemas.openxmlformats.org/presentationml/2006/main">
   <p:cSld>
     <p:spTree>
       <p:nvGrpSpPr>
@@ -532,7 +832,7 @@
       </p:grpSpPr>
       <p:sp>
         <p:nvSpPr>
-          <p:cNvPr id="207" name="TextShape 1"/>
+          <p:cNvPr id="209" name="TextShape 1"/>
           <p:cNvSpPr txBox="1"/>
           <p:nvPr/>
         </p:nvSpPr>
@@ -547,13 +847,14 @@
         </p:spPr>
         <p:txBody>
           <a:bodyPr anchor="b"/>
+          <a:lstStyle/>
           <a:p>
             <a:pPr>
               <a:lnSpc>
                 <a:spcPct val="100000"/>
               </a:lnSpc>
             </a:pPr>
-            <a:fld id="{355EB8DD-C41A-4340-B4CB-7E28C012339C}" type="slidenum">
+            <a:fld id="{0EA44B83-2A1B-474F-BEC2-38902EFA5BF8}" type="slidenum">
               <a:rPr lang="en-US" sz="1200">
                 <a:solidFill>
                   <a:srgbClr val="000000"/>
@@ -561,7 +862,7 @@
                 <a:latin typeface="Arial"/>
                 <a:ea typeface="ＭＳ Ｐゴシック"/>
               </a:rPr>
-              <a:t>&lt;number&gt;</a:t>
+              <a:t>14</a:t>
             </a:fld>
             <a:endParaRPr/>
           </a:p>
@@ -569,7 +870,7 @@
       </p:sp>
       <p:sp>
         <p:nvSpPr>
-          <p:cNvPr id="208" name="PlaceHolder 2"/>
+          <p:cNvPr id="210" name="PlaceHolder 2"/>
           <p:cNvSpPr>
             <a:spLocks noGrp="1"/>
           </p:cNvSpPr>
@@ -588,18 +889,27 @@
         </p:spPr>
         <p:txBody>
           <a:bodyPr/>
+          <a:lstStyle/>
           <a:p>
             <a:endParaRPr/>
           </a:p>
         </p:txBody>
       </p:sp>
     </p:spTree>
+    <p:extLst>
+      <p:ext uri="{BB962C8B-B14F-4D97-AF65-F5344CB8AC3E}">
+        <p14:creationId xmlns:p14="http://schemas.microsoft.com/office/powerpoint/2010/main" val="1508639775"/>
+      </p:ext>
+    </p:extLst>
   </p:cSld>
+  <p:clrMapOvr>
+    <a:masterClrMapping/>
+  </p:clrMapOvr>
 </p:notes>
 </file>
 
 <file path=ppt/notesSlides/notesSlide14.xml><?xml version="1.0" encoding="utf-8"?>
-<p:notes xmlns:a="http://schemas.openxmlformats.org/drawingml/2006/main" xmlns:p="http://schemas.openxmlformats.org/presentationml/2006/main" xmlns:r="http://schemas.openxmlformats.org/officeDocument/2006/relationships">
+<p:notes xmlns:a="http://schemas.openxmlformats.org/drawingml/2006/main" xmlns:r="http://schemas.openxmlformats.org/officeDocument/2006/relationships" xmlns:p="http://schemas.openxmlformats.org/presentationml/2006/main">
   <p:cSld>
     <p:spTree>
       <p:nvGrpSpPr>
@@ -617,7 +927,7 @@
       </p:grpSpPr>
       <p:sp>
         <p:nvSpPr>
-          <p:cNvPr id="209" name="TextShape 1"/>
+          <p:cNvPr id="211" name="TextShape 1"/>
           <p:cNvSpPr txBox="1"/>
           <p:nvPr/>
         </p:nvSpPr>
@@ -632,13 +942,14 @@
         </p:spPr>
         <p:txBody>
           <a:bodyPr anchor="b"/>
+          <a:lstStyle/>
           <a:p>
             <a:pPr>
               <a:lnSpc>
                 <a:spcPct val="100000"/>
               </a:lnSpc>
             </a:pPr>
-            <a:fld id="{0EA44B83-2A1B-474F-BEC2-38902EFA5BF8}" type="slidenum">
+            <a:fld id="{20F9DCBE-6D9B-4E5A-830A-59524D0E494D}" type="slidenum">
               <a:rPr lang="en-US" sz="1200">
                 <a:solidFill>
                   <a:srgbClr val="000000"/>
@@ -646,7 +957,7 @@
                 <a:latin typeface="Arial"/>
                 <a:ea typeface="ＭＳ Ｐゴシック"/>
               </a:rPr>
-              <a:t>&lt;number&gt;</a:t>
+              <a:t>15</a:t>
             </a:fld>
             <a:endParaRPr/>
           </a:p>
@@ -654,7 +965,7 @@
       </p:sp>
       <p:sp>
         <p:nvSpPr>
-          <p:cNvPr id="210" name="PlaceHolder 2"/>
+          <p:cNvPr id="212" name="PlaceHolder 2"/>
           <p:cNvSpPr>
             <a:spLocks noGrp="1"/>
           </p:cNvSpPr>
@@ -673,18 +984,39 @@
         </p:spPr>
         <p:txBody>
           <a:bodyPr/>
-          <a:p>
+          <a:lstStyle/>
+          <a:p>
+            <a:pPr>
+              <a:lnSpc>
+                <a:spcPct val="100000"/>
+              </a:lnSpc>
+            </a:pPr>
+            <a:r>
+              <a:rPr lang="en-US" sz="2000">
+                <a:latin typeface="Arial"/>
+                <a:ea typeface="ＭＳ Ｐゴシック"/>
+              </a:rPr>
+              <a:t>Anostraca (brine shrimp), Notostraca (tadpole shrimp or shield shrimp-ephemeral environ ), Cladocera (water fleas, Daphnia-freshwater), Conchostraca (clam shrimp-temp freshwater ponds)</a:t>
+            </a:r>
             <a:endParaRPr/>
           </a:p>
         </p:txBody>
       </p:sp>
     </p:spTree>
+    <p:extLst>
+      <p:ext uri="{BB962C8B-B14F-4D97-AF65-F5344CB8AC3E}">
+        <p14:creationId xmlns:p14="http://schemas.microsoft.com/office/powerpoint/2010/main" val="4137550089"/>
+      </p:ext>
+    </p:extLst>
   </p:cSld>
+  <p:clrMapOvr>
+    <a:masterClrMapping/>
+  </p:clrMapOvr>
 </p:notes>
 </file>
 
 <file path=ppt/notesSlides/notesSlide15.xml><?xml version="1.0" encoding="utf-8"?>
-<p:notes xmlns:a="http://schemas.openxmlformats.org/drawingml/2006/main" xmlns:p="http://schemas.openxmlformats.org/presentationml/2006/main" xmlns:r="http://schemas.openxmlformats.org/officeDocument/2006/relationships">
+<p:notes xmlns:a="http://schemas.openxmlformats.org/drawingml/2006/main" xmlns:r="http://schemas.openxmlformats.org/officeDocument/2006/relationships" xmlns:p="http://schemas.openxmlformats.org/presentationml/2006/main">
   <p:cSld>
     <p:spTree>
       <p:nvGrpSpPr>
@@ -702,7 +1034,7 @@
       </p:grpSpPr>
       <p:sp>
         <p:nvSpPr>
-          <p:cNvPr id="211" name="TextShape 1"/>
+          <p:cNvPr id="213" name="TextShape 1"/>
           <p:cNvSpPr txBox="1"/>
           <p:nvPr/>
         </p:nvSpPr>
@@ -717,13 +1049,14 @@
         </p:spPr>
         <p:txBody>
           <a:bodyPr anchor="b"/>
+          <a:lstStyle/>
           <a:p>
             <a:pPr>
               <a:lnSpc>
                 <a:spcPct val="100000"/>
               </a:lnSpc>
             </a:pPr>
-            <a:fld id="{20F9DCBE-6D9B-4E5A-830A-59524D0E494D}" type="slidenum">
+            <a:fld id="{D6625A99-8F75-4CE6-B7DA-5B8B6AA1585B}" type="slidenum">
               <a:rPr lang="en-US" sz="1200">
                 <a:solidFill>
                   <a:srgbClr val="000000"/>
@@ -731,7 +1064,7 @@
                 <a:latin typeface="Arial"/>
                 <a:ea typeface="ＭＳ Ｐゴシック"/>
               </a:rPr>
-              <a:t>&lt;number&gt;</a:t>
+              <a:t>16</a:t>
             </a:fld>
             <a:endParaRPr/>
           </a:p>
@@ -739,7 +1072,7 @@
       </p:sp>
       <p:sp>
         <p:nvSpPr>
-          <p:cNvPr id="212" name="PlaceHolder 2"/>
+          <p:cNvPr id="214" name="PlaceHolder 2"/>
           <p:cNvSpPr>
             <a:spLocks noGrp="1"/>
           </p:cNvSpPr>
@@ -758,30 +1091,27 @@
         </p:spPr>
         <p:txBody>
           <a:bodyPr/>
-          <a:p>
-            <a:pPr>
-              <a:lnSpc>
-                <a:spcPct val="100000"/>
-              </a:lnSpc>
-            </a:pPr>
-            <a:r>
-              <a:rPr lang="en-US" sz="2000">
-                <a:latin typeface="Arial"/>
-                <a:ea typeface="ＭＳ Ｐゴシック"/>
-              </a:rPr>
-              <a:t>Anostraca (brine shrimp), Notostraca (tadpole shrimp or shield shrimp-ephemeral environ ), Cladocera (water fleas, Daphnia-freshwater), Conchostraca (clam shrimp-temp freshwater ponds)</a:t>
-            </a:r>
+          <a:lstStyle/>
+          <a:p>
             <a:endParaRPr/>
           </a:p>
         </p:txBody>
       </p:sp>
     </p:spTree>
+    <p:extLst>
+      <p:ext uri="{BB962C8B-B14F-4D97-AF65-F5344CB8AC3E}">
+        <p14:creationId xmlns:p14="http://schemas.microsoft.com/office/powerpoint/2010/main" val="3657478102"/>
+      </p:ext>
+    </p:extLst>
   </p:cSld>
+  <p:clrMapOvr>
+    <a:masterClrMapping/>
+  </p:clrMapOvr>
 </p:notes>
 </file>
 
 <file path=ppt/notesSlides/notesSlide16.xml><?xml version="1.0" encoding="utf-8"?>
-<p:notes xmlns:a="http://schemas.openxmlformats.org/drawingml/2006/main" xmlns:p="http://schemas.openxmlformats.org/presentationml/2006/main" xmlns:r="http://schemas.openxmlformats.org/officeDocument/2006/relationships">
+<p:notes xmlns:a="http://schemas.openxmlformats.org/drawingml/2006/main" xmlns:r="http://schemas.openxmlformats.org/officeDocument/2006/relationships" xmlns:p="http://schemas.openxmlformats.org/presentationml/2006/main">
   <p:cSld>
     <p:spTree>
       <p:nvGrpSpPr>
@@ -799,7 +1129,7 @@
       </p:grpSpPr>
       <p:sp>
         <p:nvSpPr>
-          <p:cNvPr id="213" name="TextShape 1"/>
+          <p:cNvPr id="215" name="TextShape 1"/>
           <p:cNvSpPr txBox="1"/>
           <p:nvPr/>
         </p:nvSpPr>
@@ -814,13 +1144,14 @@
         </p:spPr>
         <p:txBody>
           <a:bodyPr anchor="b"/>
+          <a:lstStyle/>
           <a:p>
             <a:pPr>
               <a:lnSpc>
                 <a:spcPct val="100000"/>
               </a:lnSpc>
             </a:pPr>
-            <a:fld id="{D6625A99-8F75-4CE6-B7DA-5B8B6AA1585B}" type="slidenum">
+            <a:fld id="{753722F7-9EC2-41E3-9EF8-5F777B271AD2}" type="slidenum">
               <a:rPr lang="en-US" sz="1200">
                 <a:solidFill>
                   <a:srgbClr val="000000"/>
@@ -828,7 +1159,7 @@
                 <a:latin typeface="Arial"/>
                 <a:ea typeface="ＭＳ Ｐゴシック"/>
               </a:rPr>
-              <a:t>&lt;number&gt;</a:t>
+              <a:t>17</a:t>
             </a:fld>
             <a:endParaRPr/>
           </a:p>
@@ -836,7 +1167,7 @@
       </p:sp>
       <p:sp>
         <p:nvSpPr>
-          <p:cNvPr id="214" name="PlaceHolder 2"/>
+          <p:cNvPr id="216" name="PlaceHolder 2"/>
           <p:cNvSpPr>
             <a:spLocks noGrp="1"/>
           </p:cNvSpPr>
@@ -855,18 +1186,27 @@
         </p:spPr>
         <p:txBody>
           <a:bodyPr/>
+          <a:lstStyle/>
           <a:p>
             <a:endParaRPr/>
           </a:p>
         </p:txBody>
       </p:sp>
     </p:spTree>
+    <p:extLst>
+      <p:ext uri="{BB962C8B-B14F-4D97-AF65-F5344CB8AC3E}">
+        <p14:creationId xmlns:p14="http://schemas.microsoft.com/office/powerpoint/2010/main" val="632887735"/>
+      </p:ext>
+    </p:extLst>
   </p:cSld>
+  <p:clrMapOvr>
+    <a:masterClrMapping/>
+  </p:clrMapOvr>
 </p:notes>
 </file>
 
 <file path=ppt/notesSlides/notesSlide17.xml><?xml version="1.0" encoding="utf-8"?>
-<p:notes xmlns:a="http://schemas.openxmlformats.org/drawingml/2006/main" xmlns:p="http://schemas.openxmlformats.org/presentationml/2006/main" xmlns:r="http://schemas.openxmlformats.org/officeDocument/2006/relationships">
+<p:notes xmlns:a="http://schemas.openxmlformats.org/drawingml/2006/main" xmlns:r="http://schemas.openxmlformats.org/officeDocument/2006/relationships" xmlns:p="http://schemas.openxmlformats.org/presentationml/2006/main">
   <p:cSld>
     <p:spTree>
       <p:nvGrpSpPr>
@@ -884,7 +1224,7 @@
       </p:grpSpPr>
       <p:sp>
         <p:nvSpPr>
-          <p:cNvPr id="215" name="TextShape 1"/>
+          <p:cNvPr id="217" name="TextShape 1"/>
           <p:cNvSpPr txBox="1"/>
           <p:nvPr/>
         </p:nvSpPr>
@@ -899,13 +1239,14 @@
         </p:spPr>
         <p:txBody>
           <a:bodyPr anchor="b"/>
+          <a:lstStyle/>
           <a:p>
             <a:pPr>
               <a:lnSpc>
                 <a:spcPct val="100000"/>
               </a:lnSpc>
             </a:pPr>
-            <a:fld id="{753722F7-9EC2-41E3-9EF8-5F777B271AD2}" type="slidenum">
+            <a:fld id="{A03485BC-0F77-42B3-981C-25750056BA7B}" type="slidenum">
               <a:rPr lang="en-US" sz="1200">
                 <a:solidFill>
                   <a:srgbClr val="000000"/>
@@ -913,7 +1254,7 @@
                 <a:latin typeface="Arial"/>
                 <a:ea typeface="ＭＳ Ｐゴシック"/>
               </a:rPr>
-              <a:t>&lt;number&gt;</a:t>
+              <a:t>18</a:t>
             </a:fld>
             <a:endParaRPr/>
           </a:p>
@@ -921,7 +1262,7 @@
       </p:sp>
       <p:sp>
         <p:nvSpPr>
-          <p:cNvPr id="216" name="PlaceHolder 2"/>
+          <p:cNvPr id="218" name="PlaceHolder 2"/>
           <p:cNvSpPr>
             <a:spLocks noGrp="1"/>
           </p:cNvSpPr>
@@ -940,18 +1281,27 @@
         </p:spPr>
         <p:txBody>
           <a:bodyPr/>
+          <a:lstStyle/>
           <a:p>
             <a:endParaRPr/>
           </a:p>
         </p:txBody>
       </p:sp>
     </p:spTree>
+    <p:extLst>
+      <p:ext uri="{BB962C8B-B14F-4D97-AF65-F5344CB8AC3E}">
+        <p14:creationId xmlns:p14="http://schemas.microsoft.com/office/powerpoint/2010/main" val="2785332456"/>
+      </p:ext>
+    </p:extLst>
   </p:cSld>
+  <p:clrMapOvr>
+    <a:masterClrMapping/>
+  </p:clrMapOvr>
 </p:notes>
 </file>
 
-<file path=ppt/notesSlides/notesSlide18.xml><?xml version="1.0" encoding="utf-8"?>
-<p:notes xmlns:a="http://schemas.openxmlformats.org/drawingml/2006/main" xmlns:p="http://schemas.openxmlformats.org/presentationml/2006/main" xmlns:r="http://schemas.openxmlformats.org/officeDocument/2006/relationships">
+<file path=ppt/notesSlides/notesSlide2.xml><?xml version="1.0" encoding="utf-8"?>
+<p:notes xmlns:a="http://schemas.openxmlformats.org/drawingml/2006/main" xmlns:r="http://schemas.openxmlformats.org/officeDocument/2006/relationships" xmlns:p="http://schemas.openxmlformats.org/presentationml/2006/main">
   <p:cSld>
     <p:spTree>
       <p:nvGrpSpPr>
@@ -969,7 +1319,7 @@
       </p:grpSpPr>
       <p:sp>
         <p:nvSpPr>
-          <p:cNvPr id="217" name="TextShape 1"/>
+          <p:cNvPr id="187" name="TextShape 1"/>
           <p:cNvSpPr txBox="1"/>
           <p:nvPr/>
         </p:nvSpPr>
@@ -984,13 +1334,14 @@
         </p:spPr>
         <p:txBody>
           <a:bodyPr anchor="b"/>
+          <a:lstStyle/>
           <a:p>
             <a:pPr>
               <a:lnSpc>
                 <a:spcPct val="100000"/>
               </a:lnSpc>
             </a:pPr>
-            <a:fld id="{A03485BC-0F77-42B3-981C-25750056BA7B}" type="slidenum">
+            <a:fld id="{E206ADDC-0E91-47AF-AFB6-FA9596768BAB}" type="slidenum">
               <a:rPr lang="en-US" sz="1200">
                 <a:solidFill>
                   <a:srgbClr val="000000"/>
@@ -998,7 +1349,7 @@
                 <a:latin typeface="Arial"/>
                 <a:ea typeface="ＭＳ Ｐゴシック"/>
               </a:rPr>
-              <a:t>&lt;number&gt;</a:t>
+              <a:t>3</a:t>
             </a:fld>
             <a:endParaRPr/>
           </a:p>
@@ -1006,7 +1357,7 @@
       </p:sp>
       <p:sp>
         <p:nvSpPr>
-          <p:cNvPr id="218" name="PlaceHolder 2"/>
+          <p:cNvPr id="188" name="PlaceHolder 2"/>
           <p:cNvSpPr>
             <a:spLocks noGrp="1"/>
           </p:cNvSpPr>
@@ -1025,18 +1376,46 @@
         </p:spPr>
         <p:txBody>
           <a:bodyPr/>
-          <a:p>
+          <a:lstStyle/>
+          <a:p>
+            <a:pPr>
+              <a:lnSpc>
+                <a:spcPct val="100000"/>
+              </a:lnSpc>
+            </a:pPr>
+            <a:r>
+              <a:rPr lang="en-US" sz="2000">
+                <a:latin typeface="Arial"/>
+                <a:ea typeface="ＭＳ Ｐゴシック"/>
+              </a:rPr>
+              <a:t>Proprioception:  cuticular stress detectors.  Elastic strands connected to cuticle in limbs.  Stress to the cuticle (such as movement) will signal the rest of limbs – probably important when trying to coordinate 19 pairs of appendages </a:t>
+            </a:r>
+            <a:r>
+              <a:rPr lang="en-US" sz="2000">
+                <a:latin typeface="Wingdings"/>
+                <a:ea typeface="ＭＳ Ｐゴシック"/>
+              </a:rPr>
+              <a:t></a:t>
+            </a:r>
             <a:endParaRPr/>
           </a:p>
         </p:txBody>
       </p:sp>
     </p:spTree>
+    <p:extLst>
+      <p:ext uri="{BB962C8B-B14F-4D97-AF65-F5344CB8AC3E}">
+        <p14:creationId xmlns:p14="http://schemas.microsoft.com/office/powerpoint/2010/main" val="2904600480"/>
+      </p:ext>
+    </p:extLst>
   </p:cSld>
+  <p:clrMapOvr>
+    <a:masterClrMapping/>
+  </p:clrMapOvr>
 </p:notes>
 </file>
 
-<file path=ppt/notesSlides/notesSlide2.xml><?xml version="1.0" encoding="utf-8"?>
-<p:notes xmlns:a="http://schemas.openxmlformats.org/drawingml/2006/main" xmlns:p="http://schemas.openxmlformats.org/presentationml/2006/main" xmlns:r="http://schemas.openxmlformats.org/officeDocument/2006/relationships">
+<file path=ppt/notesSlides/notesSlide3.xml><?xml version="1.0" encoding="utf-8"?>
+<p:notes xmlns:a="http://schemas.openxmlformats.org/drawingml/2006/main" xmlns:r="http://schemas.openxmlformats.org/officeDocument/2006/relationships" xmlns:p="http://schemas.openxmlformats.org/presentationml/2006/main">
   <p:cSld>
     <p:spTree>
       <p:nvGrpSpPr>
@@ -1054,7 +1433,7 @@
       </p:grpSpPr>
       <p:sp>
         <p:nvSpPr>
-          <p:cNvPr id="185" name="TextShape 1"/>
+          <p:cNvPr id="189" name="TextShape 1"/>
           <p:cNvSpPr txBox="1"/>
           <p:nvPr/>
         </p:nvSpPr>
@@ -1069,13 +1448,14 @@
         </p:spPr>
         <p:txBody>
           <a:bodyPr anchor="b"/>
+          <a:lstStyle/>
           <a:p>
             <a:pPr>
               <a:lnSpc>
                 <a:spcPct val="100000"/>
               </a:lnSpc>
             </a:pPr>
-            <a:fld id="{BABF8366-C6CF-40F8-8F46-56D2723BB27B}" type="slidenum">
+            <a:fld id="{EB19DB01-3D15-4F60-958D-2CE5BA0045F1}" type="slidenum">
               <a:rPr lang="en-US" sz="1200">
                 <a:solidFill>
                   <a:srgbClr val="000000"/>
@@ -1083,7 +1463,7 @@
                 <a:latin typeface="Arial"/>
                 <a:ea typeface="ＭＳ Ｐゴシック"/>
               </a:rPr>
-              <a:t>&lt;number&gt;</a:t>
+              <a:t>4</a:t>
             </a:fld>
             <a:endParaRPr/>
           </a:p>
@@ -1091,7 +1471,7 @@
       </p:sp>
       <p:sp>
         <p:nvSpPr>
-          <p:cNvPr id="186" name="PlaceHolder 2"/>
+          <p:cNvPr id="190" name="PlaceHolder 2"/>
           <p:cNvSpPr>
             <a:spLocks noGrp="1"/>
           </p:cNvSpPr>
@@ -1110,18 +1490,27 @@
         </p:spPr>
         <p:txBody>
           <a:bodyPr/>
+          <a:lstStyle/>
           <a:p>
             <a:endParaRPr/>
           </a:p>
         </p:txBody>
       </p:sp>
     </p:spTree>
+    <p:extLst>
+      <p:ext uri="{BB962C8B-B14F-4D97-AF65-F5344CB8AC3E}">
+        <p14:creationId xmlns:p14="http://schemas.microsoft.com/office/powerpoint/2010/main" val="974007130"/>
+      </p:ext>
+    </p:extLst>
   </p:cSld>
+  <p:clrMapOvr>
+    <a:masterClrMapping/>
+  </p:clrMapOvr>
 </p:notes>
 </file>
 
-<file path=ppt/notesSlides/notesSlide3.xml><?xml version="1.0" encoding="utf-8"?>
-<p:notes xmlns:a="http://schemas.openxmlformats.org/drawingml/2006/main" xmlns:p="http://schemas.openxmlformats.org/presentationml/2006/main" xmlns:r="http://schemas.openxmlformats.org/officeDocument/2006/relationships">
+<file path=ppt/notesSlides/notesSlide4.xml><?xml version="1.0" encoding="utf-8"?>
+<p:notes xmlns:a="http://schemas.openxmlformats.org/drawingml/2006/main" xmlns:r="http://schemas.openxmlformats.org/officeDocument/2006/relationships" xmlns:p="http://schemas.openxmlformats.org/presentationml/2006/main">
   <p:cSld>
     <p:spTree>
       <p:nvGrpSpPr>
@@ -1139,7 +1528,7 @@
       </p:grpSpPr>
       <p:sp>
         <p:nvSpPr>
-          <p:cNvPr id="187" name="TextShape 1"/>
+          <p:cNvPr id="191" name="TextShape 1"/>
           <p:cNvSpPr txBox="1"/>
           <p:nvPr/>
         </p:nvSpPr>
@@ -1154,13 +1543,14 @@
         </p:spPr>
         <p:txBody>
           <a:bodyPr anchor="b"/>
+          <a:lstStyle/>
           <a:p>
             <a:pPr>
               <a:lnSpc>
                 <a:spcPct val="100000"/>
               </a:lnSpc>
             </a:pPr>
-            <a:fld id="{E206ADDC-0E91-47AF-AFB6-FA9596768BAB}" type="slidenum">
+            <a:fld id="{0201CF36-7560-472F-933C-EB58B2AC0F89}" type="slidenum">
               <a:rPr lang="en-US" sz="1200">
                 <a:solidFill>
                   <a:srgbClr val="000000"/>
@@ -1168,7 +1558,7 @@
                 <a:latin typeface="Arial"/>
                 <a:ea typeface="ＭＳ Ｐゴシック"/>
               </a:rPr>
-              <a:t>&lt;number&gt;</a:t>
+              <a:t>5</a:t>
             </a:fld>
             <a:endParaRPr/>
           </a:p>
@@ -1176,7 +1566,7 @@
       </p:sp>
       <p:sp>
         <p:nvSpPr>
-          <p:cNvPr id="188" name="PlaceHolder 2"/>
+          <p:cNvPr id="192" name="PlaceHolder 2"/>
           <p:cNvSpPr>
             <a:spLocks noGrp="1"/>
           </p:cNvSpPr>
@@ -1195,37 +1585,27 @@
         </p:spPr>
         <p:txBody>
           <a:bodyPr/>
-          <a:p>
-            <a:pPr>
-              <a:lnSpc>
-                <a:spcPct val="100000"/>
-              </a:lnSpc>
-            </a:pPr>
-            <a:r>
-              <a:rPr lang="en-US" sz="2000">
-                <a:latin typeface="Arial"/>
-                <a:ea typeface="ＭＳ Ｐゴシック"/>
-              </a:rPr>
-              <a:t>Proprioception:  cuticular stress detectors.  Elastic strands connected to cuticle in limbs.  Stress to the cuticle (such as movement) will signal the rest of limbs – probably important when trying to coordinate 19 pairs of appendages </a:t>
-            </a:r>
-            <a:r>
-              <a:rPr lang="en-US" sz="2000">
-                <a:latin typeface="Wingdings"/>
-                <a:ea typeface="ＭＳ Ｐゴシック"/>
-              </a:rPr>
-              <a:t></a:t>
-            </a:r>
+          <a:lstStyle/>
+          <a:p>
             <a:endParaRPr/>
           </a:p>
         </p:txBody>
       </p:sp>
     </p:spTree>
+    <p:extLst>
+      <p:ext uri="{BB962C8B-B14F-4D97-AF65-F5344CB8AC3E}">
+        <p14:creationId xmlns:p14="http://schemas.microsoft.com/office/powerpoint/2010/main" val="3466408685"/>
+      </p:ext>
+    </p:extLst>
   </p:cSld>
+  <p:clrMapOvr>
+    <a:masterClrMapping/>
+  </p:clrMapOvr>
 </p:notes>
 </file>
 
-<file path=ppt/notesSlides/notesSlide4.xml><?xml version="1.0" encoding="utf-8"?>
-<p:notes xmlns:a="http://schemas.openxmlformats.org/drawingml/2006/main" xmlns:p="http://schemas.openxmlformats.org/presentationml/2006/main" xmlns:r="http://schemas.openxmlformats.org/officeDocument/2006/relationships">
+<file path=ppt/notesSlides/notesSlide5.xml><?xml version="1.0" encoding="utf-8"?>
+<p:notes xmlns:a="http://schemas.openxmlformats.org/drawingml/2006/main" xmlns:r="http://schemas.openxmlformats.org/officeDocument/2006/relationships" xmlns:p="http://schemas.openxmlformats.org/presentationml/2006/main">
   <p:cSld>
     <p:spTree>
       <p:nvGrpSpPr>
@@ -1243,7 +1623,7 @@
       </p:grpSpPr>
       <p:sp>
         <p:nvSpPr>
-          <p:cNvPr id="189" name="TextShape 1"/>
+          <p:cNvPr id="193" name="TextShape 1"/>
           <p:cNvSpPr txBox="1"/>
           <p:nvPr/>
         </p:nvSpPr>
@@ -1258,13 +1638,14 @@
         </p:spPr>
         <p:txBody>
           <a:bodyPr anchor="b"/>
+          <a:lstStyle/>
           <a:p>
             <a:pPr>
               <a:lnSpc>
                 <a:spcPct val="100000"/>
               </a:lnSpc>
             </a:pPr>
-            <a:fld id="{EB19DB01-3D15-4F60-958D-2CE5BA0045F1}" type="slidenum">
+            <a:fld id="{7A93B42D-0928-4F59-9FA9-24986921900D}" type="slidenum">
               <a:rPr lang="en-US" sz="1200">
                 <a:solidFill>
                   <a:srgbClr val="000000"/>
@@ -1272,7 +1653,7 @@
                 <a:latin typeface="Arial"/>
                 <a:ea typeface="ＭＳ Ｐゴシック"/>
               </a:rPr>
-              <a:t>&lt;number&gt;</a:t>
+              <a:t>6</a:t>
             </a:fld>
             <a:endParaRPr/>
           </a:p>
@@ -1280,7 +1661,7 @@
       </p:sp>
       <p:sp>
         <p:nvSpPr>
-          <p:cNvPr id="190" name="PlaceHolder 2"/>
+          <p:cNvPr id="194" name="PlaceHolder 2"/>
           <p:cNvSpPr>
             <a:spLocks noGrp="1"/>
           </p:cNvSpPr>
@@ -1299,18 +1680,39 @@
         </p:spPr>
         <p:txBody>
           <a:bodyPr/>
-          <a:p>
+          <a:lstStyle/>
+          <a:p>
+            <a:pPr>
+              <a:lnSpc>
+                <a:spcPct val="100000"/>
+              </a:lnSpc>
+            </a:pPr>
+            <a:r>
+              <a:rPr lang="en-US" sz="2000">
+                <a:latin typeface="Arial"/>
+                <a:ea typeface="ＭＳ Ｐゴシック"/>
+              </a:rPr>
+              <a:t>Apposition = B, superposition = C</a:t>
+            </a:r>
             <a:endParaRPr/>
           </a:p>
         </p:txBody>
       </p:sp>
     </p:spTree>
+    <p:extLst>
+      <p:ext uri="{BB962C8B-B14F-4D97-AF65-F5344CB8AC3E}">
+        <p14:creationId xmlns:p14="http://schemas.microsoft.com/office/powerpoint/2010/main" val="4006932645"/>
+      </p:ext>
+    </p:extLst>
   </p:cSld>
+  <p:clrMapOvr>
+    <a:masterClrMapping/>
+  </p:clrMapOvr>
 </p:notes>
 </file>
 
-<file path=ppt/notesSlides/notesSlide5.xml><?xml version="1.0" encoding="utf-8"?>
-<p:notes xmlns:a="http://schemas.openxmlformats.org/drawingml/2006/main" xmlns:p="http://schemas.openxmlformats.org/presentationml/2006/main" xmlns:r="http://schemas.openxmlformats.org/officeDocument/2006/relationships">
+<file path=ppt/notesSlides/notesSlide6.xml><?xml version="1.0" encoding="utf-8"?>
+<p:notes xmlns:a="http://schemas.openxmlformats.org/drawingml/2006/main" xmlns:r="http://schemas.openxmlformats.org/officeDocument/2006/relationships" xmlns:p="http://schemas.openxmlformats.org/presentationml/2006/main">
   <p:cSld>
     <p:spTree>
       <p:nvGrpSpPr>
@@ -1328,7 +1730,7 @@
       </p:grpSpPr>
       <p:sp>
         <p:nvSpPr>
-          <p:cNvPr id="191" name="TextShape 1"/>
+          <p:cNvPr id="195" name="TextShape 1"/>
           <p:cNvSpPr txBox="1"/>
           <p:nvPr/>
         </p:nvSpPr>
@@ -1343,13 +1745,14 @@
         </p:spPr>
         <p:txBody>
           <a:bodyPr anchor="b"/>
+          <a:lstStyle/>
           <a:p>
             <a:pPr>
               <a:lnSpc>
                 <a:spcPct val="100000"/>
               </a:lnSpc>
             </a:pPr>
-            <a:fld id="{0201CF36-7560-472F-933C-EB58B2AC0F89}" type="slidenum">
+            <a:fld id="{8E279759-1E10-4B11-82C1-7FF4B50896A9}" type="slidenum">
               <a:rPr lang="en-US" sz="1200">
                 <a:solidFill>
                   <a:srgbClr val="000000"/>
@@ -1357,7 +1760,7 @@
                 <a:latin typeface="Arial"/>
                 <a:ea typeface="ＭＳ Ｐゴシック"/>
               </a:rPr>
-              <a:t>&lt;number&gt;</a:t>
+              <a:t>7</a:t>
             </a:fld>
             <a:endParaRPr/>
           </a:p>
@@ -1365,7 +1768,7 @@
       </p:sp>
       <p:sp>
         <p:nvSpPr>
-          <p:cNvPr id="192" name="PlaceHolder 2"/>
+          <p:cNvPr id="196" name="PlaceHolder 2"/>
           <p:cNvSpPr>
             <a:spLocks noGrp="1"/>
           </p:cNvSpPr>
@@ -1384,18 +1787,27 @@
         </p:spPr>
         <p:txBody>
           <a:bodyPr/>
+          <a:lstStyle/>
           <a:p>
             <a:endParaRPr/>
           </a:p>
         </p:txBody>
       </p:sp>
     </p:spTree>
+    <p:extLst>
+      <p:ext uri="{BB962C8B-B14F-4D97-AF65-F5344CB8AC3E}">
+        <p14:creationId xmlns:p14="http://schemas.microsoft.com/office/powerpoint/2010/main" val="1409157254"/>
+      </p:ext>
+    </p:extLst>
   </p:cSld>
+  <p:clrMapOvr>
+    <a:masterClrMapping/>
+  </p:clrMapOvr>
 </p:notes>
 </file>
 
-<file path=ppt/notesSlides/notesSlide6.xml><?xml version="1.0" encoding="utf-8"?>
-<p:notes xmlns:a="http://schemas.openxmlformats.org/drawingml/2006/main" xmlns:p="http://schemas.openxmlformats.org/presentationml/2006/main" xmlns:r="http://schemas.openxmlformats.org/officeDocument/2006/relationships">
+<file path=ppt/notesSlides/notesSlide7.xml><?xml version="1.0" encoding="utf-8"?>
+<p:notes xmlns:a="http://schemas.openxmlformats.org/drawingml/2006/main" xmlns:r="http://schemas.openxmlformats.org/officeDocument/2006/relationships" xmlns:p="http://schemas.openxmlformats.org/presentationml/2006/main">
   <p:cSld>
     <p:spTree>
       <p:nvGrpSpPr>
@@ -1413,7 +1825,7 @@
       </p:grpSpPr>
       <p:sp>
         <p:nvSpPr>
-          <p:cNvPr id="193" name="TextShape 1"/>
+          <p:cNvPr id="197" name="TextShape 1"/>
           <p:cNvSpPr txBox="1"/>
           <p:nvPr/>
         </p:nvSpPr>
@@ -1428,13 +1840,14 @@
         </p:spPr>
         <p:txBody>
           <a:bodyPr anchor="b"/>
+          <a:lstStyle/>
           <a:p>
             <a:pPr>
               <a:lnSpc>
                 <a:spcPct val="100000"/>
               </a:lnSpc>
             </a:pPr>
-            <a:fld id="{7A93B42D-0928-4F59-9FA9-24986921900D}" type="slidenum">
+            <a:fld id="{A2AC7864-FFE3-4622-BE71-AA4A8E898D6B}" type="slidenum">
               <a:rPr lang="en-US" sz="1200">
                 <a:solidFill>
                   <a:srgbClr val="000000"/>
@@ -1442,7 +1855,7 @@
                 <a:latin typeface="Arial"/>
                 <a:ea typeface="ＭＳ Ｐゴシック"/>
               </a:rPr>
-              <a:t>&lt;number&gt;</a:t>
+              <a:t>8</a:t>
             </a:fld>
             <a:endParaRPr/>
           </a:p>
@@ -1450,7 +1863,7 @@
       </p:sp>
       <p:sp>
         <p:nvSpPr>
-          <p:cNvPr id="194" name="PlaceHolder 2"/>
+          <p:cNvPr id="198" name="PlaceHolder 2"/>
           <p:cNvSpPr>
             <a:spLocks noGrp="1"/>
           </p:cNvSpPr>
@@ -1469,30 +1882,27 @@
         </p:spPr>
         <p:txBody>
           <a:bodyPr/>
-          <a:p>
-            <a:pPr>
-              <a:lnSpc>
-                <a:spcPct val="100000"/>
-              </a:lnSpc>
-            </a:pPr>
-            <a:r>
-              <a:rPr lang="en-US" sz="2000">
-                <a:latin typeface="Arial"/>
-                <a:ea typeface="ＭＳ Ｐゴシック"/>
-              </a:rPr>
-              <a:t>Apposition = B, superposition = C</a:t>
-            </a:r>
+          <a:lstStyle/>
+          <a:p>
             <a:endParaRPr/>
           </a:p>
         </p:txBody>
       </p:sp>
     </p:spTree>
+    <p:extLst>
+      <p:ext uri="{BB962C8B-B14F-4D97-AF65-F5344CB8AC3E}">
+        <p14:creationId xmlns:p14="http://schemas.microsoft.com/office/powerpoint/2010/main" val="3870060198"/>
+      </p:ext>
+    </p:extLst>
   </p:cSld>
+  <p:clrMapOvr>
+    <a:masterClrMapping/>
+  </p:clrMapOvr>
 </p:notes>
 </file>
 
-<file path=ppt/notesSlides/notesSlide7.xml><?xml version="1.0" encoding="utf-8"?>
-<p:notes xmlns:a="http://schemas.openxmlformats.org/drawingml/2006/main" xmlns:p="http://schemas.openxmlformats.org/presentationml/2006/main" xmlns:r="http://schemas.openxmlformats.org/officeDocument/2006/relationships">
+<file path=ppt/notesSlides/notesSlide8.xml><?xml version="1.0" encoding="utf-8"?>
+<p:notes xmlns:a="http://schemas.openxmlformats.org/drawingml/2006/main" xmlns:r="http://schemas.openxmlformats.org/officeDocument/2006/relationships" xmlns:p="http://schemas.openxmlformats.org/presentationml/2006/main">
   <p:cSld>
     <p:spTree>
       <p:nvGrpSpPr>
@@ -1510,7 +1920,7 @@
       </p:grpSpPr>
       <p:sp>
         <p:nvSpPr>
-          <p:cNvPr id="195" name="TextShape 1"/>
+          <p:cNvPr id="199" name="TextShape 1"/>
           <p:cNvSpPr txBox="1"/>
           <p:nvPr/>
         </p:nvSpPr>
@@ -1525,13 +1935,14 @@
         </p:spPr>
         <p:txBody>
           <a:bodyPr anchor="b"/>
+          <a:lstStyle/>
           <a:p>
             <a:pPr>
               <a:lnSpc>
                 <a:spcPct val="100000"/>
               </a:lnSpc>
             </a:pPr>
-            <a:fld id="{8E279759-1E10-4B11-82C1-7FF4B50896A9}" type="slidenum">
+            <a:fld id="{A3C041E2-99A6-481A-83E1-CFE4587AA6C5}" type="slidenum">
               <a:rPr lang="en-US" sz="1200">
                 <a:solidFill>
                   <a:srgbClr val="000000"/>
@@ -1539,7 +1950,7 @@
                 <a:latin typeface="Arial"/>
                 <a:ea typeface="ＭＳ Ｐゴシック"/>
               </a:rPr>
-              <a:t>&lt;number&gt;</a:t>
+              <a:t>9</a:t>
             </a:fld>
             <a:endParaRPr/>
           </a:p>
@@ -1547,7 +1958,7 @@
       </p:sp>
       <p:sp>
         <p:nvSpPr>
-          <p:cNvPr id="196" name="PlaceHolder 2"/>
+          <p:cNvPr id="200" name="PlaceHolder 2"/>
           <p:cNvSpPr>
             <a:spLocks noGrp="1"/>
           </p:cNvSpPr>
@@ -1566,18 +1977,27 @@
         </p:spPr>
         <p:txBody>
           <a:bodyPr/>
+          <a:lstStyle/>
           <a:p>
             <a:endParaRPr/>
           </a:p>
         </p:txBody>
       </p:sp>
     </p:spTree>
+    <p:extLst>
+      <p:ext uri="{BB962C8B-B14F-4D97-AF65-F5344CB8AC3E}">
+        <p14:creationId xmlns:p14="http://schemas.microsoft.com/office/powerpoint/2010/main" val="2356035368"/>
+      </p:ext>
+    </p:extLst>
   </p:cSld>
+  <p:clrMapOvr>
+    <a:masterClrMapping/>
+  </p:clrMapOvr>
 </p:notes>
 </file>
 
-<file path=ppt/notesSlides/notesSlide8.xml><?xml version="1.0" encoding="utf-8"?>
-<p:notes xmlns:a="http://schemas.openxmlformats.org/drawingml/2006/main" xmlns:p="http://schemas.openxmlformats.org/presentationml/2006/main" xmlns:r="http://schemas.openxmlformats.org/officeDocument/2006/relationships">
+<file path=ppt/notesSlides/notesSlide9.xml><?xml version="1.0" encoding="utf-8"?>
+<p:notes xmlns:a="http://schemas.openxmlformats.org/drawingml/2006/main" xmlns:r="http://schemas.openxmlformats.org/officeDocument/2006/relationships" xmlns:p="http://schemas.openxmlformats.org/presentationml/2006/main">
   <p:cSld>
     <p:spTree>
       <p:nvGrpSpPr>
@@ -1595,7 +2015,7 @@
       </p:grpSpPr>
       <p:sp>
         <p:nvSpPr>
-          <p:cNvPr id="197" name="TextShape 1"/>
+          <p:cNvPr id="201" name="TextShape 1"/>
           <p:cNvSpPr txBox="1"/>
           <p:nvPr/>
         </p:nvSpPr>
@@ -1610,13 +2030,14 @@
         </p:spPr>
         <p:txBody>
           <a:bodyPr anchor="b"/>
+          <a:lstStyle/>
           <a:p>
             <a:pPr>
               <a:lnSpc>
                 <a:spcPct val="100000"/>
               </a:lnSpc>
             </a:pPr>
-            <a:fld id="{A2AC7864-FFE3-4622-BE71-AA4A8E898D6B}" type="slidenum">
+            <a:fld id="{AB5244CA-66E1-4D21-9F3E-48DEB3A76CFB}" type="slidenum">
               <a:rPr lang="en-US" sz="1200">
                 <a:solidFill>
                   <a:srgbClr val="000000"/>
@@ -1624,7 +2045,7 @@
                 <a:latin typeface="Arial"/>
                 <a:ea typeface="ＭＳ Ｐゴシック"/>
               </a:rPr>
-              <a:t>&lt;number&gt;</a:t>
+              <a:t>10</a:t>
             </a:fld>
             <a:endParaRPr/>
           </a:p>
@@ -1632,7 +2053,7 @@
       </p:sp>
       <p:sp>
         <p:nvSpPr>
-          <p:cNvPr id="198" name="PlaceHolder 2"/>
+          <p:cNvPr id="202" name="PlaceHolder 2"/>
           <p:cNvSpPr>
             <a:spLocks noGrp="1"/>
           </p:cNvSpPr>
@@ -1651,103 +2072,54 @@
         </p:spPr>
         <p:txBody>
           <a:bodyPr/>
-          <a:p>
+          <a:lstStyle/>
+          <a:p>
+            <a:pPr>
+              <a:lnSpc>
+                <a:spcPct val="100000"/>
+              </a:lnSpc>
+            </a:pPr>
+            <a:r>
+              <a:rPr lang="en-US" sz="2000">
+                <a:latin typeface="Arial"/>
+                <a:ea typeface="ＭＳ Ｐゴシック"/>
+              </a:rPr>
+              <a:t>Barnacles have cyprids, copepods have copepodite</a:t>
+            </a:r>
+            <a:endParaRPr/>
+          </a:p>
+          <a:p>
+            <a:pPr>
+              <a:lnSpc>
+                <a:spcPct val="100000"/>
+              </a:lnSpc>
+            </a:pPr>
+            <a:r>
+              <a:rPr lang="en-US" sz="2000">
+                <a:latin typeface="Arial"/>
+                <a:ea typeface="ＭＳ Ｐゴシック"/>
+              </a:rPr>
+              <a:t>, crabs have zoea and megalops</a:t>
+            </a:r>
             <a:endParaRPr/>
           </a:p>
         </p:txBody>
       </p:sp>
     </p:spTree>
+    <p:extLst>
+      <p:ext uri="{BB962C8B-B14F-4D97-AF65-F5344CB8AC3E}">
+        <p14:creationId xmlns:p14="http://schemas.microsoft.com/office/powerpoint/2010/main" val="848534793"/>
+      </p:ext>
+    </p:extLst>
   </p:cSld>
-</p:notes>
-</file>
-
-<file path=ppt/notesSlides/notesSlide9.xml><?xml version="1.0" encoding="utf-8"?>
-<p:notes xmlns:a="http://schemas.openxmlformats.org/drawingml/2006/main" xmlns:p="http://schemas.openxmlformats.org/presentationml/2006/main" xmlns:r="http://schemas.openxmlformats.org/officeDocument/2006/relationships">
-  <p:cSld>
-    <p:spTree>
-      <p:nvGrpSpPr>
-        <p:cNvPr id="1" name=""/>
-        <p:cNvGrpSpPr/>
-        <p:nvPr/>
-      </p:nvGrpSpPr>
-      <p:grpSpPr>
-        <a:xfrm>
-          <a:off x="0" y="0"/>
-          <a:ext cx="0" cy="0"/>
-          <a:chOff x="0" y="0"/>
-          <a:chExt cx="0" cy="0"/>
-        </a:xfrm>
-      </p:grpSpPr>
-      <p:sp>
-        <p:nvSpPr>
-          <p:cNvPr id="199" name="TextShape 1"/>
-          <p:cNvSpPr txBox="1"/>
-          <p:nvPr/>
-        </p:nvSpPr>
-        <p:spPr>
-          <a:xfrm>
-            <a:off x="3884760" y="8685360"/>
-            <a:ext cx="2971440" cy="456840"/>
-          </a:xfrm>
-          <a:prstGeom prst="rect">
-            <a:avLst/>
-          </a:prstGeom>
-        </p:spPr>
-        <p:txBody>
-          <a:bodyPr anchor="b"/>
-          <a:p>
-            <a:pPr>
-              <a:lnSpc>
-                <a:spcPct val="100000"/>
-              </a:lnSpc>
-            </a:pPr>
-            <a:fld id="{A3C041E2-99A6-481A-83E1-CFE4587AA6C5}" type="slidenum">
-              <a:rPr lang="en-US" sz="1200">
-                <a:solidFill>
-                  <a:srgbClr val="000000"/>
-                </a:solidFill>
-                <a:latin typeface="Arial"/>
-                <a:ea typeface="ＭＳ Ｐゴシック"/>
-              </a:rPr>
-              <a:t>&lt;number&gt;</a:t>
-            </a:fld>
-            <a:endParaRPr/>
-          </a:p>
-        </p:txBody>
-      </p:sp>
-      <p:sp>
-        <p:nvSpPr>
-          <p:cNvPr id="200" name="PlaceHolder 2"/>
-          <p:cNvSpPr>
-            <a:spLocks noGrp="1"/>
-          </p:cNvSpPr>
-          <p:nvPr>
-            <p:ph type="body"/>
-          </p:nvPr>
-        </p:nvSpPr>
-        <p:spPr>
-          <a:xfrm>
-            <a:off x="685800" y="4343400"/>
-            <a:ext cx="5486040" cy="4114440"/>
-          </a:xfrm>
-          <a:prstGeom prst="rect">
-            <a:avLst/>
-          </a:prstGeom>
-        </p:spPr>
-        <p:txBody>
-          <a:bodyPr/>
-          <a:p>
-            <a:endParaRPr/>
-          </a:p>
-        </p:txBody>
-      </p:sp>
-    </p:spTree>
-  </p:cSld>
+  <p:clrMapOvr>
+    <a:masterClrMapping/>
+  </p:clrMapOvr>
 </p:notes>
 </file>
 
 <file path=ppt/slideLayouts/slideLayout1.xml><?xml version="1.0" encoding="utf-8"?>
-<p:sldLayout xmlns:a="http://schemas.openxmlformats.org/drawingml/2006/main" xmlns:p="http://schemas.openxmlformats.org/presentationml/2006/main" xmlns:r="http://schemas.openxmlformats.org/officeDocument/2006/relationships" type="blank" preserve="1">
+<p:sldLayout xmlns:a="http://schemas.openxmlformats.org/drawingml/2006/main" xmlns:r="http://schemas.openxmlformats.org/officeDocument/2006/relationships" xmlns:p="http://schemas.openxmlformats.org/presentationml/2006/main" type="blank" preserve="1">
   <p:cSld name="Blank Slide">
     <p:spTree>
       <p:nvGrpSpPr>
@@ -1765,11 +2137,14 @@
       </p:grpSpPr>
     </p:spTree>
   </p:cSld>
+  <p:clrMapOvr>
+    <a:masterClrMapping/>
+  </p:clrMapOvr>
 </p:sldLayout>
 </file>
 
 <file path=ppt/slideLayouts/slideLayout10.xml><?xml version="1.0" encoding="utf-8"?>
-<p:sldLayout xmlns:a="http://schemas.openxmlformats.org/drawingml/2006/main" xmlns:p="http://schemas.openxmlformats.org/presentationml/2006/main" xmlns:r="http://schemas.openxmlformats.org/officeDocument/2006/relationships" type="objOverTx" preserve="1">
+<p:sldLayout xmlns:a="http://schemas.openxmlformats.org/drawingml/2006/main" xmlns:r="http://schemas.openxmlformats.org/officeDocument/2006/relationships" xmlns:p="http://schemas.openxmlformats.org/presentationml/2006/main" type="objOverTx" preserve="1">
   <p:cSld name="Title, Content over Content">
     <p:spTree>
       <p:nvGrpSpPr>
@@ -1805,7 +2180,8 @@
           </a:prstGeom>
         </p:spPr>
         <p:txBody>
-          <a:bodyPr lIns="0" rIns="0" tIns="0" bIns="0" anchor="ctr"/>
+          <a:bodyPr lIns="0" tIns="0" rIns="0" bIns="0" anchor="ctr"/>
+          <a:lstStyle/>
           <a:p>
             <a:endParaRPr/>
           </a:p>
@@ -1831,7 +2207,8 @@
           </a:prstGeom>
         </p:spPr>
         <p:txBody>
-          <a:bodyPr lIns="0" rIns="0" tIns="0" bIns="0"/>
+          <a:bodyPr lIns="0" tIns="0" rIns="0" bIns="0"/>
+          <a:lstStyle/>
           <a:p>
             <a:endParaRPr/>
           </a:p>
@@ -1857,7 +2234,8 @@
           </a:prstGeom>
         </p:spPr>
         <p:txBody>
-          <a:bodyPr lIns="0" rIns="0" tIns="0" bIns="0"/>
+          <a:bodyPr lIns="0" tIns="0" rIns="0" bIns="0"/>
+          <a:lstStyle/>
           <a:p>
             <a:endParaRPr/>
           </a:p>
@@ -1865,11 +2243,14 @@
       </p:sp>
     </p:spTree>
   </p:cSld>
+  <p:clrMapOvr>
+    <a:masterClrMapping/>
+  </p:clrMapOvr>
 </p:sldLayout>
 </file>
 
 <file path=ppt/slideLayouts/slideLayout11.xml><?xml version="1.0" encoding="utf-8"?>
-<p:sldLayout xmlns:a="http://schemas.openxmlformats.org/drawingml/2006/main" xmlns:p="http://schemas.openxmlformats.org/presentationml/2006/main" xmlns:r="http://schemas.openxmlformats.org/officeDocument/2006/relationships" type="fourObj" preserve="1">
+<p:sldLayout xmlns:a="http://schemas.openxmlformats.org/drawingml/2006/main" xmlns:r="http://schemas.openxmlformats.org/officeDocument/2006/relationships" xmlns:p="http://schemas.openxmlformats.org/presentationml/2006/main" type="fourObj" preserve="1">
   <p:cSld name="Title, 4 Content">
     <p:spTree>
       <p:nvGrpSpPr>
@@ -1905,7 +2286,8 @@
           </a:prstGeom>
         </p:spPr>
         <p:txBody>
-          <a:bodyPr lIns="0" rIns="0" tIns="0" bIns="0" anchor="ctr"/>
+          <a:bodyPr lIns="0" tIns="0" rIns="0" bIns="0" anchor="ctr"/>
+          <a:lstStyle/>
           <a:p>
             <a:endParaRPr/>
           </a:p>
@@ -1931,7 +2313,8 @@
           </a:prstGeom>
         </p:spPr>
         <p:txBody>
-          <a:bodyPr lIns="0" rIns="0" tIns="0" bIns="0"/>
+          <a:bodyPr lIns="0" tIns="0" rIns="0" bIns="0"/>
+          <a:lstStyle/>
           <a:p>
             <a:endParaRPr/>
           </a:p>
@@ -1957,7 +2340,8 @@
           </a:prstGeom>
         </p:spPr>
         <p:txBody>
-          <a:bodyPr lIns="0" rIns="0" tIns="0" bIns="0"/>
+          <a:bodyPr lIns="0" tIns="0" rIns="0" bIns="0"/>
+          <a:lstStyle/>
           <a:p>
             <a:endParaRPr/>
           </a:p>
@@ -1983,7 +2367,8 @@
           </a:prstGeom>
         </p:spPr>
         <p:txBody>
-          <a:bodyPr lIns="0" rIns="0" tIns="0" bIns="0"/>
+          <a:bodyPr lIns="0" tIns="0" rIns="0" bIns="0"/>
+          <a:lstStyle/>
           <a:p>
             <a:endParaRPr/>
           </a:p>
@@ -2009,7 +2394,8 @@
           </a:prstGeom>
         </p:spPr>
         <p:txBody>
-          <a:bodyPr lIns="0" rIns="0" tIns="0" bIns="0"/>
+          <a:bodyPr lIns="0" tIns="0" rIns="0" bIns="0"/>
+          <a:lstStyle/>
           <a:p>
             <a:endParaRPr/>
           </a:p>
@@ -2017,11 +2403,14 @@
       </p:sp>
     </p:spTree>
   </p:cSld>
+  <p:clrMapOvr>
+    <a:masterClrMapping/>
+  </p:clrMapOvr>
 </p:sldLayout>
 </file>
 
 <file path=ppt/slideLayouts/slideLayout12.xml><?xml version="1.0" encoding="utf-8"?>
-<p:sldLayout xmlns:a="http://schemas.openxmlformats.org/drawingml/2006/main" xmlns:p="http://schemas.openxmlformats.org/presentationml/2006/main" xmlns:r="http://schemas.openxmlformats.org/officeDocument/2006/relationships" type="blank" preserve="1">
+<p:sldLayout xmlns:a="http://schemas.openxmlformats.org/drawingml/2006/main" xmlns:r="http://schemas.openxmlformats.org/officeDocument/2006/relationships" xmlns:p="http://schemas.openxmlformats.org/presentationml/2006/main" type="blank" preserve="1">
   <p:cSld name="Title, 6 Content">
     <p:spTree>
       <p:nvGrpSpPr>
@@ -2057,7 +2446,8 @@
           </a:prstGeom>
         </p:spPr>
         <p:txBody>
-          <a:bodyPr lIns="0" rIns="0" tIns="0" bIns="0" anchor="ctr"/>
+          <a:bodyPr lIns="0" tIns="0" rIns="0" bIns="0" anchor="ctr"/>
+          <a:lstStyle/>
           <a:p>
             <a:endParaRPr/>
           </a:p>
@@ -2083,7 +2473,8 @@
           </a:prstGeom>
         </p:spPr>
         <p:txBody>
-          <a:bodyPr lIns="0" rIns="0" tIns="0" bIns="0"/>
+          <a:bodyPr lIns="0" tIns="0" rIns="0" bIns="0"/>
+          <a:lstStyle/>
           <a:p>
             <a:endParaRPr/>
           </a:p>
@@ -2109,7 +2500,8 @@
           </a:prstGeom>
         </p:spPr>
         <p:txBody>
-          <a:bodyPr lIns="0" rIns="0" tIns="0" bIns="0"/>
+          <a:bodyPr lIns="0" tIns="0" rIns="0" bIns="0"/>
+          <a:lstStyle/>
           <a:p>
             <a:endParaRPr/>
           </a:p>
@@ -2117,7 +2509,7 @@
       </p:sp>
       <p:pic>
         <p:nvPicPr>
-          <p:cNvPr id="37" name="" descr=""/>
+          <p:cNvPr id="37" name="Picture 36"/>
           <p:cNvPicPr/>
           <p:nvPr/>
         </p:nvPicPr>
@@ -2142,12 +2534,12 @@
       </p:pic>
       <p:pic>
         <p:nvPicPr>
-          <p:cNvPr id="38" name="" descr=""/>
+          <p:cNvPr id="38" name="Picture 37"/>
           <p:cNvPicPr/>
           <p:nvPr/>
         </p:nvPicPr>
         <p:blipFill>
-          <a:blip r:embed="rId3"/>
+          <a:blip r:embed="rId2"/>
           <a:stretch>
             <a:fillRect/>
           </a:stretch>
@@ -2167,11 +2559,14 @@
       </p:pic>
     </p:spTree>
   </p:cSld>
+  <p:clrMapOvr>
+    <a:masterClrMapping/>
+  </p:clrMapOvr>
 </p:sldLayout>
 </file>
 
 <file path=ppt/slideLayouts/slideLayout13.xml><?xml version="1.0" encoding="utf-8"?>
-<p:sldLayout xmlns:a="http://schemas.openxmlformats.org/drawingml/2006/main" xmlns:p="http://schemas.openxmlformats.org/presentationml/2006/main" xmlns:r="http://schemas.openxmlformats.org/officeDocument/2006/relationships" type="blank" preserve="1">
+<p:sldLayout xmlns:a="http://schemas.openxmlformats.org/drawingml/2006/main" xmlns:r="http://schemas.openxmlformats.org/officeDocument/2006/relationships" xmlns:p="http://schemas.openxmlformats.org/presentationml/2006/main" type="blank" preserve="1">
   <p:cSld name="Blank Slide">
     <p:spTree>
       <p:nvGrpSpPr>
@@ -2189,11 +2584,14 @@
       </p:grpSpPr>
     </p:spTree>
   </p:cSld>
+  <p:clrMapOvr>
+    <a:masterClrMapping/>
+  </p:clrMapOvr>
 </p:sldLayout>
 </file>
 
 <file path=ppt/slideLayouts/slideLayout14.xml><?xml version="1.0" encoding="utf-8"?>
-<p:sldLayout xmlns:a="http://schemas.openxmlformats.org/drawingml/2006/main" xmlns:p="http://schemas.openxmlformats.org/presentationml/2006/main" xmlns:r="http://schemas.openxmlformats.org/officeDocument/2006/relationships" type="tx" preserve="1">
+<p:sldLayout xmlns:a="http://schemas.openxmlformats.org/drawingml/2006/main" xmlns:r="http://schemas.openxmlformats.org/officeDocument/2006/relationships" xmlns:p="http://schemas.openxmlformats.org/presentationml/2006/main" type="tx" preserve="1">
   <p:cSld name="Title Slide">
     <p:spTree>
       <p:nvGrpSpPr>
@@ -2229,7 +2627,8 @@
           </a:prstGeom>
         </p:spPr>
         <p:txBody>
-          <a:bodyPr lIns="0" rIns="0" tIns="0" bIns="0" anchor="ctr"/>
+          <a:bodyPr lIns="0" tIns="0" rIns="0" bIns="0" anchor="ctr"/>
+          <a:lstStyle/>
           <a:p>
             <a:endParaRPr/>
           </a:p>
@@ -2255,7 +2654,8 @@
           </a:prstGeom>
         </p:spPr>
         <p:txBody>
-          <a:bodyPr lIns="0" rIns="0" tIns="0" bIns="0" anchor="ctr"/>
+          <a:bodyPr lIns="0" tIns="0" rIns="0" bIns="0" anchor="ctr"/>
+          <a:lstStyle/>
           <a:p>
             <a:pPr algn="ctr"/>
             <a:endParaRPr/>
@@ -2264,11 +2664,14 @@
       </p:sp>
     </p:spTree>
   </p:cSld>
+  <p:clrMapOvr>
+    <a:masterClrMapping/>
+  </p:clrMapOvr>
 </p:sldLayout>
 </file>
 
 <file path=ppt/slideLayouts/slideLayout15.xml><?xml version="1.0" encoding="utf-8"?>
-<p:sldLayout xmlns:a="http://schemas.openxmlformats.org/drawingml/2006/main" xmlns:p="http://schemas.openxmlformats.org/presentationml/2006/main" xmlns:r="http://schemas.openxmlformats.org/officeDocument/2006/relationships" type="obj" preserve="1">
+<p:sldLayout xmlns:a="http://schemas.openxmlformats.org/drawingml/2006/main" xmlns:r="http://schemas.openxmlformats.org/officeDocument/2006/relationships" xmlns:p="http://schemas.openxmlformats.org/presentationml/2006/main" type="obj" preserve="1">
   <p:cSld name="Title, Content">
     <p:spTree>
       <p:nvGrpSpPr>
@@ -2304,7 +2707,8 @@
           </a:prstGeom>
         </p:spPr>
         <p:txBody>
-          <a:bodyPr lIns="0" rIns="0" tIns="0" bIns="0" anchor="ctr"/>
+          <a:bodyPr lIns="0" tIns="0" rIns="0" bIns="0" anchor="ctr"/>
+          <a:lstStyle/>
           <a:p>
             <a:endParaRPr/>
           </a:p>
@@ -2330,7 +2734,8 @@
           </a:prstGeom>
         </p:spPr>
         <p:txBody>
-          <a:bodyPr lIns="0" rIns="0" tIns="0" bIns="0"/>
+          <a:bodyPr lIns="0" tIns="0" rIns="0" bIns="0"/>
+          <a:lstStyle/>
           <a:p>
             <a:endParaRPr/>
           </a:p>
@@ -2338,11 +2743,14 @@
       </p:sp>
     </p:spTree>
   </p:cSld>
+  <p:clrMapOvr>
+    <a:masterClrMapping/>
+  </p:clrMapOvr>
 </p:sldLayout>
 </file>
 
 <file path=ppt/slideLayouts/slideLayout16.xml><?xml version="1.0" encoding="utf-8"?>
-<p:sldLayout xmlns:a="http://schemas.openxmlformats.org/drawingml/2006/main" xmlns:p="http://schemas.openxmlformats.org/presentationml/2006/main" xmlns:r="http://schemas.openxmlformats.org/officeDocument/2006/relationships" type="twoObj" preserve="1">
+<p:sldLayout xmlns:a="http://schemas.openxmlformats.org/drawingml/2006/main" xmlns:r="http://schemas.openxmlformats.org/officeDocument/2006/relationships" xmlns:p="http://schemas.openxmlformats.org/presentationml/2006/main" type="twoObj" preserve="1">
   <p:cSld name="Title, 2 Content">
     <p:spTree>
       <p:nvGrpSpPr>
@@ -2378,7 +2786,8 @@
           </a:prstGeom>
         </p:spPr>
         <p:txBody>
-          <a:bodyPr lIns="0" rIns="0" tIns="0" bIns="0" anchor="ctr"/>
+          <a:bodyPr lIns="0" tIns="0" rIns="0" bIns="0" anchor="ctr"/>
+          <a:lstStyle/>
           <a:p>
             <a:endParaRPr/>
           </a:p>
@@ -2404,7 +2813,8 @@
           </a:prstGeom>
         </p:spPr>
         <p:txBody>
-          <a:bodyPr lIns="0" rIns="0" tIns="0" bIns="0"/>
+          <a:bodyPr lIns="0" tIns="0" rIns="0" bIns="0"/>
+          <a:lstStyle/>
           <a:p>
             <a:endParaRPr/>
           </a:p>
@@ -2430,7 +2840,8 @@
           </a:prstGeom>
         </p:spPr>
         <p:txBody>
-          <a:bodyPr lIns="0" rIns="0" tIns="0" bIns="0"/>
+          <a:bodyPr lIns="0" tIns="0" rIns="0" bIns="0"/>
+          <a:lstStyle/>
           <a:p>
             <a:endParaRPr/>
           </a:p>
@@ -2438,11 +2849,14 @@
       </p:sp>
     </p:spTree>
   </p:cSld>
+  <p:clrMapOvr>
+    <a:masterClrMapping/>
+  </p:clrMapOvr>
 </p:sldLayout>
 </file>
 
 <file path=ppt/slideLayouts/slideLayout17.xml><?xml version="1.0" encoding="utf-8"?>
-<p:sldLayout xmlns:a="http://schemas.openxmlformats.org/drawingml/2006/main" xmlns:p="http://schemas.openxmlformats.org/presentationml/2006/main" xmlns:r="http://schemas.openxmlformats.org/officeDocument/2006/relationships" type="titleOnly" preserve="1">
+<p:sldLayout xmlns:a="http://schemas.openxmlformats.org/drawingml/2006/main" xmlns:r="http://schemas.openxmlformats.org/officeDocument/2006/relationships" xmlns:p="http://schemas.openxmlformats.org/presentationml/2006/main" type="titleOnly" preserve="1">
   <p:cSld name="Title Only">
     <p:spTree>
       <p:nvGrpSpPr>
@@ -2478,7 +2892,8 @@
           </a:prstGeom>
         </p:spPr>
         <p:txBody>
-          <a:bodyPr lIns="0" rIns="0" tIns="0" bIns="0" anchor="ctr"/>
+          <a:bodyPr lIns="0" tIns="0" rIns="0" bIns="0" anchor="ctr"/>
+          <a:lstStyle/>
           <a:p>
             <a:endParaRPr/>
           </a:p>
@@ -2486,11 +2901,14 @@
       </p:sp>
     </p:spTree>
   </p:cSld>
+  <p:clrMapOvr>
+    <a:masterClrMapping/>
+  </p:clrMapOvr>
 </p:sldLayout>
 </file>
 
 <file path=ppt/slideLayouts/slideLayout18.xml><?xml version="1.0" encoding="utf-8"?>
-<p:sldLayout xmlns:a="http://schemas.openxmlformats.org/drawingml/2006/main" xmlns:p="http://schemas.openxmlformats.org/presentationml/2006/main" xmlns:r="http://schemas.openxmlformats.org/officeDocument/2006/relationships" type="objOnly" preserve="1">
+<p:sldLayout xmlns:a="http://schemas.openxmlformats.org/drawingml/2006/main" xmlns:r="http://schemas.openxmlformats.org/officeDocument/2006/relationships" xmlns:p="http://schemas.openxmlformats.org/presentationml/2006/main" type="objOnly" preserve="1">
   <p:cSld name="Centered Text">
     <p:spTree>
       <p:nvGrpSpPr>
@@ -2526,7 +2944,8 @@
           </a:prstGeom>
         </p:spPr>
         <p:txBody>
-          <a:bodyPr lIns="0" rIns="0" tIns="0" bIns="0" anchor="ctr"/>
+          <a:bodyPr lIns="0" tIns="0" rIns="0" bIns="0" anchor="ctr"/>
+          <a:lstStyle/>
           <a:p>
             <a:pPr algn="ctr"/>
             <a:endParaRPr/>
@@ -2535,11 +2954,14 @@
       </p:sp>
     </p:spTree>
   </p:cSld>
+  <p:clrMapOvr>
+    <a:masterClrMapping/>
+  </p:clrMapOvr>
 </p:sldLayout>
 </file>
 
 <file path=ppt/slideLayouts/slideLayout19.xml><?xml version="1.0" encoding="utf-8"?>
-<p:sldLayout xmlns:a="http://schemas.openxmlformats.org/drawingml/2006/main" xmlns:p="http://schemas.openxmlformats.org/presentationml/2006/main" xmlns:r="http://schemas.openxmlformats.org/officeDocument/2006/relationships" type="twoObjAndObj" preserve="1">
+<p:sldLayout xmlns:a="http://schemas.openxmlformats.org/drawingml/2006/main" xmlns:r="http://schemas.openxmlformats.org/officeDocument/2006/relationships" xmlns:p="http://schemas.openxmlformats.org/presentationml/2006/main" type="twoObjAndObj" preserve="1">
   <p:cSld name="Title, 2 Content and Content">
     <p:spTree>
       <p:nvGrpSpPr>
@@ -2575,7 +2997,8 @@
           </a:prstGeom>
         </p:spPr>
         <p:txBody>
-          <a:bodyPr lIns="0" rIns="0" tIns="0" bIns="0" anchor="ctr"/>
+          <a:bodyPr lIns="0" tIns="0" rIns="0" bIns="0" anchor="ctr"/>
+          <a:lstStyle/>
           <a:p>
             <a:endParaRPr/>
           </a:p>
@@ -2601,7 +3024,8 @@
           </a:prstGeom>
         </p:spPr>
         <p:txBody>
-          <a:bodyPr lIns="0" rIns="0" tIns="0" bIns="0"/>
+          <a:bodyPr lIns="0" tIns="0" rIns="0" bIns="0"/>
+          <a:lstStyle/>
           <a:p>
             <a:endParaRPr/>
           </a:p>
@@ -2627,7 +3051,8 @@
           </a:prstGeom>
         </p:spPr>
         <p:txBody>
-          <a:bodyPr lIns="0" rIns="0" tIns="0" bIns="0"/>
+          <a:bodyPr lIns="0" tIns="0" rIns="0" bIns="0"/>
+          <a:lstStyle/>
           <a:p>
             <a:endParaRPr/>
           </a:p>
@@ -2653,7 +3078,8 @@
           </a:prstGeom>
         </p:spPr>
         <p:txBody>
-          <a:bodyPr lIns="0" rIns="0" tIns="0" bIns="0"/>
+          <a:bodyPr lIns="0" tIns="0" rIns="0" bIns="0"/>
+          <a:lstStyle/>
           <a:p>
             <a:endParaRPr/>
           </a:p>
@@ -2661,11 +3087,14 @@
       </p:sp>
     </p:spTree>
   </p:cSld>
+  <p:clrMapOvr>
+    <a:masterClrMapping/>
+  </p:clrMapOvr>
 </p:sldLayout>
 </file>
 
 <file path=ppt/slideLayouts/slideLayout2.xml><?xml version="1.0" encoding="utf-8"?>
-<p:sldLayout xmlns:a="http://schemas.openxmlformats.org/drawingml/2006/main" xmlns:p="http://schemas.openxmlformats.org/presentationml/2006/main" xmlns:r="http://schemas.openxmlformats.org/officeDocument/2006/relationships" type="tx" preserve="1">
+<p:sldLayout xmlns:a="http://schemas.openxmlformats.org/drawingml/2006/main" xmlns:r="http://schemas.openxmlformats.org/officeDocument/2006/relationships" xmlns:p="http://schemas.openxmlformats.org/presentationml/2006/main" type="tx" preserve="1">
   <p:cSld name="Title Slide">
     <p:spTree>
       <p:nvGrpSpPr>
@@ -2701,7 +3130,8 @@
           </a:prstGeom>
         </p:spPr>
         <p:txBody>
-          <a:bodyPr lIns="0" rIns="0" tIns="0" bIns="0" anchor="ctr"/>
+          <a:bodyPr lIns="0" tIns="0" rIns="0" bIns="0" anchor="ctr"/>
+          <a:lstStyle/>
           <a:p>
             <a:endParaRPr/>
           </a:p>
@@ -2727,7 +3157,8 @@
           </a:prstGeom>
         </p:spPr>
         <p:txBody>
-          <a:bodyPr lIns="0" rIns="0" tIns="0" bIns="0" anchor="ctr"/>
+          <a:bodyPr lIns="0" tIns="0" rIns="0" bIns="0" anchor="ctr"/>
+          <a:lstStyle/>
           <a:p>
             <a:pPr algn="ctr"/>
             <a:endParaRPr/>
@@ -2736,11 +3167,14 @@
       </p:sp>
     </p:spTree>
   </p:cSld>
+  <p:clrMapOvr>
+    <a:masterClrMapping/>
+  </p:clrMapOvr>
 </p:sldLayout>
 </file>
 
 <file path=ppt/slideLayouts/slideLayout20.xml><?xml version="1.0" encoding="utf-8"?>
-<p:sldLayout xmlns:a="http://schemas.openxmlformats.org/drawingml/2006/main" xmlns:p="http://schemas.openxmlformats.org/presentationml/2006/main" xmlns:r="http://schemas.openxmlformats.org/officeDocument/2006/relationships" type="objAndTwoObj" preserve="1">
+<p:sldLayout xmlns:a="http://schemas.openxmlformats.org/drawingml/2006/main" xmlns:r="http://schemas.openxmlformats.org/officeDocument/2006/relationships" xmlns:p="http://schemas.openxmlformats.org/presentationml/2006/main" type="objAndTwoObj" preserve="1">
   <p:cSld name="Title Content and 2 Content">
     <p:spTree>
       <p:nvGrpSpPr>
@@ -2776,7 +3210,8 @@
           </a:prstGeom>
         </p:spPr>
         <p:txBody>
-          <a:bodyPr lIns="0" rIns="0" tIns="0" bIns="0" anchor="ctr"/>
+          <a:bodyPr lIns="0" tIns="0" rIns="0" bIns="0" anchor="ctr"/>
+          <a:lstStyle/>
           <a:p>
             <a:endParaRPr/>
           </a:p>
@@ -2802,7 +3237,8 @@
           </a:prstGeom>
         </p:spPr>
         <p:txBody>
-          <a:bodyPr lIns="0" rIns="0" tIns="0" bIns="0"/>
+          <a:bodyPr lIns="0" tIns="0" rIns="0" bIns="0"/>
+          <a:lstStyle/>
           <a:p>
             <a:endParaRPr/>
           </a:p>
@@ -2828,7 +3264,8 @@
           </a:prstGeom>
         </p:spPr>
         <p:txBody>
-          <a:bodyPr lIns="0" rIns="0" tIns="0" bIns="0"/>
+          <a:bodyPr lIns="0" tIns="0" rIns="0" bIns="0"/>
+          <a:lstStyle/>
           <a:p>
             <a:endParaRPr/>
           </a:p>
@@ -2854,7 +3291,8 @@
           </a:prstGeom>
         </p:spPr>
         <p:txBody>
-          <a:bodyPr lIns="0" rIns="0" tIns="0" bIns="0"/>
+          <a:bodyPr lIns="0" tIns="0" rIns="0" bIns="0"/>
+          <a:lstStyle/>
           <a:p>
             <a:endParaRPr/>
           </a:p>
@@ -2862,11 +3300,14 @@
       </p:sp>
     </p:spTree>
   </p:cSld>
+  <p:clrMapOvr>
+    <a:masterClrMapping/>
+  </p:clrMapOvr>
 </p:sldLayout>
 </file>
 
 <file path=ppt/slideLayouts/slideLayout21.xml><?xml version="1.0" encoding="utf-8"?>
-<p:sldLayout xmlns:a="http://schemas.openxmlformats.org/drawingml/2006/main" xmlns:p="http://schemas.openxmlformats.org/presentationml/2006/main" xmlns:r="http://schemas.openxmlformats.org/officeDocument/2006/relationships" type="twoObjOverTx" preserve="1">
+<p:sldLayout xmlns:a="http://schemas.openxmlformats.org/drawingml/2006/main" xmlns:r="http://schemas.openxmlformats.org/officeDocument/2006/relationships" xmlns:p="http://schemas.openxmlformats.org/presentationml/2006/main" type="twoObjOverTx" preserve="1">
   <p:cSld name="Title, 2 Content over Content">
     <p:spTree>
       <p:nvGrpSpPr>
@@ -2902,7 +3343,8 @@
           </a:prstGeom>
         </p:spPr>
         <p:txBody>
-          <a:bodyPr lIns="0" rIns="0" tIns="0" bIns="0" anchor="ctr"/>
+          <a:bodyPr lIns="0" tIns="0" rIns="0" bIns="0" anchor="ctr"/>
+          <a:lstStyle/>
           <a:p>
             <a:endParaRPr/>
           </a:p>
@@ -2928,7 +3370,8 @@
           </a:prstGeom>
         </p:spPr>
         <p:txBody>
-          <a:bodyPr lIns="0" rIns="0" tIns="0" bIns="0"/>
+          <a:bodyPr lIns="0" tIns="0" rIns="0" bIns="0"/>
+          <a:lstStyle/>
           <a:p>
             <a:endParaRPr/>
           </a:p>
@@ -2954,7 +3397,8 @@
           </a:prstGeom>
         </p:spPr>
         <p:txBody>
-          <a:bodyPr lIns="0" rIns="0" tIns="0" bIns="0"/>
+          <a:bodyPr lIns="0" tIns="0" rIns="0" bIns="0"/>
+          <a:lstStyle/>
           <a:p>
             <a:endParaRPr/>
           </a:p>
@@ -2980,7 +3424,8 @@
           </a:prstGeom>
         </p:spPr>
         <p:txBody>
-          <a:bodyPr lIns="0" rIns="0" tIns="0" bIns="0"/>
+          <a:bodyPr lIns="0" tIns="0" rIns="0" bIns="0"/>
+          <a:lstStyle/>
           <a:p>
             <a:endParaRPr/>
           </a:p>
@@ -2988,11 +3433,14 @@
       </p:sp>
     </p:spTree>
   </p:cSld>
+  <p:clrMapOvr>
+    <a:masterClrMapping/>
+  </p:clrMapOvr>
 </p:sldLayout>
 </file>
 
 <file path=ppt/slideLayouts/slideLayout22.xml><?xml version="1.0" encoding="utf-8"?>
-<p:sldLayout xmlns:a="http://schemas.openxmlformats.org/drawingml/2006/main" xmlns:p="http://schemas.openxmlformats.org/presentationml/2006/main" xmlns:r="http://schemas.openxmlformats.org/officeDocument/2006/relationships" type="objOverTx" preserve="1">
+<p:sldLayout xmlns:a="http://schemas.openxmlformats.org/drawingml/2006/main" xmlns:r="http://schemas.openxmlformats.org/officeDocument/2006/relationships" xmlns:p="http://schemas.openxmlformats.org/presentationml/2006/main" type="objOverTx" preserve="1">
   <p:cSld name="Title, Content over Content">
     <p:spTree>
       <p:nvGrpSpPr>
@@ -3028,7 +3476,8 @@
           </a:prstGeom>
         </p:spPr>
         <p:txBody>
-          <a:bodyPr lIns="0" rIns="0" tIns="0" bIns="0" anchor="ctr"/>
+          <a:bodyPr lIns="0" tIns="0" rIns="0" bIns="0" anchor="ctr"/>
+          <a:lstStyle/>
           <a:p>
             <a:endParaRPr/>
           </a:p>
@@ -3054,7 +3503,8 @@
           </a:prstGeom>
         </p:spPr>
         <p:txBody>
-          <a:bodyPr lIns="0" rIns="0" tIns="0" bIns="0"/>
+          <a:bodyPr lIns="0" tIns="0" rIns="0" bIns="0"/>
+          <a:lstStyle/>
           <a:p>
             <a:endParaRPr/>
           </a:p>
@@ -3080,7 +3530,8 @@
           </a:prstGeom>
         </p:spPr>
         <p:txBody>
-          <a:bodyPr lIns="0" rIns="0" tIns="0" bIns="0"/>
+          <a:bodyPr lIns="0" tIns="0" rIns="0" bIns="0"/>
+          <a:lstStyle/>
           <a:p>
             <a:endParaRPr/>
           </a:p>
@@ -3088,11 +3539,14 @@
       </p:sp>
     </p:spTree>
   </p:cSld>
+  <p:clrMapOvr>
+    <a:masterClrMapping/>
+  </p:clrMapOvr>
 </p:sldLayout>
 </file>
 
 <file path=ppt/slideLayouts/slideLayout23.xml><?xml version="1.0" encoding="utf-8"?>
-<p:sldLayout xmlns:a="http://schemas.openxmlformats.org/drawingml/2006/main" xmlns:p="http://schemas.openxmlformats.org/presentationml/2006/main" xmlns:r="http://schemas.openxmlformats.org/officeDocument/2006/relationships" type="fourObj" preserve="1">
+<p:sldLayout xmlns:a="http://schemas.openxmlformats.org/drawingml/2006/main" xmlns:r="http://schemas.openxmlformats.org/officeDocument/2006/relationships" xmlns:p="http://schemas.openxmlformats.org/presentationml/2006/main" type="fourObj" preserve="1">
   <p:cSld name="Title, 4 Content">
     <p:spTree>
       <p:nvGrpSpPr>
@@ -3128,7 +3582,8 @@
           </a:prstGeom>
         </p:spPr>
         <p:txBody>
-          <a:bodyPr lIns="0" rIns="0" tIns="0" bIns="0" anchor="ctr"/>
+          <a:bodyPr lIns="0" tIns="0" rIns="0" bIns="0" anchor="ctr"/>
+          <a:lstStyle/>
           <a:p>
             <a:endParaRPr/>
           </a:p>
@@ -3154,7 +3609,8 @@
           </a:prstGeom>
         </p:spPr>
         <p:txBody>
-          <a:bodyPr lIns="0" rIns="0" tIns="0" bIns="0"/>
+          <a:bodyPr lIns="0" tIns="0" rIns="0" bIns="0"/>
+          <a:lstStyle/>
           <a:p>
             <a:endParaRPr/>
           </a:p>
@@ -3180,7 +3636,8 @@
           </a:prstGeom>
         </p:spPr>
         <p:txBody>
-          <a:bodyPr lIns="0" rIns="0" tIns="0" bIns="0"/>
+          <a:bodyPr lIns="0" tIns="0" rIns="0" bIns="0"/>
+          <a:lstStyle/>
           <a:p>
             <a:endParaRPr/>
           </a:p>
@@ -3206,7 +3663,8 @@
           </a:prstGeom>
         </p:spPr>
         <p:txBody>
-          <a:bodyPr lIns="0" rIns="0" tIns="0" bIns="0"/>
+          <a:bodyPr lIns="0" tIns="0" rIns="0" bIns="0"/>
+          <a:lstStyle/>
           <a:p>
             <a:endParaRPr/>
           </a:p>
@@ -3232,7 +3690,8 @@
           </a:prstGeom>
         </p:spPr>
         <p:txBody>
-          <a:bodyPr lIns="0" rIns="0" tIns="0" bIns="0"/>
+          <a:bodyPr lIns="0" tIns="0" rIns="0" bIns="0"/>
+          <a:lstStyle/>
           <a:p>
             <a:endParaRPr/>
           </a:p>
@@ -3240,11 +3699,14 @@
       </p:sp>
     </p:spTree>
   </p:cSld>
+  <p:clrMapOvr>
+    <a:masterClrMapping/>
+  </p:clrMapOvr>
 </p:sldLayout>
 </file>
 
 <file path=ppt/slideLayouts/slideLayout24.xml><?xml version="1.0" encoding="utf-8"?>
-<p:sldLayout xmlns:a="http://schemas.openxmlformats.org/drawingml/2006/main" xmlns:p="http://schemas.openxmlformats.org/presentationml/2006/main" xmlns:r="http://schemas.openxmlformats.org/officeDocument/2006/relationships" type="blank" preserve="1">
+<p:sldLayout xmlns:a="http://schemas.openxmlformats.org/drawingml/2006/main" xmlns:r="http://schemas.openxmlformats.org/officeDocument/2006/relationships" xmlns:p="http://schemas.openxmlformats.org/presentationml/2006/main" type="blank" preserve="1">
   <p:cSld name="Title, 6 Content">
     <p:spTree>
       <p:nvGrpSpPr>
@@ -3280,7 +3742,8 @@
           </a:prstGeom>
         </p:spPr>
         <p:txBody>
-          <a:bodyPr lIns="0" rIns="0" tIns="0" bIns="0" anchor="ctr"/>
+          <a:bodyPr lIns="0" tIns="0" rIns="0" bIns="0" anchor="ctr"/>
+          <a:lstStyle/>
           <a:p>
             <a:endParaRPr/>
           </a:p>
@@ -3306,7 +3769,8 @@
           </a:prstGeom>
         </p:spPr>
         <p:txBody>
-          <a:bodyPr lIns="0" rIns="0" tIns="0" bIns="0"/>
+          <a:bodyPr lIns="0" tIns="0" rIns="0" bIns="0"/>
+          <a:lstStyle/>
           <a:p>
             <a:endParaRPr/>
           </a:p>
@@ -3332,7 +3796,8 @@
           </a:prstGeom>
         </p:spPr>
         <p:txBody>
-          <a:bodyPr lIns="0" rIns="0" tIns="0" bIns="0"/>
+          <a:bodyPr lIns="0" tIns="0" rIns="0" bIns="0"/>
+          <a:lstStyle/>
           <a:p>
             <a:endParaRPr/>
           </a:p>
@@ -3340,7 +3805,7 @@
       </p:sp>
       <p:pic>
         <p:nvPicPr>
-          <p:cNvPr id="76" name="" descr=""/>
+          <p:cNvPr id="76" name="Picture 75"/>
           <p:cNvPicPr/>
           <p:nvPr/>
         </p:nvPicPr>
@@ -3365,12 +3830,12 @@
       </p:pic>
       <p:pic>
         <p:nvPicPr>
-          <p:cNvPr id="77" name="" descr=""/>
+          <p:cNvPr id="77" name="Picture 76"/>
           <p:cNvPicPr/>
           <p:nvPr/>
         </p:nvPicPr>
         <p:blipFill>
-          <a:blip r:embed="rId3"/>
+          <a:blip r:embed="rId2"/>
           <a:stretch>
             <a:fillRect/>
           </a:stretch>
@@ -3390,11 +3855,14 @@
       </p:pic>
     </p:spTree>
   </p:cSld>
+  <p:clrMapOvr>
+    <a:masterClrMapping/>
+  </p:clrMapOvr>
 </p:sldLayout>
 </file>
 
 <file path=ppt/slideLayouts/slideLayout25.xml><?xml version="1.0" encoding="utf-8"?>
-<p:sldLayout xmlns:a="http://schemas.openxmlformats.org/drawingml/2006/main" xmlns:p="http://schemas.openxmlformats.org/presentationml/2006/main" xmlns:r="http://schemas.openxmlformats.org/officeDocument/2006/relationships" type="blank" preserve="1">
+<p:sldLayout xmlns:a="http://schemas.openxmlformats.org/drawingml/2006/main" xmlns:r="http://schemas.openxmlformats.org/officeDocument/2006/relationships" xmlns:p="http://schemas.openxmlformats.org/presentationml/2006/main" type="blank" preserve="1">
   <p:cSld name="Blank Slide">
     <p:spTree>
       <p:nvGrpSpPr>
@@ -3412,11 +3880,14 @@
       </p:grpSpPr>
     </p:spTree>
   </p:cSld>
+  <p:clrMapOvr>
+    <a:masterClrMapping/>
+  </p:clrMapOvr>
 </p:sldLayout>
 </file>
 
 <file path=ppt/slideLayouts/slideLayout26.xml><?xml version="1.0" encoding="utf-8"?>
-<p:sldLayout xmlns:a="http://schemas.openxmlformats.org/drawingml/2006/main" xmlns:p="http://schemas.openxmlformats.org/presentationml/2006/main" xmlns:r="http://schemas.openxmlformats.org/officeDocument/2006/relationships" type="tx" preserve="1">
+<p:sldLayout xmlns:a="http://schemas.openxmlformats.org/drawingml/2006/main" xmlns:r="http://schemas.openxmlformats.org/officeDocument/2006/relationships" xmlns:p="http://schemas.openxmlformats.org/presentationml/2006/main" type="tx" preserve="1">
   <p:cSld name="Title Slide">
     <p:spTree>
       <p:nvGrpSpPr>
@@ -3452,7 +3923,8 @@
           </a:prstGeom>
         </p:spPr>
         <p:txBody>
-          <a:bodyPr lIns="0" rIns="0" tIns="0" bIns="0" anchor="ctr"/>
+          <a:bodyPr lIns="0" tIns="0" rIns="0" bIns="0" anchor="ctr"/>
+          <a:lstStyle/>
           <a:p>
             <a:endParaRPr/>
           </a:p>
@@ -3478,7 +3950,8 @@
           </a:prstGeom>
         </p:spPr>
         <p:txBody>
-          <a:bodyPr lIns="0" rIns="0" tIns="0" bIns="0" anchor="ctr"/>
+          <a:bodyPr lIns="0" tIns="0" rIns="0" bIns="0" anchor="ctr"/>
+          <a:lstStyle/>
           <a:p>
             <a:pPr algn="ctr"/>
             <a:endParaRPr/>
@@ -3487,11 +3960,14 @@
       </p:sp>
     </p:spTree>
   </p:cSld>
+  <p:clrMapOvr>
+    <a:masterClrMapping/>
+  </p:clrMapOvr>
 </p:sldLayout>
 </file>
 
 <file path=ppt/slideLayouts/slideLayout27.xml><?xml version="1.0" encoding="utf-8"?>
-<p:sldLayout xmlns:a="http://schemas.openxmlformats.org/drawingml/2006/main" xmlns:p="http://schemas.openxmlformats.org/presentationml/2006/main" xmlns:r="http://schemas.openxmlformats.org/officeDocument/2006/relationships" type="obj" preserve="1">
+<p:sldLayout xmlns:a="http://schemas.openxmlformats.org/drawingml/2006/main" xmlns:r="http://schemas.openxmlformats.org/officeDocument/2006/relationships" xmlns:p="http://schemas.openxmlformats.org/presentationml/2006/main" type="obj" preserve="1">
   <p:cSld name="Title, Content">
     <p:spTree>
       <p:nvGrpSpPr>
@@ -3527,7 +4003,8 @@
           </a:prstGeom>
         </p:spPr>
         <p:txBody>
-          <a:bodyPr lIns="0" rIns="0" tIns="0" bIns="0" anchor="ctr"/>
+          <a:bodyPr lIns="0" tIns="0" rIns="0" bIns="0" anchor="ctr"/>
+          <a:lstStyle/>
           <a:p>
             <a:endParaRPr/>
           </a:p>
@@ -3553,7 +4030,8 @@
           </a:prstGeom>
         </p:spPr>
         <p:txBody>
-          <a:bodyPr lIns="0" rIns="0" tIns="0" bIns="0"/>
+          <a:bodyPr lIns="0" tIns="0" rIns="0" bIns="0"/>
+          <a:lstStyle/>
           <a:p>
             <a:endParaRPr/>
           </a:p>
@@ -3561,11 +4039,14 @@
       </p:sp>
     </p:spTree>
   </p:cSld>
+  <p:clrMapOvr>
+    <a:masterClrMapping/>
+  </p:clrMapOvr>
 </p:sldLayout>
 </file>
 
 <file path=ppt/slideLayouts/slideLayout28.xml><?xml version="1.0" encoding="utf-8"?>
-<p:sldLayout xmlns:a="http://schemas.openxmlformats.org/drawingml/2006/main" xmlns:p="http://schemas.openxmlformats.org/presentationml/2006/main" xmlns:r="http://schemas.openxmlformats.org/officeDocument/2006/relationships" type="twoObj" preserve="1">
+<p:sldLayout xmlns:a="http://schemas.openxmlformats.org/drawingml/2006/main" xmlns:r="http://schemas.openxmlformats.org/officeDocument/2006/relationships" xmlns:p="http://schemas.openxmlformats.org/presentationml/2006/main" type="twoObj" preserve="1">
   <p:cSld name="Title, 2 Content">
     <p:spTree>
       <p:nvGrpSpPr>
@@ -3601,7 +4082,8 @@
           </a:prstGeom>
         </p:spPr>
         <p:txBody>
-          <a:bodyPr lIns="0" rIns="0" tIns="0" bIns="0" anchor="ctr"/>
+          <a:bodyPr lIns="0" tIns="0" rIns="0" bIns="0" anchor="ctr"/>
+          <a:lstStyle/>
           <a:p>
             <a:endParaRPr/>
           </a:p>
@@ -3627,7 +4109,8 @@
           </a:prstGeom>
         </p:spPr>
         <p:txBody>
-          <a:bodyPr lIns="0" rIns="0" tIns="0" bIns="0"/>
+          <a:bodyPr lIns="0" tIns="0" rIns="0" bIns="0"/>
+          <a:lstStyle/>
           <a:p>
             <a:endParaRPr/>
           </a:p>
@@ -3653,7 +4136,8 @@
           </a:prstGeom>
         </p:spPr>
         <p:txBody>
-          <a:bodyPr lIns="0" rIns="0" tIns="0" bIns="0"/>
+          <a:bodyPr lIns="0" tIns="0" rIns="0" bIns="0"/>
+          <a:lstStyle/>
           <a:p>
             <a:endParaRPr/>
           </a:p>
@@ -3661,11 +4145,14 @@
       </p:sp>
     </p:spTree>
   </p:cSld>
+  <p:clrMapOvr>
+    <a:masterClrMapping/>
+  </p:clrMapOvr>
 </p:sldLayout>
 </file>
 
 <file path=ppt/slideLayouts/slideLayout29.xml><?xml version="1.0" encoding="utf-8"?>
-<p:sldLayout xmlns:a="http://schemas.openxmlformats.org/drawingml/2006/main" xmlns:p="http://schemas.openxmlformats.org/presentationml/2006/main" xmlns:r="http://schemas.openxmlformats.org/officeDocument/2006/relationships" type="titleOnly" preserve="1">
+<p:sldLayout xmlns:a="http://schemas.openxmlformats.org/drawingml/2006/main" xmlns:r="http://schemas.openxmlformats.org/officeDocument/2006/relationships" xmlns:p="http://schemas.openxmlformats.org/presentationml/2006/main" type="titleOnly" preserve="1">
   <p:cSld name="Title Only">
     <p:spTree>
       <p:nvGrpSpPr>
@@ -3701,7 +4188,8 @@
           </a:prstGeom>
         </p:spPr>
         <p:txBody>
-          <a:bodyPr lIns="0" rIns="0" tIns="0" bIns="0" anchor="ctr"/>
+          <a:bodyPr lIns="0" tIns="0" rIns="0" bIns="0" anchor="ctr"/>
+          <a:lstStyle/>
           <a:p>
             <a:endParaRPr/>
           </a:p>
@@ -3709,11 +4197,14 @@
       </p:sp>
     </p:spTree>
   </p:cSld>
+  <p:clrMapOvr>
+    <a:masterClrMapping/>
+  </p:clrMapOvr>
 </p:sldLayout>
 </file>
 
 <file path=ppt/slideLayouts/slideLayout3.xml><?xml version="1.0" encoding="utf-8"?>
-<p:sldLayout xmlns:a="http://schemas.openxmlformats.org/drawingml/2006/main" xmlns:p="http://schemas.openxmlformats.org/presentationml/2006/main" xmlns:r="http://schemas.openxmlformats.org/officeDocument/2006/relationships" type="obj" preserve="1">
+<p:sldLayout xmlns:a="http://schemas.openxmlformats.org/drawingml/2006/main" xmlns:r="http://schemas.openxmlformats.org/officeDocument/2006/relationships" xmlns:p="http://schemas.openxmlformats.org/presentationml/2006/main" type="obj" preserve="1">
   <p:cSld name="Title, Content">
     <p:spTree>
       <p:nvGrpSpPr>
@@ -3749,7 +4240,8 @@
           </a:prstGeom>
         </p:spPr>
         <p:txBody>
-          <a:bodyPr lIns="0" rIns="0" tIns="0" bIns="0" anchor="ctr"/>
+          <a:bodyPr lIns="0" tIns="0" rIns="0" bIns="0" anchor="ctr"/>
+          <a:lstStyle/>
           <a:p>
             <a:endParaRPr/>
           </a:p>
@@ -3775,7 +4267,8 @@
           </a:prstGeom>
         </p:spPr>
         <p:txBody>
-          <a:bodyPr lIns="0" rIns="0" tIns="0" bIns="0"/>
+          <a:bodyPr lIns="0" tIns="0" rIns="0" bIns="0"/>
+          <a:lstStyle/>
           <a:p>
             <a:endParaRPr/>
           </a:p>
@@ -3783,11 +4276,14 @@
       </p:sp>
     </p:spTree>
   </p:cSld>
+  <p:clrMapOvr>
+    <a:masterClrMapping/>
+  </p:clrMapOvr>
 </p:sldLayout>
 </file>
 
 <file path=ppt/slideLayouts/slideLayout30.xml><?xml version="1.0" encoding="utf-8"?>
-<p:sldLayout xmlns:a="http://schemas.openxmlformats.org/drawingml/2006/main" xmlns:p="http://schemas.openxmlformats.org/presentationml/2006/main" xmlns:r="http://schemas.openxmlformats.org/officeDocument/2006/relationships" type="objOnly" preserve="1">
+<p:sldLayout xmlns:a="http://schemas.openxmlformats.org/drawingml/2006/main" xmlns:r="http://schemas.openxmlformats.org/officeDocument/2006/relationships" xmlns:p="http://schemas.openxmlformats.org/presentationml/2006/main" type="objOnly" preserve="1">
   <p:cSld name="Centered Text">
     <p:spTree>
       <p:nvGrpSpPr>
@@ -3823,7 +4319,8 @@
           </a:prstGeom>
         </p:spPr>
         <p:txBody>
-          <a:bodyPr lIns="0" rIns="0" tIns="0" bIns="0" anchor="ctr"/>
+          <a:bodyPr lIns="0" tIns="0" rIns="0" bIns="0" anchor="ctr"/>
+          <a:lstStyle/>
           <a:p>
             <a:pPr algn="ctr"/>
             <a:endParaRPr/>
@@ -3832,11 +4329,14 @@
       </p:sp>
     </p:spTree>
   </p:cSld>
+  <p:clrMapOvr>
+    <a:masterClrMapping/>
+  </p:clrMapOvr>
 </p:sldLayout>
 </file>
 
 <file path=ppt/slideLayouts/slideLayout31.xml><?xml version="1.0" encoding="utf-8"?>
-<p:sldLayout xmlns:a="http://schemas.openxmlformats.org/drawingml/2006/main" xmlns:p="http://schemas.openxmlformats.org/presentationml/2006/main" xmlns:r="http://schemas.openxmlformats.org/officeDocument/2006/relationships" type="twoObjAndObj" preserve="1">
+<p:sldLayout xmlns:a="http://schemas.openxmlformats.org/drawingml/2006/main" xmlns:r="http://schemas.openxmlformats.org/officeDocument/2006/relationships" xmlns:p="http://schemas.openxmlformats.org/presentationml/2006/main" type="twoObjAndObj" preserve="1">
   <p:cSld name="Title, 2 Content and Content">
     <p:spTree>
       <p:nvGrpSpPr>
@@ -3872,7 +4372,8 @@
           </a:prstGeom>
         </p:spPr>
         <p:txBody>
-          <a:bodyPr lIns="0" rIns="0" tIns="0" bIns="0" anchor="ctr"/>
+          <a:bodyPr lIns="0" tIns="0" rIns="0" bIns="0" anchor="ctr"/>
+          <a:lstStyle/>
           <a:p>
             <a:endParaRPr/>
           </a:p>
@@ -3898,7 +4399,8 @@
           </a:prstGeom>
         </p:spPr>
         <p:txBody>
-          <a:bodyPr lIns="0" rIns="0" tIns="0" bIns="0"/>
+          <a:bodyPr lIns="0" tIns="0" rIns="0" bIns="0"/>
+          <a:lstStyle/>
           <a:p>
             <a:endParaRPr/>
           </a:p>
@@ -3924,7 +4426,8 @@
           </a:prstGeom>
         </p:spPr>
         <p:txBody>
-          <a:bodyPr lIns="0" rIns="0" tIns="0" bIns="0"/>
+          <a:bodyPr lIns="0" tIns="0" rIns="0" bIns="0"/>
+          <a:lstStyle/>
           <a:p>
             <a:endParaRPr/>
           </a:p>
@@ -3950,7 +4453,8 @@
           </a:prstGeom>
         </p:spPr>
         <p:txBody>
-          <a:bodyPr lIns="0" rIns="0" tIns="0" bIns="0"/>
+          <a:bodyPr lIns="0" tIns="0" rIns="0" bIns="0"/>
+          <a:lstStyle/>
           <a:p>
             <a:endParaRPr/>
           </a:p>
@@ -3958,11 +4462,14 @@
       </p:sp>
     </p:spTree>
   </p:cSld>
+  <p:clrMapOvr>
+    <a:masterClrMapping/>
+  </p:clrMapOvr>
 </p:sldLayout>
 </file>
 
 <file path=ppt/slideLayouts/slideLayout32.xml><?xml version="1.0" encoding="utf-8"?>
-<p:sldLayout xmlns:a="http://schemas.openxmlformats.org/drawingml/2006/main" xmlns:p="http://schemas.openxmlformats.org/presentationml/2006/main" xmlns:r="http://schemas.openxmlformats.org/officeDocument/2006/relationships" type="objAndTwoObj" preserve="1">
+<p:sldLayout xmlns:a="http://schemas.openxmlformats.org/drawingml/2006/main" xmlns:r="http://schemas.openxmlformats.org/officeDocument/2006/relationships" xmlns:p="http://schemas.openxmlformats.org/presentationml/2006/main" type="objAndTwoObj" preserve="1">
   <p:cSld name="Title Content and 2 Content">
     <p:spTree>
       <p:nvGrpSpPr>
@@ -3998,7 +4505,8 @@
           </a:prstGeom>
         </p:spPr>
         <p:txBody>
-          <a:bodyPr lIns="0" rIns="0" tIns="0" bIns="0" anchor="ctr"/>
+          <a:bodyPr lIns="0" tIns="0" rIns="0" bIns="0" anchor="ctr"/>
+          <a:lstStyle/>
           <a:p>
             <a:endParaRPr/>
           </a:p>
@@ -4024,7 +4532,8 @@
           </a:prstGeom>
         </p:spPr>
         <p:txBody>
-          <a:bodyPr lIns="0" rIns="0" tIns="0" bIns="0"/>
+          <a:bodyPr lIns="0" tIns="0" rIns="0" bIns="0"/>
+          <a:lstStyle/>
           <a:p>
             <a:endParaRPr/>
           </a:p>
@@ -4050,7 +4559,8 @@
           </a:prstGeom>
         </p:spPr>
         <p:txBody>
-          <a:bodyPr lIns="0" rIns="0" tIns="0" bIns="0"/>
+          <a:bodyPr lIns="0" tIns="0" rIns="0" bIns="0"/>
+          <a:lstStyle/>
           <a:p>
             <a:endParaRPr/>
           </a:p>
@@ -4076,7 +4586,8 @@
           </a:prstGeom>
         </p:spPr>
         <p:txBody>
-          <a:bodyPr lIns="0" rIns="0" tIns="0" bIns="0"/>
+          <a:bodyPr lIns="0" tIns="0" rIns="0" bIns="0"/>
+          <a:lstStyle/>
           <a:p>
             <a:endParaRPr/>
           </a:p>
@@ -4084,11 +4595,14 @@
       </p:sp>
     </p:spTree>
   </p:cSld>
+  <p:clrMapOvr>
+    <a:masterClrMapping/>
+  </p:clrMapOvr>
 </p:sldLayout>
 </file>
 
 <file path=ppt/slideLayouts/slideLayout33.xml><?xml version="1.0" encoding="utf-8"?>
-<p:sldLayout xmlns:a="http://schemas.openxmlformats.org/drawingml/2006/main" xmlns:p="http://schemas.openxmlformats.org/presentationml/2006/main" xmlns:r="http://schemas.openxmlformats.org/officeDocument/2006/relationships" type="twoObjOverTx" preserve="1">
+<p:sldLayout xmlns:a="http://schemas.openxmlformats.org/drawingml/2006/main" xmlns:r="http://schemas.openxmlformats.org/officeDocument/2006/relationships" xmlns:p="http://schemas.openxmlformats.org/presentationml/2006/main" type="twoObjOverTx" preserve="1">
   <p:cSld name="Title, 2 Content over Content">
     <p:spTree>
       <p:nvGrpSpPr>
@@ -4124,7 +4638,8 @@
           </a:prstGeom>
         </p:spPr>
         <p:txBody>
-          <a:bodyPr lIns="0" rIns="0" tIns="0" bIns="0" anchor="ctr"/>
+          <a:bodyPr lIns="0" tIns="0" rIns="0" bIns="0" anchor="ctr"/>
+          <a:lstStyle/>
           <a:p>
             <a:endParaRPr/>
           </a:p>
@@ -4150,7 +4665,8 @@
           </a:prstGeom>
         </p:spPr>
         <p:txBody>
-          <a:bodyPr lIns="0" rIns="0" tIns="0" bIns="0"/>
+          <a:bodyPr lIns="0" tIns="0" rIns="0" bIns="0"/>
+          <a:lstStyle/>
           <a:p>
             <a:endParaRPr/>
           </a:p>
@@ -4176,7 +4692,8 @@
           </a:prstGeom>
         </p:spPr>
         <p:txBody>
-          <a:bodyPr lIns="0" rIns="0" tIns="0" bIns="0"/>
+          <a:bodyPr lIns="0" tIns="0" rIns="0" bIns="0"/>
+          <a:lstStyle/>
           <a:p>
             <a:endParaRPr/>
           </a:p>
@@ -4202,7 +4719,8 @@
           </a:prstGeom>
         </p:spPr>
         <p:txBody>
-          <a:bodyPr lIns="0" rIns="0" tIns="0" bIns="0"/>
+          <a:bodyPr lIns="0" tIns="0" rIns="0" bIns="0"/>
+          <a:lstStyle/>
           <a:p>
             <a:endParaRPr/>
           </a:p>
@@ -4210,11 +4728,14 @@
       </p:sp>
     </p:spTree>
   </p:cSld>
+  <p:clrMapOvr>
+    <a:masterClrMapping/>
+  </p:clrMapOvr>
 </p:sldLayout>
 </file>
 
 <file path=ppt/slideLayouts/slideLayout34.xml><?xml version="1.0" encoding="utf-8"?>
-<p:sldLayout xmlns:a="http://schemas.openxmlformats.org/drawingml/2006/main" xmlns:p="http://schemas.openxmlformats.org/presentationml/2006/main" xmlns:r="http://schemas.openxmlformats.org/officeDocument/2006/relationships" type="objOverTx" preserve="1">
+<p:sldLayout xmlns:a="http://schemas.openxmlformats.org/drawingml/2006/main" xmlns:r="http://schemas.openxmlformats.org/officeDocument/2006/relationships" xmlns:p="http://schemas.openxmlformats.org/presentationml/2006/main" type="objOverTx" preserve="1">
   <p:cSld name="Title, Content over Content">
     <p:spTree>
       <p:nvGrpSpPr>
@@ -4250,7 +4771,8 @@
           </a:prstGeom>
         </p:spPr>
         <p:txBody>
-          <a:bodyPr lIns="0" rIns="0" tIns="0" bIns="0" anchor="ctr"/>
+          <a:bodyPr lIns="0" tIns="0" rIns="0" bIns="0" anchor="ctr"/>
+          <a:lstStyle/>
           <a:p>
             <a:endParaRPr/>
           </a:p>
@@ -4276,7 +4798,8 @@
           </a:prstGeom>
         </p:spPr>
         <p:txBody>
-          <a:bodyPr lIns="0" rIns="0" tIns="0" bIns="0"/>
+          <a:bodyPr lIns="0" tIns="0" rIns="0" bIns="0"/>
+          <a:lstStyle/>
           <a:p>
             <a:endParaRPr/>
           </a:p>
@@ -4302,7 +4825,8 @@
           </a:prstGeom>
         </p:spPr>
         <p:txBody>
-          <a:bodyPr lIns="0" rIns="0" tIns="0" bIns="0"/>
+          <a:bodyPr lIns="0" tIns="0" rIns="0" bIns="0"/>
+          <a:lstStyle/>
           <a:p>
             <a:endParaRPr/>
           </a:p>
@@ -4310,11 +4834,14 @@
       </p:sp>
     </p:spTree>
   </p:cSld>
+  <p:clrMapOvr>
+    <a:masterClrMapping/>
+  </p:clrMapOvr>
 </p:sldLayout>
 </file>
 
 <file path=ppt/slideLayouts/slideLayout35.xml><?xml version="1.0" encoding="utf-8"?>
-<p:sldLayout xmlns:a="http://schemas.openxmlformats.org/drawingml/2006/main" xmlns:p="http://schemas.openxmlformats.org/presentationml/2006/main" xmlns:r="http://schemas.openxmlformats.org/officeDocument/2006/relationships" type="fourObj" preserve="1">
+<p:sldLayout xmlns:a="http://schemas.openxmlformats.org/drawingml/2006/main" xmlns:r="http://schemas.openxmlformats.org/officeDocument/2006/relationships" xmlns:p="http://schemas.openxmlformats.org/presentationml/2006/main" type="fourObj" preserve="1">
   <p:cSld name="Title, 4 Content">
     <p:spTree>
       <p:nvGrpSpPr>
@@ -4350,7 +4877,8 @@
           </a:prstGeom>
         </p:spPr>
         <p:txBody>
-          <a:bodyPr lIns="0" rIns="0" tIns="0" bIns="0" anchor="ctr"/>
+          <a:bodyPr lIns="0" tIns="0" rIns="0" bIns="0" anchor="ctr"/>
+          <a:lstStyle/>
           <a:p>
             <a:endParaRPr/>
           </a:p>
@@ -4376,7 +4904,8 @@
           </a:prstGeom>
         </p:spPr>
         <p:txBody>
-          <a:bodyPr lIns="0" rIns="0" tIns="0" bIns="0"/>
+          <a:bodyPr lIns="0" tIns="0" rIns="0" bIns="0"/>
+          <a:lstStyle/>
           <a:p>
             <a:endParaRPr/>
           </a:p>
@@ -4402,7 +4931,8 @@
           </a:prstGeom>
         </p:spPr>
         <p:txBody>
-          <a:bodyPr lIns="0" rIns="0" tIns="0" bIns="0"/>
+          <a:bodyPr lIns="0" tIns="0" rIns="0" bIns="0"/>
+          <a:lstStyle/>
           <a:p>
             <a:endParaRPr/>
           </a:p>
@@ -4428,7 +4958,8 @@
           </a:prstGeom>
         </p:spPr>
         <p:txBody>
-          <a:bodyPr lIns="0" rIns="0" tIns="0" bIns="0"/>
+          <a:bodyPr lIns="0" tIns="0" rIns="0" bIns="0"/>
+          <a:lstStyle/>
           <a:p>
             <a:endParaRPr/>
           </a:p>
@@ -4454,7 +4985,8 @@
           </a:prstGeom>
         </p:spPr>
         <p:txBody>
-          <a:bodyPr lIns="0" rIns="0" tIns="0" bIns="0"/>
+          <a:bodyPr lIns="0" tIns="0" rIns="0" bIns="0"/>
+          <a:lstStyle/>
           <a:p>
             <a:endParaRPr/>
           </a:p>
@@ -4462,11 +4994,14 @@
       </p:sp>
     </p:spTree>
   </p:cSld>
+  <p:clrMapOvr>
+    <a:masterClrMapping/>
+  </p:clrMapOvr>
 </p:sldLayout>
 </file>
 
 <file path=ppt/slideLayouts/slideLayout36.xml><?xml version="1.0" encoding="utf-8"?>
-<p:sldLayout xmlns:a="http://schemas.openxmlformats.org/drawingml/2006/main" xmlns:p="http://schemas.openxmlformats.org/presentationml/2006/main" xmlns:r="http://schemas.openxmlformats.org/officeDocument/2006/relationships" type="blank" preserve="1">
+<p:sldLayout xmlns:a="http://schemas.openxmlformats.org/drawingml/2006/main" xmlns:r="http://schemas.openxmlformats.org/officeDocument/2006/relationships" xmlns:p="http://schemas.openxmlformats.org/presentationml/2006/main" type="blank" preserve="1">
   <p:cSld name="Title, 6 Content">
     <p:spTree>
       <p:nvGrpSpPr>
@@ -4502,7 +5037,8 @@
           </a:prstGeom>
         </p:spPr>
         <p:txBody>
-          <a:bodyPr lIns="0" rIns="0" tIns="0" bIns="0" anchor="ctr"/>
+          <a:bodyPr lIns="0" tIns="0" rIns="0" bIns="0" anchor="ctr"/>
+          <a:lstStyle/>
           <a:p>
             <a:endParaRPr/>
           </a:p>
@@ -4528,7 +5064,8 @@
           </a:prstGeom>
         </p:spPr>
         <p:txBody>
-          <a:bodyPr lIns="0" rIns="0" tIns="0" bIns="0"/>
+          <a:bodyPr lIns="0" tIns="0" rIns="0" bIns="0"/>
+          <a:lstStyle/>
           <a:p>
             <a:endParaRPr/>
           </a:p>
@@ -4554,7 +5091,8 @@
           </a:prstGeom>
         </p:spPr>
         <p:txBody>
-          <a:bodyPr lIns="0" rIns="0" tIns="0" bIns="0"/>
+          <a:bodyPr lIns="0" tIns="0" rIns="0" bIns="0"/>
+          <a:lstStyle/>
           <a:p>
             <a:endParaRPr/>
           </a:p>
@@ -4562,7 +5100,7 @@
       </p:sp>
       <p:pic>
         <p:nvPicPr>
-          <p:cNvPr id="116" name="" descr=""/>
+          <p:cNvPr id="116" name="Picture 115"/>
           <p:cNvPicPr/>
           <p:nvPr/>
         </p:nvPicPr>
@@ -4587,12 +5125,12 @@
       </p:pic>
       <p:pic>
         <p:nvPicPr>
-          <p:cNvPr id="117" name="" descr=""/>
+          <p:cNvPr id="117" name="Picture 116"/>
           <p:cNvPicPr/>
           <p:nvPr/>
         </p:nvPicPr>
         <p:blipFill>
-          <a:blip r:embed="rId3"/>
+          <a:blip r:embed="rId2"/>
           <a:stretch>
             <a:fillRect/>
           </a:stretch>
@@ -4612,11 +5150,14 @@
       </p:pic>
     </p:spTree>
   </p:cSld>
+  <p:clrMapOvr>
+    <a:masterClrMapping/>
+  </p:clrMapOvr>
 </p:sldLayout>
 </file>
 
 <file path=ppt/slideLayouts/slideLayout4.xml><?xml version="1.0" encoding="utf-8"?>
-<p:sldLayout xmlns:a="http://schemas.openxmlformats.org/drawingml/2006/main" xmlns:p="http://schemas.openxmlformats.org/presentationml/2006/main" xmlns:r="http://schemas.openxmlformats.org/officeDocument/2006/relationships" type="twoObj" preserve="1">
+<p:sldLayout xmlns:a="http://schemas.openxmlformats.org/drawingml/2006/main" xmlns:r="http://schemas.openxmlformats.org/officeDocument/2006/relationships" xmlns:p="http://schemas.openxmlformats.org/presentationml/2006/main" type="twoObj" preserve="1">
   <p:cSld name="Title, 2 Content">
     <p:spTree>
       <p:nvGrpSpPr>
@@ -4652,7 +5193,8 @@
           </a:prstGeom>
         </p:spPr>
         <p:txBody>
-          <a:bodyPr lIns="0" rIns="0" tIns="0" bIns="0" anchor="ctr"/>
+          <a:bodyPr lIns="0" tIns="0" rIns="0" bIns="0" anchor="ctr"/>
+          <a:lstStyle/>
           <a:p>
             <a:endParaRPr/>
           </a:p>
@@ -4678,7 +5220,8 @@
           </a:prstGeom>
         </p:spPr>
         <p:txBody>
-          <a:bodyPr lIns="0" rIns="0" tIns="0" bIns="0"/>
+          <a:bodyPr lIns="0" tIns="0" rIns="0" bIns="0"/>
+          <a:lstStyle/>
           <a:p>
             <a:endParaRPr/>
           </a:p>
@@ -4704,7 +5247,8 @@
           </a:prstGeom>
         </p:spPr>
         <p:txBody>
-          <a:bodyPr lIns="0" rIns="0" tIns="0" bIns="0"/>
+          <a:bodyPr lIns="0" tIns="0" rIns="0" bIns="0"/>
+          <a:lstStyle/>
           <a:p>
             <a:endParaRPr/>
           </a:p>
@@ -4712,11 +5256,14 @@
       </p:sp>
     </p:spTree>
   </p:cSld>
+  <p:clrMapOvr>
+    <a:masterClrMapping/>
+  </p:clrMapOvr>
 </p:sldLayout>
 </file>
 
 <file path=ppt/slideLayouts/slideLayout5.xml><?xml version="1.0" encoding="utf-8"?>
-<p:sldLayout xmlns:a="http://schemas.openxmlformats.org/drawingml/2006/main" xmlns:p="http://schemas.openxmlformats.org/presentationml/2006/main" xmlns:r="http://schemas.openxmlformats.org/officeDocument/2006/relationships" type="titleOnly" preserve="1">
+<p:sldLayout xmlns:a="http://schemas.openxmlformats.org/drawingml/2006/main" xmlns:r="http://schemas.openxmlformats.org/officeDocument/2006/relationships" xmlns:p="http://schemas.openxmlformats.org/presentationml/2006/main" type="titleOnly" preserve="1">
   <p:cSld name="Title Only">
     <p:spTree>
       <p:nvGrpSpPr>
@@ -4752,7 +5299,8 @@
           </a:prstGeom>
         </p:spPr>
         <p:txBody>
-          <a:bodyPr lIns="0" rIns="0" tIns="0" bIns="0" anchor="ctr"/>
+          <a:bodyPr lIns="0" tIns="0" rIns="0" bIns="0" anchor="ctr"/>
+          <a:lstStyle/>
           <a:p>
             <a:endParaRPr/>
           </a:p>
@@ -4760,11 +5308,14 @@
       </p:sp>
     </p:spTree>
   </p:cSld>
+  <p:clrMapOvr>
+    <a:masterClrMapping/>
+  </p:clrMapOvr>
 </p:sldLayout>
 </file>
 
 <file path=ppt/slideLayouts/slideLayout6.xml><?xml version="1.0" encoding="utf-8"?>
-<p:sldLayout xmlns:a="http://schemas.openxmlformats.org/drawingml/2006/main" xmlns:p="http://schemas.openxmlformats.org/presentationml/2006/main" xmlns:r="http://schemas.openxmlformats.org/officeDocument/2006/relationships" type="objOnly" preserve="1">
+<p:sldLayout xmlns:a="http://schemas.openxmlformats.org/drawingml/2006/main" xmlns:r="http://schemas.openxmlformats.org/officeDocument/2006/relationships" xmlns:p="http://schemas.openxmlformats.org/presentationml/2006/main" type="objOnly" preserve="1">
   <p:cSld name="Centered Text">
     <p:spTree>
       <p:nvGrpSpPr>
@@ -4800,7 +5351,8 @@
           </a:prstGeom>
         </p:spPr>
         <p:txBody>
-          <a:bodyPr lIns="0" rIns="0" tIns="0" bIns="0" anchor="ctr"/>
+          <a:bodyPr lIns="0" tIns="0" rIns="0" bIns="0" anchor="ctr"/>
+          <a:lstStyle/>
           <a:p>
             <a:pPr algn="ctr"/>
             <a:endParaRPr/>
@@ -4809,11 +5361,14 @@
       </p:sp>
     </p:spTree>
   </p:cSld>
+  <p:clrMapOvr>
+    <a:masterClrMapping/>
+  </p:clrMapOvr>
 </p:sldLayout>
 </file>
 
 <file path=ppt/slideLayouts/slideLayout7.xml><?xml version="1.0" encoding="utf-8"?>
-<p:sldLayout xmlns:a="http://schemas.openxmlformats.org/drawingml/2006/main" xmlns:p="http://schemas.openxmlformats.org/presentationml/2006/main" xmlns:r="http://schemas.openxmlformats.org/officeDocument/2006/relationships" type="twoObjAndObj" preserve="1">
+<p:sldLayout xmlns:a="http://schemas.openxmlformats.org/drawingml/2006/main" xmlns:r="http://schemas.openxmlformats.org/officeDocument/2006/relationships" xmlns:p="http://schemas.openxmlformats.org/presentationml/2006/main" type="twoObjAndObj" preserve="1">
   <p:cSld name="Title, 2 Content and Content">
     <p:spTree>
       <p:nvGrpSpPr>
@@ -4849,7 +5404,8 @@
           </a:prstGeom>
         </p:spPr>
         <p:txBody>
-          <a:bodyPr lIns="0" rIns="0" tIns="0" bIns="0" anchor="ctr"/>
+          <a:bodyPr lIns="0" tIns="0" rIns="0" bIns="0" anchor="ctr"/>
+          <a:lstStyle/>
           <a:p>
             <a:endParaRPr/>
           </a:p>
@@ -4875,7 +5431,8 @@
           </a:prstGeom>
         </p:spPr>
         <p:txBody>
-          <a:bodyPr lIns="0" rIns="0" tIns="0" bIns="0"/>
+          <a:bodyPr lIns="0" tIns="0" rIns="0" bIns="0"/>
+          <a:lstStyle/>
           <a:p>
             <a:endParaRPr/>
           </a:p>
@@ -4901,7 +5458,8 @@
           </a:prstGeom>
         </p:spPr>
         <p:txBody>
-          <a:bodyPr lIns="0" rIns="0" tIns="0" bIns="0"/>
+          <a:bodyPr lIns="0" tIns="0" rIns="0" bIns="0"/>
+          <a:lstStyle/>
           <a:p>
             <a:endParaRPr/>
           </a:p>
@@ -4927,7 +5485,8 @@
           </a:prstGeom>
         </p:spPr>
         <p:txBody>
-          <a:bodyPr lIns="0" rIns="0" tIns="0" bIns="0"/>
+          <a:bodyPr lIns="0" tIns="0" rIns="0" bIns="0"/>
+          <a:lstStyle/>
           <a:p>
             <a:endParaRPr/>
           </a:p>
@@ -4935,11 +5494,14 @@
       </p:sp>
     </p:spTree>
   </p:cSld>
+  <p:clrMapOvr>
+    <a:masterClrMapping/>
+  </p:clrMapOvr>
 </p:sldLayout>
 </file>
 
 <file path=ppt/slideLayouts/slideLayout8.xml><?xml version="1.0" encoding="utf-8"?>
-<p:sldLayout xmlns:a="http://schemas.openxmlformats.org/drawingml/2006/main" xmlns:p="http://schemas.openxmlformats.org/presentationml/2006/main" xmlns:r="http://schemas.openxmlformats.org/officeDocument/2006/relationships" type="objAndTwoObj" preserve="1">
+<p:sldLayout xmlns:a="http://schemas.openxmlformats.org/drawingml/2006/main" xmlns:r="http://schemas.openxmlformats.org/officeDocument/2006/relationships" xmlns:p="http://schemas.openxmlformats.org/presentationml/2006/main" type="objAndTwoObj" preserve="1">
   <p:cSld name="Title Content and 2 Content">
     <p:spTree>
       <p:nvGrpSpPr>
@@ -4975,7 +5537,8 @@
           </a:prstGeom>
         </p:spPr>
         <p:txBody>
-          <a:bodyPr lIns="0" rIns="0" tIns="0" bIns="0" anchor="ctr"/>
+          <a:bodyPr lIns="0" tIns="0" rIns="0" bIns="0" anchor="ctr"/>
+          <a:lstStyle/>
           <a:p>
             <a:endParaRPr/>
           </a:p>
@@ -5001,7 +5564,8 @@
           </a:prstGeom>
         </p:spPr>
         <p:txBody>
-          <a:bodyPr lIns="0" rIns="0" tIns="0" bIns="0"/>
+          <a:bodyPr lIns="0" tIns="0" rIns="0" bIns="0"/>
+          <a:lstStyle/>
           <a:p>
             <a:endParaRPr/>
           </a:p>
@@ -5027,7 +5591,8 @@
           </a:prstGeom>
         </p:spPr>
         <p:txBody>
-          <a:bodyPr lIns="0" rIns="0" tIns="0" bIns="0"/>
+          <a:bodyPr lIns="0" tIns="0" rIns="0" bIns="0"/>
+          <a:lstStyle/>
           <a:p>
             <a:endParaRPr/>
           </a:p>
@@ -5053,7 +5618,8 @@
           </a:prstGeom>
         </p:spPr>
         <p:txBody>
-          <a:bodyPr lIns="0" rIns="0" tIns="0" bIns="0"/>
+          <a:bodyPr lIns="0" tIns="0" rIns="0" bIns="0"/>
+          <a:lstStyle/>
           <a:p>
             <a:endParaRPr/>
           </a:p>
@@ -5061,11 +5627,14 @@
       </p:sp>
     </p:spTree>
   </p:cSld>
+  <p:clrMapOvr>
+    <a:masterClrMapping/>
+  </p:clrMapOvr>
 </p:sldLayout>
 </file>
 
 <file path=ppt/slideLayouts/slideLayout9.xml><?xml version="1.0" encoding="utf-8"?>
-<p:sldLayout xmlns:a="http://schemas.openxmlformats.org/drawingml/2006/main" xmlns:p="http://schemas.openxmlformats.org/presentationml/2006/main" xmlns:r="http://schemas.openxmlformats.org/officeDocument/2006/relationships" type="twoObjOverTx" preserve="1">
+<p:sldLayout xmlns:a="http://schemas.openxmlformats.org/drawingml/2006/main" xmlns:r="http://schemas.openxmlformats.org/officeDocument/2006/relationships" xmlns:p="http://schemas.openxmlformats.org/presentationml/2006/main" type="twoObjOverTx" preserve="1">
   <p:cSld name="Title, 2 Content over Content">
     <p:spTree>
       <p:nvGrpSpPr>
@@ -5101,7 +5670,8 @@
           </a:prstGeom>
         </p:spPr>
         <p:txBody>
-          <a:bodyPr lIns="0" rIns="0" tIns="0" bIns="0" anchor="ctr"/>
+          <a:bodyPr lIns="0" tIns="0" rIns="0" bIns="0" anchor="ctr"/>
+          <a:lstStyle/>
           <a:p>
             <a:endParaRPr/>
           </a:p>
@@ -5127,7 +5697,8 @@
           </a:prstGeom>
         </p:spPr>
         <p:txBody>
-          <a:bodyPr lIns="0" rIns="0" tIns="0" bIns="0"/>
+          <a:bodyPr lIns="0" tIns="0" rIns="0" bIns="0"/>
+          <a:lstStyle/>
           <a:p>
             <a:endParaRPr/>
           </a:p>
@@ -5153,7 +5724,8 @@
           </a:prstGeom>
         </p:spPr>
         <p:txBody>
-          <a:bodyPr lIns="0" rIns="0" tIns="0" bIns="0"/>
+          <a:bodyPr lIns="0" tIns="0" rIns="0" bIns="0"/>
+          <a:lstStyle/>
           <a:p>
             <a:endParaRPr/>
           </a:p>
@@ -5179,7 +5751,8 @@
           </a:prstGeom>
         </p:spPr>
         <p:txBody>
-          <a:bodyPr lIns="0" rIns="0" tIns="0" bIns="0"/>
+          <a:bodyPr lIns="0" tIns="0" rIns="0" bIns="0"/>
+          <a:lstStyle/>
           <a:p>
             <a:endParaRPr/>
           </a:p>
@@ -5187,17 +5760,21 @@
       </p:sp>
     </p:spTree>
   </p:cSld>
+  <p:clrMapOvr>
+    <a:masterClrMapping/>
+  </p:clrMapOvr>
 </p:sldLayout>
 </file>
 
 <file path=ppt/slideMasters/slideMaster1.xml><?xml version="1.0" encoding="utf-8"?>
-<p:sldMaster xmlns:a="http://schemas.openxmlformats.org/drawingml/2006/main" xmlns:p="http://schemas.openxmlformats.org/presentationml/2006/main" xmlns:r="http://schemas.openxmlformats.org/officeDocument/2006/relationships">
+<p:sldMaster xmlns:a="http://schemas.openxmlformats.org/drawingml/2006/main" xmlns:r="http://schemas.openxmlformats.org/officeDocument/2006/relationships" xmlns:p="http://schemas.openxmlformats.org/presentationml/2006/main">
   <p:cSld>
     <p:bg>
       <p:bgPr>
         <a:solidFill>
-          <a:srgbClr val="ffffff"/>
+          <a:srgbClr val="FFFFFF"/>
         </a:solidFill>
+        <a:effectLst/>
       </p:bgPr>
     </p:bg>
     <p:spTree>
@@ -5216,7 +5793,7 @@
       </p:grpSpPr>
       <p:sp>
         <p:nvSpPr>
-          <p:cNvPr id="0" name="PlaceHolder 1"/>
+          <p:cNvPr id="5" name="PlaceHolder 1"/>
           <p:cNvSpPr>
             <a:spLocks noGrp="1"/>
           </p:cNvSpPr>
@@ -5235,6 +5812,7 @@
         </p:spPr>
         <p:txBody>
           <a:bodyPr anchor="ctr"/>
+          <a:lstStyle/>
           <a:p>
             <a:pPr algn="ctr">
               <a:lnSpc>
@@ -5257,7 +5835,7 @@
       </p:sp>
       <p:sp>
         <p:nvSpPr>
-          <p:cNvPr id="1" name="PlaceHolder 2"/>
+          <p:cNvPr id="6" name="PlaceHolder 2"/>
           <p:cNvSpPr>
             <a:spLocks noGrp="1"/>
           </p:cNvSpPr>
@@ -5276,6 +5854,7 @@
         </p:spPr>
         <p:txBody>
           <a:bodyPr/>
+          <a:lstStyle/>
           <a:p>
             <a:pPr>
               <a:buSzPct val="45000"/>
@@ -5507,6 +6086,7 @@
         </p:spPr>
         <p:txBody>
           <a:bodyPr/>
+          <a:lstStyle/>
           <a:p>
             <a:endParaRPr/>
           </a:p>
@@ -5533,6 +6113,7 @@
         </p:spPr>
         <p:txBody>
           <a:bodyPr/>
+          <a:lstStyle/>
           <a:p>
             <a:endParaRPr/>
           </a:p>
@@ -5559,6 +6140,7 @@
         </p:spPr>
         <p:txBody>
           <a:bodyPr/>
+          <a:lstStyle/>
           <a:p>
             <a:pPr>
               <a:lnSpc>
@@ -5573,7 +6155,7 @@
                 <a:latin typeface="Arial"/>
                 <a:ea typeface="ＭＳ Ｐゴシック"/>
               </a:rPr>
-              <a:t>&lt;number&gt;</a:t>
+              <a:t>‹#›</a:t>
             </a:fld>
             <a:endParaRPr/>
           </a:p>
@@ -5581,32 +6163,313 @@
       </p:sp>
     </p:spTree>
   </p:cSld>
-  <p:clrMap bg1="lt1" bg2="lt2" tx1="dk1" tx2="dk2" accent1="accent1" accent2="accent2" accent3="accent3" accent4="accent4" accent5="accent5" accent6="accent6" hlink="hlink" folHlink="folHlink"/>
+  <p:clrMap bg1="lt1" tx1="dk1" bg2="lt2" tx2="dk2" accent1="accent1" accent2="accent2" accent3="accent3" accent4="accent4" accent5="accent5" accent6="accent6" hlink="hlink" folHlink="folHlink"/>
   <p:sldLayoutIdLst>
-    <p:sldLayoutId id="2147483649" r:id="rId2"/>
-    <p:sldLayoutId id="2147483650" r:id="rId3"/>
-    <p:sldLayoutId id="2147483651" r:id="rId4"/>
-    <p:sldLayoutId id="2147483652" r:id="rId5"/>
-    <p:sldLayoutId id="2147483653" r:id="rId6"/>
-    <p:sldLayoutId id="2147483654" r:id="rId7"/>
-    <p:sldLayoutId id="2147483655" r:id="rId8"/>
-    <p:sldLayoutId id="2147483656" r:id="rId9"/>
-    <p:sldLayoutId id="2147483657" r:id="rId10"/>
-    <p:sldLayoutId id="2147483658" r:id="rId11"/>
-    <p:sldLayoutId id="2147483659" r:id="rId12"/>
-    <p:sldLayoutId id="2147483660" r:id="rId13"/>
+    <p:sldLayoutId id="2147483649" r:id="rId1"/>
+    <p:sldLayoutId id="2147483650" r:id="rId2"/>
+    <p:sldLayoutId id="2147483651" r:id="rId3"/>
+    <p:sldLayoutId id="2147483652" r:id="rId4"/>
+    <p:sldLayoutId id="2147483653" r:id="rId5"/>
+    <p:sldLayoutId id="2147483654" r:id="rId6"/>
+    <p:sldLayoutId id="2147483655" r:id="rId7"/>
+    <p:sldLayoutId id="2147483656" r:id="rId8"/>
+    <p:sldLayoutId id="2147483657" r:id="rId9"/>
+    <p:sldLayoutId id="2147483658" r:id="rId10"/>
+    <p:sldLayoutId id="2147483659" r:id="rId11"/>
+    <p:sldLayoutId id="2147483660" r:id="rId12"/>
   </p:sldLayoutIdLst>
+  <p:txStyles>
+    <p:titleStyle>
+      <a:lvl1pPr algn="l" defTabSz="914400" rtl="0" eaLnBrk="1" latinLnBrk="0" hangingPunct="1">
+        <a:lnSpc>
+          <a:spcPct val="90000"/>
+        </a:lnSpc>
+        <a:spcBef>
+          <a:spcPct val="0"/>
+        </a:spcBef>
+        <a:buNone/>
+        <a:defRPr sz="4400" kern="1200">
+          <a:solidFill>
+            <a:schemeClr val="tx1"/>
+          </a:solidFill>
+          <a:latin typeface="+mj-lt"/>
+          <a:ea typeface="+mj-ea"/>
+          <a:cs typeface="+mj-cs"/>
+        </a:defRPr>
+      </a:lvl1pPr>
+    </p:titleStyle>
+    <p:bodyStyle>
+      <a:lvl1pPr marL="228600" indent="-228600" algn="l" defTabSz="914400" rtl="0" eaLnBrk="1" latinLnBrk="0" hangingPunct="1">
+        <a:lnSpc>
+          <a:spcPct val="90000"/>
+        </a:lnSpc>
+        <a:spcBef>
+          <a:spcPts val="1000"/>
+        </a:spcBef>
+        <a:buFont typeface="Arial" panose="020B0604020202020204" pitchFamily="34" charset="0"/>
+        <a:buChar char="•"/>
+        <a:defRPr sz="2800" kern="1200">
+          <a:solidFill>
+            <a:schemeClr val="tx1"/>
+          </a:solidFill>
+          <a:latin typeface="+mn-lt"/>
+          <a:ea typeface="+mn-ea"/>
+          <a:cs typeface="+mn-cs"/>
+        </a:defRPr>
+      </a:lvl1pPr>
+      <a:lvl2pPr marL="685800" indent="-228600" algn="l" defTabSz="914400" rtl="0" eaLnBrk="1" latinLnBrk="0" hangingPunct="1">
+        <a:lnSpc>
+          <a:spcPct val="90000"/>
+        </a:lnSpc>
+        <a:spcBef>
+          <a:spcPts val="500"/>
+        </a:spcBef>
+        <a:buFont typeface="Arial" panose="020B0604020202020204" pitchFamily="34" charset="0"/>
+        <a:buChar char="•"/>
+        <a:defRPr sz="2400" kern="1200">
+          <a:solidFill>
+            <a:schemeClr val="tx1"/>
+          </a:solidFill>
+          <a:latin typeface="+mn-lt"/>
+          <a:ea typeface="+mn-ea"/>
+          <a:cs typeface="+mn-cs"/>
+        </a:defRPr>
+      </a:lvl2pPr>
+      <a:lvl3pPr marL="1143000" indent="-228600" algn="l" defTabSz="914400" rtl="0" eaLnBrk="1" latinLnBrk="0" hangingPunct="1">
+        <a:lnSpc>
+          <a:spcPct val="90000"/>
+        </a:lnSpc>
+        <a:spcBef>
+          <a:spcPts val="500"/>
+        </a:spcBef>
+        <a:buFont typeface="Arial" panose="020B0604020202020204" pitchFamily="34" charset="0"/>
+        <a:buChar char="•"/>
+        <a:defRPr sz="2000" kern="1200">
+          <a:solidFill>
+            <a:schemeClr val="tx1"/>
+          </a:solidFill>
+          <a:latin typeface="+mn-lt"/>
+          <a:ea typeface="+mn-ea"/>
+          <a:cs typeface="+mn-cs"/>
+        </a:defRPr>
+      </a:lvl3pPr>
+      <a:lvl4pPr marL="1600200" indent="-228600" algn="l" defTabSz="914400" rtl="0" eaLnBrk="1" latinLnBrk="0" hangingPunct="1">
+        <a:lnSpc>
+          <a:spcPct val="90000"/>
+        </a:lnSpc>
+        <a:spcBef>
+          <a:spcPts val="500"/>
+        </a:spcBef>
+        <a:buFont typeface="Arial" panose="020B0604020202020204" pitchFamily="34" charset="0"/>
+        <a:buChar char="•"/>
+        <a:defRPr sz="1800" kern="1200">
+          <a:solidFill>
+            <a:schemeClr val="tx1"/>
+          </a:solidFill>
+          <a:latin typeface="+mn-lt"/>
+          <a:ea typeface="+mn-ea"/>
+          <a:cs typeface="+mn-cs"/>
+        </a:defRPr>
+      </a:lvl4pPr>
+      <a:lvl5pPr marL="2057400" indent="-228600" algn="l" defTabSz="914400" rtl="0" eaLnBrk="1" latinLnBrk="0" hangingPunct="1">
+        <a:lnSpc>
+          <a:spcPct val="90000"/>
+        </a:lnSpc>
+        <a:spcBef>
+          <a:spcPts val="500"/>
+        </a:spcBef>
+        <a:buFont typeface="Arial" panose="020B0604020202020204" pitchFamily="34" charset="0"/>
+        <a:buChar char="•"/>
+        <a:defRPr sz="1800" kern="1200">
+          <a:solidFill>
+            <a:schemeClr val="tx1"/>
+          </a:solidFill>
+          <a:latin typeface="+mn-lt"/>
+          <a:ea typeface="+mn-ea"/>
+          <a:cs typeface="+mn-cs"/>
+        </a:defRPr>
+      </a:lvl5pPr>
+      <a:lvl6pPr marL="2514600" indent="-228600" algn="l" defTabSz="914400" rtl="0" eaLnBrk="1" latinLnBrk="0" hangingPunct="1">
+        <a:lnSpc>
+          <a:spcPct val="90000"/>
+        </a:lnSpc>
+        <a:spcBef>
+          <a:spcPts val="500"/>
+        </a:spcBef>
+        <a:buFont typeface="Arial" panose="020B0604020202020204" pitchFamily="34" charset="0"/>
+        <a:buChar char="•"/>
+        <a:defRPr sz="1800" kern="1200">
+          <a:solidFill>
+            <a:schemeClr val="tx1"/>
+          </a:solidFill>
+          <a:latin typeface="+mn-lt"/>
+          <a:ea typeface="+mn-ea"/>
+          <a:cs typeface="+mn-cs"/>
+        </a:defRPr>
+      </a:lvl6pPr>
+      <a:lvl7pPr marL="2971800" indent="-228600" algn="l" defTabSz="914400" rtl="0" eaLnBrk="1" latinLnBrk="0" hangingPunct="1">
+        <a:lnSpc>
+          <a:spcPct val="90000"/>
+        </a:lnSpc>
+        <a:spcBef>
+          <a:spcPts val="500"/>
+        </a:spcBef>
+        <a:buFont typeface="Arial" panose="020B0604020202020204" pitchFamily="34" charset="0"/>
+        <a:buChar char="•"/>
+        <a:defRPr sz="1800" kern="1200">
+          <a:solidFill>
+            <a:schemeClr val="tx1"/>
+          </a:solidFill>
+          <a:latin typeface="+mn-lt"/>
+          <a:ea typeface="+mn-ea"/>
+          <a:cs typeface="+mn-cs"/>
+        </a:defRPr>
+      </a:lvl7pPr>
+      <a:lvl8pPr marL="3429000" indent="-228600" algn="l" defTabSz="914400" rtl="0" eaLnBrk="1" latinLnBrk="0" hangingPunct="1">
+        <a:lnSpc>
+          <a:spcPct val="90000"/>
+        </a:lnSpc>
+        <a:spcBef>
+          <a:spcPts val="500"/>
+        </a:spcBef>
+        <a:buFont typeface="Arial" panose="020B0604020202020204" pitchFamily="34" charset="0"/>
+        <a:buChar char="•"/>
+        <a:defRPr sz="1800" kern="1200">
+          <a:solidFill>
+            <a:schemeClr val="tx1"/>
+          </a:solidFill>
+          <a:latin typeface="+mn-lt"/>
+          <a:ea typeface="+mn-ea"/>
+          <a:cs typeface="+mn-cs"/>
+        </a:defRPr>
+      </a:lvl8pPr>
+      <a:lvl9pPr marL="3886200" indent="-228600" algn="l" defTabSz="914400" rtl="0" eaLnBrk="1" latinLnBrk="0" hangingPunct="1">
+        <a:lnSpc>
+          <a:spcPct val="90000"/>
+        </a:lnSpc>
+        <a:spcBef>
+          <a:spcPts val="500"/>
+        </a:spcBef>
+        <a:buFont typeface="Arial" panose="020B0604020202020204" pitchFamily="34" charset="0"/>
+        <a:buChar char="•"/>
+        <a:defRPr sz="1800" kern="1200">
+          <a:solidFill>
+            <a:schemeClr val="tx1"/>
+          </a:solidFill>
+          <a:latin typeface="+mn-lt"/>
+          <a:ea typeface="+mn-ea"/>
+          <a:cs typeface="+mn-cs"/>
+        </a:defRPr>
+      </a:lvl9pPr>
+    </p:bodyStyle>
+    <p:otherStyle>
+      <a:defPPr>
+        <a:defRPr lang="en-US"/>
+      </a:defPPr>
+      <a:lvl1pPr marL="0" algn="l" defTabSz="914400" rtl="0" eaLnBrk="1" latinLnBrk="0" hangingPunct="1">
+        <a:defRPr sz="1800" kern="1200">
+          <a:solidFill>
+            <a:schemeClr val="tx1"/>
+          </a:solidFill>
+          <a:latin typeface="+mn-lt"/>
+          <a:ea typeface="+mn-ea"/>
+          <a:cs typeface="+mn-cs"/>
+        </a:defRPr>
+      </a:lvl1pPr>
+      <a:lvl2pPr marL="457200" algn="l" defTabSz="914400" rtl="0" eaLnBrk="1" latinLnBrk="0" hangingPunct="1">
+        <a:defRPr sz="1800" kern="1200">
+          <a:solidFill>
+            <a:schemeClr val="tx1"/>
+          </a:solidFill>
+          <a:latin typeface="+mn-lt"/>
+          <a:ea typeface="+mn-ea"/>
+          <a:cs typeface="+mn-cs"/>
+        </a:defRPr>
+      </a:lvl2pPr>
+      <a:lvl3pPr marL="914400" algn="l" defTabSz="914400" rtl="0" eaLnBrk="1" latinLnBrk="0" hangingPunct="1">
+        <a:defRPr sz="1800" kern="1200">
+          <a:solidFill>
+            <a:schemeClr val="tx1"/>
+          </a:solidFill>
+          <a:latin typeface="+mn-lt"/>
+          <a:ea typeface="+mn-ea"/>
+          <a:cs typeface="+mn-cs"/>
+        </a:defRPr>
+      </a:lvl3pPr>
+      <a:lvl4pPr marL="1371600" algn="l" defTabSz="914400" rtl="0" eaLnBrk="1" latinLnBrk="0" hangingPunct="1">
+        <a:defRPr sz="1800" kern="1200">
+          <a:solidFill>
+            <a:schemeClr val="tx1"/>
+          </a:solidFill>
+          <a:latin typeface="+mn-lt"/>
+          <a:ea typeface="+mn-ea"/>
+          <a:cs typeface="+mn-cs"/>
+        </a:defRPr>
+      </a:lvl4pPr>
+      <a:lvl5pPr marL="1828800" algn="l" defTabSz="914400" rtl="0" eaLnBrk="1" latinLnBrk="0" hangingPunct="1">
+        <a:defRPr sz="1800" kern="1200">
+          <a:solidFill>
+            <a:schemeClr val="tx1"/>
+          </a:solidFill>
+          <a:latin typeface="+mn-lt"/>
+          <a:ea typeface="+mn-ea"/>
+          <a:cs typeface="+mn-cs"/>
+        </a:defRPr>
+      </a:lvl5pPr>
+      <a:lvl6pPr marL="2286000" algn="l" defTabSz="914400" rtl="0" eaLnBrk="1" latinLnBrk="0" hangingPunct="1">
+        <a:defRPr sz="1800" kern="1200">
+          <a:solidFill>
+            <a:schemeClr val="tx1"/>
+          </a:solidFill>
+          <a:latin typeface="+mn-lt"/>
+          <a:ea typeface="+mn-ea"/>
+          <a:cs typeface="+mn-cs"/>
+        </a:defRPr>
+      </a:lvl6pPr>
+      <a:lvl7pPr marL="2743200" algn="l" defTabSz="914400" rtl="0" eaLnBrk="1" latinLnBrk="0" hangingPunct="1">
+        <a:defRPr sz="1800" kern="1200">
+          <a:solidFill>
+            <a:schemeClr val="tx1"/>
+          </a:solidFill>
+          <a:latin typeface="+mn-lt"/>
+          <a:ea typeface="+mn-ea"/>
+          <a:cs typeface="+mn-cs"/>
+        </a:defRPr>
+      </a:lvl7pPr>
+      <a:lvl8pPr marL="3200400" algn="l" defTabSz="914400" rtl="0" eaLnBrk="1" latinLnBrk="0" hangingPunct="1">
+        <a:defRPr sz="1800" kern="1200">
+          <a:solidFill>
+            <a:schemeClr val="tx1"/>
+          </a:solidFill>
+          <a:latin typeface="+mn-lt"/>
+          <a:ea typeface="+mn-ea"/>
+          <a:cs typeface="+mn-cs"/>
+        </a:defRPr>
+      </a:lvl8pPr>
+      <a:lvl9pPr marL="3657600" algn="l" defTabSz="914400" rtl="0" eaLnBrk="1" latinLnBrk="0" hangingPunct="1">
+        <a:defRPr sz="1800" kern="1200">
+          <a:solidFill>
+            <a:schemeClr val="tx1"/>
+          </a:solidFill>
+          <a:latin typeface="+mn-lt"/>
+          <a:ea typeface="+mn-ea"/>
+          <a:cs typeface="+mn-cs"/>
+        </a:defRPr>
+      </a:lvl9pPr>
+    </p:otherStyle>
+  </p:txStyles>
 </p:sldMaster>
 </file>
 
 <file path=ppt/slideMasters/slideMaster2.xml><?xml version="1.0" encoding="utf-8"?>
-<p:sldMaster xmlns:a="http://schemas.openxmlformats.org/drawingml/2006/main" xmlns:p="http://schemas.openxmlformats.org/presentationml/2006/main" xmlns:r="http://schemas.openxmlformats.org/officeDocument/2006/relationships">
+<p:sldMaster xmlns:a="http://schemas.openxmlformats.org/drawingml/2006/main" xmlns:r="http://schemas.openxmlformats.org/officeDocument/2006/relationships" xmlns:p="http://schemas.openxmlformats.org/presentationml/2006/main">
   <p:cSld>
     <p:bg>
       <p:bgPr>
         <a:solidFill>
-          <a:srgbClr val="ffffff"/>
+          <a:srgbClr val="FFFFFF"/>
         </a:solidFill>
+        <a:effectLst/>
       </p:bgPr>
     </p:bg>
     <p:spTree>
@@ -5644,6 +6507,7 @@
         </p:spPr>
         <p:txBody>
           <a:bodyPr anchor="ctr"/>
+          <a:lstStyle/>
           <a:p>
             <a:pPr algn="ctr">
               <a:lnSpc>
@@ -5685,6 +6549,7 @@
         </p:spPr>
         <p:txBody>
           <a:bodyPr/>
+          <a:lstStyle/>
           <a:p>
             <a:endParaRPr/>
           </a:p>
@@ -5711,6 +6576,7 @@
         </p:spPr>
         <p:txBody>
           <a:bodyPr/>
+          <a:lstStyle/>
           <a:p>
             <a:endParaRPr/>
           </a:p>
@@ -5737,6 +6603,7 @@
         </p:spPr>
         <p:txBody>
           <a:bodyPr/>
+          <a:lstStyle/>
           <a:p>
             <a:pPr>
               <a:lnSpc>
@@ -5751,7 +6618,7 @@
                 <a:latin typeface="Arial"/>
                 <a:ea typeface="ＭＳ Ｐゴシック"/>
               </a:rPr>
-              <a:t>&lt;number&gt;</a:t>
+              <a:t>‹#›</a:t>
             </a:fld>
             <a:endParaRPr/>
           </a:p>
@@ -5777,7 +6644,8 @@
           </a:prstGeom>
         </p:spPr>
         <p:txBody>
-          <a:bodyPr lIns="0" rIns="0" tIns="0" bIns="0"/>
+          <a:bodyPr lIns="0" tIns="0" rIns="0" bIns="0"/>
+          <a:lstStyle/>
           <a:p>
             <a:pPr>
               <a:buSzPct val="45000"/>
@@ -5880,32 +6748,313 @@
       </p:sp>
     </p:spTree>
   </p:cSld>
-  <p:clrMap bg1="lt1" bg2="lt2" tx1="dk1" tx2="dk2" accent1="accent1" accent2="accent2" accent3="accent3" accent4="accent4" accent5="accent5" accent6="accent6" hlink="hlink" folHlink="folHlink"/>
+  <p:clrMap bg1="lt1" tx1="dk1" bg2="lt2" tx2="dk2" accent1="accent1" accent2="accent2" accent3="accent3" accent4="accent4" accent5="accent5" accent6="accent6" hlink="hlink" folHlink="folHlink"/>
   <p:sldLayoutIdLst>
-    <p:sldLayoutId id="2147483662" r:id="rId2"/>
-    <p:sldLayoutId id="2147483663" r:id="rId3"/>
-    <p:sldLayoutId id="2147483664" r:id="rId4"/>
-    <p:sldLayoutId id="2147483665" r:id="rId5"/>
-    <p:sldLayoutId id="2147483666" r:id="rId6"/>
-    <p:sldLayoutId id="2147483667" r:id="rId7"/>
-    <p:sldLayoutId id="2147483668" r:id="rId8"/>
-    <p:sldLayoutId id="2147483669" r:id="rId9"/>
-    <p:sldLayoutId id="2147483670" r:id="rId10"/>
-    <p:sldLayoutId id="2147483671" r:id="rId11"/>
-    <p:sldLayoutId id="2147483672" r:id="rId12"/>
-    <p:sldLayoutId id="2147483673" r:id="rId13"/>
+    <p:sldLayoutId id="2147483662" r:id="rId1"/>
+    <p:sldLayoutId id="2147483663" r:id="rId2"/>
+    <p:sldLayoutId id="2147483664" r:id="rId3"/>
+    <p:sldLayoutId id="2147483665" r:id="rId4"/>
+    <p:sldLayoutId id="2147483666" r:id="rId5"/>
+    <p:sldLayoutId id="2147483667" r:id="rId6"/>
+    <p:sldLayoutId id="2147483668" r:id="rId7"/>
+    <p:sldLayoutId id="2147483669" r:id="rId8"/>
+    <p:sldLayoutId id="2147483670" r:id="rId9"/>
+    <p:sldLayoutId id="2147483671" r:id="rId10"/>
+    <p:sldLayoutId id="2147483672" r:id="rId11"/>
+    <p:sldLayoutId id="2147483673" r:id="rId12"/>
   </p:sldLayoutIdLst>
+  <p:txStyles>
+    <p:titleStyle>
+      <a:lvl1pPr algn="l" defTabSz="914400" rtl="0" eaLnBrk="1" latinLnBrk="0" hangingPunct="1">
+        <a:lnSpc>
+          <a:spcPct val="90000"/>
+        </a:lnSpc>
+        <a:spcBef>
+          <a:spcPct val="0"/>
+        </a:spcBef>
+        <a:buNone/>
+        <a:defRPr sz="4400" kern="1200">
+          <a:solidFill>
+            <a:schemeClr val="tx1"/>
+          </a:solidFill>
+          <a:latin typeface="+mj-lt"/>
+          <a:ea typeface="+mj-ea"/>
+          <a:cs typeface="+mj-cs"/>
+        </a:defRPr>
+      </a:lvl1pPr>
+    </p:titleStyle>
+    <p:bodyStyle>
+      <a:lvl1pPr marL="228600" indent="-228600" algn="l" defTabSz="914400" rtl="0" eaLnBrk="1" latinLnBrk="0" hangingPunct="1">
+        <a:lnSpc>
+          <a:spcPct val="90000"/>
+        </a:lnSpc>
+        <a:spcBef>
+          <a:spcPts val="1000"/>
+        </a:spcBef>
+        <a:buFont typeface="Arial" panose="020B0604020202020204" pitchFamily="34" charset="0"/>
+        <a:buChar char="•"/>
+        <a:defRPr sz="2800" kern="1200">
+          <a:solidFill>
+            <a:schemeClr val="tx1"/>
+          </a:solidFill>
+          <a:latin typeface="+mn-lt"/>
+          <a:ea typeface="+mn-ea"/>
+          <a:cs typeface="+mn-cs"/>
+        </a:defRPr>
+      </a:lvl1pPr>
+      <a:lvl2pPr marL="685800" indent="-228600" algn="l" defTabSz="914400" rtl="0" eaLnBrk="1" latinLnBrk="0" hangingPunct="1">
+        <a:lnSpc>
+          <a:spcPct val="90000"/>
+        </a:lnSpc>
+        <a:spcBef>
+          <a:spcPts val="500"/>
+        </a:spcBef>
+        <a:buFont typeface="Arial" panose="020B0604020202020204" pitchFamily="34" charset="0"/>
+        <a:buChar char="•"/>
+        <a:defRPr sz="2400" kern="1200">
+          <a:solidFill>
+            <a:schemeClr val="tx1"/>
+          </a:solidFill>
+          <a:latin typeface="+mn-lt"/>
+          <a:ea typeface="+mn-ea"/>
+          <a:cs typeface="+mn-cs"/>
+        </a:defRPr>
+      </a:lvl2pPr>
+      <a:lvl3pPr marL="1143000" indent="-228600" algn="l" defTabSz="914400" rtl="0" eaLnBrk="1" latinLnBrk="0" hangingPunct="1">
+        <a:lnSpc>
+          <a:spcPct val="90000"/>
+        </a:lnSpc>
+        <a:spcBef>
+          <a:spcPts val="500"/>
+        </a:spcBef>
+        <a:buFont typeface="Arial" panose="020B0604020202020204" pitchFamily="34" charset="0"/>
+        <a:buChar char="•"/>
+        <a:defRPr sz="2000" kern="1200">
+          <a:solidFill>
+            <a:schemeClr val="tx1"/>
+          </a:solidFill>
+          <a:latin typeface="+mn-lt"/>
+          <a:ea typeface="+mn-ea"/>
+          <a:cs typeface="+mn-cs"/>
+        </a:defRPr>
+      </a:lvl3pPr>
+      <a:lvl4pPr marL="1600200" indent="-228600" algn="l" defTabSz="914400" rtl="0" eaLnBrk="1" latinLnBrk="0" hangingPunct="1">
+        <a:lnSpc>
+          <a:spcPct val="90000"/>
+        </a:lnSpc>
+        <a:spcBef>
+          <a:spcPts val="500"/>
+        </a:spcBef>
+        <a:buFont typeface="Arial" panose="020B0604020202020204" pitchFamily="34" charset="0"/>
+        <a:buChar char="•"/>
+        <a:defRPr sz="1800" kern="1200">
+          <a:solidFill>
+            <a:schemeClr val="tx1"/>
+          </a:solidFill>
+          <a:latin typeface="+mn-lt"/>
+          <a:ea typeface="+mn-ea"/>
+          <a:cs typeface="+mn-cs"/>
+        </a:defRPr>
+      </a:lvl4pPr>
+      <a:lvl5pPr marL="2057400" indent="-228600" algn="l" defTabSz="914400" rtl="0" eaLnBrk="1" latinLnBrk="0" hangingPunct="1">
+        <a:lnSpc>
+          <a:spcPct val="90000"/>
+        </a:lnSpc>
+        <a:spcBef>
+          <a:spcPts val="500"/>
+        </a:spcBef>
+        <a:buFont typeface="Arial" panose="020B0604020202020204" pitchFamily="34" charset="0"/>
+        <a:buChar char="•"/>
+        <a:defRPr sz="1800" kern="1200">
+          <a:solidFill>
+            <a:schemeClr val="tx1"/>
+          </a:solidFill>
+          <a:latin typeface="+mn-lt"/>
+          <a:ea typeface="+mn-ea"/>
+          <a:cs typeface="+mn-cs"/>
+        </a:defRPr>
+      </a:lvl5pPr>
+      <a:lvl6pPr marL="2514600" indent="-228600" algn="l" defTabSz="914400" rtl="0" eaLnBrk="1" latinLnBrk="0" hangingPunct="1">
+        <a:lnSpc>
+          <a:spcPct val="90000"/>
+        </a:lnSpc>
+        <a:spcBef>
+          <a:spcPts val="500"/>
+        </a:spcBef>
+        <a:buFont typeface="Arial" panose="020B0604020202020204" pitchFamily="34" charset="0"/>
+        <a:buChar char="•"/>
+        <a:defRPr sz="1800" kern="1200">
+          <a:solidFill>
+            <a:schemeClr val="tx1"/>
+          </a:solidFill>
+          <a:latin typeface="+mn-lt"/>
+          <a:ea typeface="+mn-ea"/>
+          <a:cs typeface="+mn-cs"/>
+        </a:defRPr>
+      </a:lvl6pPr>
+      <a:lvl7pPr marL="2971800" indent="-228600" algn="l" defTabSz="914400" rtl="0" eaLnBrk="1" latinLnBrk="0" hangingPunct="1">
+        <a:lnSpc>
+          <a:spcPct val="90000"/>
+        </a:lnSpc>
+        <a:spcBef>
+          <a:spcPts val="500"/>
+        </a:spcBef>
+        <a:buFont typeface="Arial" panose="020B0604020202020204" pitchFamily="34" charset="0"/>
+        <a:buChar char="•"/>
+        <a:defRPr sz="1800" kern="1200">
+          <a:solidFill>
+            <a:schemeClr val="tx1"/>
+          </a:solidFill>
+          <a:latin typeface="+mn-lt"/>
+          <a:ea typeface="+mn-ea"/>
+          <a:cs typeface="+mn-cs"/>
+        </a:defRPr>
+      </a:lvl7pPr>
+      <a:lvl8pPr marL="3429000" indent="-228600" algn="l" defTabSz="914400" rtl="0" eaLnBrk="1" latinLnBrk="0" hangingPunct="1">
+        <a:lnSpc>
+          <a:spcPct val="90000"/>
+        </a:lnSpc>
+        <a:spcBef>
+          <a:spcPts val="500"/>
+        </a:spcBef>
+        <a:buFont typeface="Arial" panose="020B0604020202020204" pitchFamily="34" charset="0"/>
+        <a:buChar char="•"/>
+        <a:defRPr sz="1800" kern="1200">
+          <a:solidFill>
+            <a:schemeClr val="tx1"/>
+          </a:solidFill>
+          <a:latin typeface="+mn-lt"/>
+          <a:ea typeface="+mn-ea"/>
+          <a:cs typeface="+mn-cs"/>
+        </a:defRPr>
+      </a:lvl8pPr>
+      <a:lvl9pPr marL="3886200" indent="-228600" algn="l" defTabSz="914400" rtl="0" eaLnBrk="1" latinLnBrk="0" hangingPunct="1">
+        <a:lnSpc>
+          <a:spcPct val="90000"/>
+        </a:lnSpc>
+        <a:spcBef>
+          <a:spcPts val="500"/>
+        </a:spcBef>
+        <a:buFont typeface="Arial" panose="020B0604020202020204" pitchFamily="34" charset="0"/>
+        <a:buChar char="•"/>
+        <a:defRPr sz="1800" kern="1200">
+          <a:solidFill>
+            <a:schemeClr val="tx1"/>
+          </a:solidFill>
+          <a:latin typeface="+mn-lt"/>
+          <a:ea typeface="+mn-ea"/>
+          <a:cs typeface="+mn-cs"/>
+        </a:defRPr>
+      </a:lvl9pPr>
+    </p:bodyStyle>
+    <p:otherStyle>
+      <a:defPPr>
+        <a:defRPr lang="en-US"/>
+      </a:defPPr>
+      <a:lvl1pPr marL="0" algn="l" defTabSz="914400" rtl="0" eaLnBrk="1" latinLnBrk="0" hangingPunct="1">
+        <a:defRPr sz="1800" kern="1200">
+          <a:solidFill>
+            <a:schemeClr val="tx1"/>
+          </a:solidFill>
+          <a:latin typeface="+mn-lt"/>
+          <a:ea typeface="+mn-ea"/>
+          <a:cs typeface="+mn-cs"/>
+        </a:defRPr>
+      </a:lvl1pPr>
+      <a:lvl2pPr marL="457200" algn="l" defTabSz="914400" rtl="0" eaLnBrk="1" latinLnBrk="0" hangingPunct="1">
+        <a:defRPr sz="1800" kern="1200">
+          <a:solidFill>
+            <a:schemeClr val="tx1"/>
+          </a:solidFill>
+          <a:latin typeface="+mn-lt"/>
+          <a:ea typeface="+mn-ea"/>
+          <a:cs typeface="+mn-cs"/>
+        </a:defRPr>
+      </a:lvl2pPr>
+      <a:lvl3pPr marL="914400" algn="l" defTabSz="914400" rtl="0" eaLnBrk="1" latinLnBrk="0" hangingPunct="1">
+        <a:defRPr sz="1800" kern="1200">
+          <a:solidFill>
+            <a:schemeClr val="tx1"/>
+          </a:solidFill>
+          <a:latin typeface="+mn-lt"/>
+          <a:ea typeface="+mn-ea"/>
+          <a:cs typeface="+mn-cs"/>
+        </a:defRPr>
+      </a:lvl3pPr>
+      <a:lvl4pPr marL="1371600" algn="l" defTabSz="914400" rtl="0" eaLnBrk="1" latinLnBrk="0" hangingPunct="1">
+        <a:defRPr sz="1800" kern="1200">
+          <a:solidFill>
+            <a:schemeClr val="tx1"/>
+          </a:solidFill>
+          <a:latin typeface="+mn-lt"/>
+          <a:ea typeface="+mn-ea"/>
+          <a:cs typeface="+mn-cs"/>
+        </a:defRPr>
+      </a:lvl4pPr>
+      <a:lvl5pPr marL="1828800" algn="l" defTabSz="914400" rtl="0" eaLnBrk="1" latinLnBrk="0" hangingPunct="1">
+        <a:defRPr sz="1800" kern="1200">
+          <a:solidFill>
+            <a:schemeClr val="tx1"/>
+          </a:solidFill>
+          <a:latin typeface="+mn-lt"/>
+          <a:ea typeface="+mn-ea"/>
+          <a:cs typeface="+mn-cs"/>
+        </a:defRPr>
+      </a:lvl5pPr>
+      <a:lvl6pPr marL="2286000" algn="l" defTabSz="914400" rtl="0" eaLnBrk="1" latinLnBrk="0" hangingPunct="1">
+        <a:defRPr sz="1800" kern="1200">
+          <a:solidFill>
+            <a:schemeClr val="tx1"/>
+          </a:solidFill>
+          <a:latin typeface="+mn-lt"/>
+          <a:ea typeface="+mn-ea"/>
+          <a:cs typeface="+mn-cs"/>
+        </a:defRPr>
+      </a:lvl6pPr>
+      <a:lvl7pPr marL="2743200" algn="l" defTabSz="914400" rtl="0" eaLnBrk="1" latinLnBrk="0" hangingPunct="1">
+        <a:defRPr sz="1800" kern="1200">
+          <a:solidFill>
+            <a:schemeClr val="tx1"/>
+          </a:solidFill>
+          <a:latin typeface="+mn-lt"/>
+          <a:ea typeface="+mn-ea"/>
+          <a:cs typeface="+mn-cs"/>
+        </a:defRPr>
+      </a:lvl7pPr>
+      <a:lvl8pPr marL="3200400" algn="l" defTabSz="914400" rtl="0" eaLnBrk="1" latinLnBrk="0" hangingPunct="1">
+        <a:defRPr sz="1800" kern="1200">
+          <a:solidFill>
+            <a:schemeClr val="tx1"/>
+          </a:solidFill>
+          <a:latin typeface="+mn-lt"/>
+          <a:ea typeface="+mn-ea"/>
+          <a:cs typeface="+mn-cs"/>
+        </a:defRPr>
+      </a:lvl8pPr>
+      <a:lvl9pPr marL="3657600" algn="l" defTabSz="914400" rtl="0" eaLnBrk="1" latinLnBrk="0" hangingPunct="1">
+        <a:defRPr sz="1800" kern="1200">
+          <a:solidFill>
+            <a:schemeClr val="tx1"/>
+          </a:solidFill>
+          <a:latin typeface="+mn-lt"/>
+          <a:ea typeface="+mn-ea"/>
+          <a:cs typeface="+mn-cs"/>
+        </a:defRPr>
+      </a:lvl9pPr>
+    </p:otherStyle>
+  </p:txStyles>
 </p:sldMaster>
 </file>
 
 <file path=ppt/slideMasters/slideMaster3.xml><?xml version="1.0" encoding="utf-8"?>
-<p:sldMaster xmlns:a="http://schemas.openxmlformats.org/drawingml/2006/main" xmlns:p="http://schemas.openxmlformats.org/presentationml/2006/main" xmlns:r="http://schemas.openxmlformats.org/officeDocument/2006/relationships">
+<p:sldMaster xmlns:a="http://schemas.openxmlformats.org/drawingml/2006/main" xmlns:r="http://schemas.openxmlformats.org/officeDocument/2006/relationships" xmlns:p="http://schemas.openxmlformats.org/presentationml/2006/main">
   <p:cSld>
     <p:bg>
       <p:bgPr>
         <a:solidFill>
-          <a:srgbClr val="ffffff"/>
+          <a:srgbClr val="FFFFFF"/>
         </a:solidFill>
+        <a:effectLst/>
       </p:bgPr>
     </p:bg>
     <p:spTree>
@@ -5943,6 +7092,7 @@
         </p:spPr>
         <p:txBody>
           <a:bodyPr anchor="ctr"/>
+          <a:lstStyle/>
           <a:p>
             <a:pPr algn="ctr">
               <a:lnSpc>
@@ -5984,6 +7134,7 @@
         </p:spPr>
         <p:txBody>
           <a:bodyPr/>
+          <a:lstStyle/>
           <a:p>
             <a:pPr>
               <a:buSzPct val="45000"/>
@@ -6215,6 +7366,7 @@
         </p:spPr>
         <p:txBody>
           <a:bodyPr/>
+          <a:lstStyle/>
           <a:p>
             <a:pPr>
               <a:buSzPct val="45000"/>
@@ -6439,6 +7591,7 @@
         </p:spPr>
         <p:txBody>
           <a:bodyPr/>
+          <a:lstStyle/>
           <a:p>
             <a:endParaRPr/>
           </a:p>
@@ -6465,6 +7618,7 @@
         </p:spPr>
         <p:txBody>
           <a:bodyPr/>
+          <a:lstStyle/>
           <a:p>
             <a:endParaRPr/>
           </a:p>
@@ -6491,6 +7645,7 @@
         </p:spPr>
         <p:txBody>
           <a:bodyPr/>
+          <a:lstStyle/>
           <a:p>
             <a:pPr>
               <a:lnSpc>
@@ -6505,7 +7660,7 @@
                 <a:latin typeface="Arial"/>
                 <a:ea typeface="ＭＳ Ｐゴシック"/>
               </a:rPr>
-              <a:t>&lt;number&gt;</a:t>
+              <a:t>‹#›</a:t>
             </a:fld>
             <a:endParaRPr/>
           </a:p>
@@ -6513,26 +7668,306 @@
       </p:sp>
     </p:spTree>
   </p:cSld>
-  <p:clrMap bg1="lt1" bg2="lt2" tx1="dk1" tx2="dk2" accent1="accent1" accent2="accent2" accent3="accent3" accent4="accent4" accent5="accent5" accent6="accent6" hlink="hlink" folHlink="folHlink"/>
+  <p:clrMap bg1="lt1" tx1="dk1" bg2="lt2" tx2="dk2" accent1="accent1" accent2="accent2" accent3="accent3" accent4="accent4" accent5="accent5" accent6="accent6" hlink="hlink" folHlink="folHlink"/>
   <p:sldLayoutIdLst>
-    <p:sldLayoutId id="2147483675" r:id="rId2"/>
-    <p:sldLayoutId id="2147483676" r:id="rId3"/>
-    <p:sldLayoutId id="2147483677" r:id="rId4"/>
-    <p:sldLayoutId id="2147483678" r:id="rId5"/>
-    <p:sldLayoutId id="2147483679" r:id="rId6"/>
-    <p:sldLayoutId id="2147483680" r:id="rId7"/>
-    <p:sldLayoutId id="2147483681" r:id="rId8"/>
-    <p:sldLayoutId id="2147483682" r:id="rId9"/>
-    <p:sldLayoutId id="2147483683" r:id="rId10"/>
-    <p:sldLayoutId id="2147483684" r:id="rId11"/>
-    <p:sldLayoutId id="2147483685" r:id="rId12"/>
-    <p:sldLayoutId id="2147483686" r:id="rId13"/>
+    <p:sldLayoutId id="2147483675" r:id="rId1"/>
+    <p:sldLayoutId id="2147483676" r:id="rId2"/>
+    <p:sldLayoutId id="2147483677" r:id="rId3"/>
+    <p:sldLayoutId id="2147483678" r:id="rId4"/>
+    <p:sldLayoutId id="2147483679" r:id="rId5"/>
+    <p:sldLayoutId id="2147483680" r:id="rId6"/>
+    <p:sldLayoutId id="2147483681" r:id="rId7"/>
+    <p:sldLayoutId id="2147483682" r:id="rId8"/>
+    <p:sldLayoutId id="2147483683" r:id="rId9"/>
+    <p:sldLayoutId id="2147483684" r:id="rId10"/>
+    <p:sldLayoutId id="2147483685" r:id="rId11"/>
+    <p:sldLayoutId id="2147483686" r:id="rId12"/>
   </p:sldLayoutIdLst>
+  <p:txStyles>
+    <p:titleStyle>
+      <a:lvl1pPr algn="l" defTabSz="914400" rtl="0" eaLnBrk="1" latinLnBrk="0" hangingPunct="1">
+        <a:lnSpc>
+          <a:spcPct val="90000"/>
+        </a:lnSpc>
+        <a:spcBef>
+          <a:spcPct val="0"/>
+        </a:spcBef>
+        <a:buNone/>
+        <a:defRPr sz="4400" kern="1200">
+          <a:solidFill>
+            <a:schemeClr val="tx1"/>
+          </a:solidFill>
+          <a:latin typeface="+mj-lt"/>
+          <a:ea typeface="+mj-ea"/>
+          <a:cs typeface="+mj-cs"/>
+        </a:defRPr>
+      </a:lvl1pPr>
+    </p:titleStyle>
+    <p:bodyStyle>
+      <a:lvl1pPr marL="228600" indent="-228600" algn="l" defTabSz="914400" rtl="0" eaLnBrk="1" latinLnBrk="0" hangingPunct="1">
+        <a:lnSpc>
+          <a:spcPct val="90000"/>
+        </a:lnSpc>
+        <a:spcBef>
+          <a:spcPts val="1000"/>
+        </a:spcBef>
+        <a:buFont typeface="Arial" panose="020B0604020202020204" pitchFamily="34" charset="0"/>
+        <a:buChar char="•"/>
+        <a:defRPr sz="2800" kern="1200">
+          <a:solidFill>
+            <a:schemeClr val="tx1"/>
+          </a:solidFill>
+          <a:latin typeface="+mn-lt"/>
+          <a:ea typeface="+mn-ea"/>
+          <a:cs typeface="+mn-cs"/>
+        </a:defRPr>
+      </a:lvl1pPr>
+      <a:lvl2pPr marL="685800" indent="-228600" algn="l" defTabSz="914400" rtl="0" eaLnBrk="1" latinLnBrk="0" hangingPunct="1">
+        <a:lnSpc>
+          <a:spcPct val="90000"/>
+        </a:lnSpc>
+        <a:spcBef>
+          <a:spcPts val="500"/>
+        </a:spcBef>
+        <a:buFont typeface="Arial" panose="020B0604020202020204" pitchFamily="34" charset="0"/>
+        <a:buChar char="•"/>
+        <a:defRPr sz="2400" kern="1200">
+          <a:solidFill>
+            <a:schemeClr val="tx1"/>
+          </a:solidFill>
+          <a:latin typeface="+mn-lt"/>
+          <a:ea typeface="+mn-ea"/>
+          <a:cs typeface="+mn-cs"/>
+        </a:defRPr>
+      </a:lvl2pPr>
+      <a:lvl3pPr marL="1143000" indent="-228600" algn="l" defTabSz="914400" rtl="0" eaLnBrk="1" latinLnBrk="0" hangingPunct="1">
+        <a:lnSpc>
+          <a:spcPct val="90000"/>
+        </a:lnSpc>
+        <a:spcBef>
+          <a:spcPts val="500"/>
+        </a:spcBef>
+        <a:buFont typeface="Arial" panose="020B0604020202020204" pitchFamily="34" charset="0"/>
+        <a:buChar char="•"/>
+        <a:defRPr sz="2000" kern="1200">
+          <a:solidFill>
+            <a:schemeClr val="tx1"/>
+          </a:solidFill>
+          <a:latin typeface="+mn-lt"/>
+          <a:ea typeface="+mn-ea"/>
+          <a:cs typeface="+mn-cs"/>
+        </a:defRPr>
+      </a:lvl3pPr>
+      <a:lvl4pPr marL="1600200" indent="-228600" algn="l" defTabSz="914400" rtl="0" eaLnBrk="1" latinLnBrk="0" hangingPunct="1">
+        <a:lnSpc>
+          <a:spcPct val="90000"/>
+        </a:lnSpc>
+        <a:spcBef>
+          <a:spcPts val="500"/>
+        </a:spcBef>
+        <a:buFont typeface="Arial" panose="020B0604020202020204" pitchFamily="34" charset="0"/>
+        <a:buChar char="•"/>
+        <a:defRPr sz="1800" kern="1200">
+          <a:solidFill>
+            <a:schemeClr val="tx1"/>
+          </a:solidFill>
+          <a:latin typeface="+mn-lt"/>
+          <a:ea typeface="+mn-ea"/>
+          <a:cs typeface="+mn-cs"/>
+        </a:defRPr>
+      </a:lvl4pPr>
+      <a:lvl5pPr marL="2057400" indent="-228600" algn="l" defTabSz="914400" rtl="0" eaLnBrk="1" latinLnBrk="0" hangingPunct="1">
+        <a:lnSpc>
+          <a:spcPct val="90000"/>
+        </a:lnSpc>
+        <a:spcBef>
+          <a:spcPts val="500"/>
+        </a:spcBef>
+        <a:buFont typeface="Arial" panose="020B0604020202020204" pitchFamily="34" charset="0"/>
+        <a:buChar char="•"/>
+        <a:defRPr sz="1800" kern="1200">
+          <a:solidFill>
+            <a:schemeClr val="tx1"/>
+          </a:solidFill>
+          <a:latin typeface="+mn-lt"/>
+          <a:ea typeface="+mn-ea"/>
+          <a:cs typeface="+mn-cs"/>
+        </a:defRPr>
+      </a:lvl5pPr>
+      <a:lvl6pPr marL="2514600" indent="-228600" algn="l" defTabSz="914400" rtl="0" eaLnBrk="1" latinLnBrk="0" hangingPunct="1">
+        <a:lnSpc>
+          <a:spcPct val="90000"/>
+        </a:lnSpc>
+        <a:spcBef>
+          <a:spcPts val="500"/>
+        </a:spcBef>
+        <a:buFont typeface="Arial" panose="020B0604020202020204" pitchFamily="34" charset="0"/>
+        <a:buChar char="•"/>
+        <a:defRPr sz="1800" kern="1200">
+          <a:solidFill>
+            <a:schemeClr val="tx1"/>
+          </a:solidFill>
+          <a:latin typeface="+mn-lt"/>
+          <a:ea typeface="+mn-ea"/>
+          <a:cs typeface="+mn-cs"/>
+        </a:defRPr>
+      </a:lvl6pPr>
+      <a:lvl7pPr marL="2971800" indent="-228600" algn="l" defTabSz="914400" rtl="0" eaLnBrk="1" latinLnBrk="0" hangingPunct="1">
+        <a:lnSpc>
+          <a:spcPct val="90000"/>
+        </a:lnSpc>
+        <a:spcBef>
+          <a:spcPts val="500"/>
+        </a:spcBef>
+        <a:buFont typeface="Arial" panose="020B0604020202020204" pitchFamily="34" charset="0"/>
+        <a:buChar char="•"/>
+        <a:defRPr sz="1800" kern="1200">
+          <a:solidFill>
+            <a:schemeClr val="tx1"/>
+          </a:solidFill>
+          <a:latin typeface="+mn-lt"/>
+          <a:ea typeface="+mn-ea"/>
+          <a:cs typeface="+mn-cs"/>
+        </a:defRPr>
+      </a:lvl7pPr>
+      <a:lvl8pPr marL="3429000" indent="-228600" algn="l" defTabSz="914400" rtl="0" eaLnBrk="1" latinLnBrk="0" hangingPunct="1">
+        <a:lnSpc>
+          <a:spcPct val="90000"/>
+        </a:lnSpc>
+        <a:spcBef>
+          <a:spcPts val="500"/>
+        </a:spcBef>
+        <a:buFont typeface="Arial" panose="020B0604020202020204" pitchFamily="34" charset="0"/>
+        <a:buChar char="•"/>
+        <a:defRPr sz="1800" kern="1200">
+          <a:solidFill>
+            <a:schemeClr val="tx1"/>
+          </a:solidFill>
+          <a:latin typeface="+mn-lt"/>
+          <a:ea typeface="+mn-ea"/>
+          <a:cs typeface="+mn-cs"/>
+        </a:defRPr>
+      </a:lvl8pPr>
+      <a:lvl9pPr marL="3886200" indent="-228600" algn="l" defTabSz="914400" rtl="0" eaLnBrk="1" latinLnBrk="0" hangingPunct="1">
+        <a:lnSpc>
+          <a:spcPct val="90000"/>
+        </a:lnSpc>
+        <a:spcBef>
+          <a:spcPts val="500"/>
+        </a:spcBef>
+        <a:buFont typeface="Arial" panose="020B0604020202020204" pitchFamily="34" charset="0"/>
+        <a:buChar char="•"/>
+        <a:defRPr sz="1800" kern="1200">
+          <a:solidFill>
+            <a:schemeClr val="tx1"/>
+          </a:solidFill>
+          <a:latin typeface="+mn-lt"/>
+          <a:ea typeface="+mn-ea"/>
+          <a:cs typeface="+mn-cs"/>
+        </a:defRPr>
+      </a:lvl9pPr>
+    </p:bodyStyle>
+    <p:otherStyle>
+      <a:defPPr>
+        <a:defRPr lang="en-US"/>
+      </a:defPPr>
+      <a:lvl1pPr marL="0" algn="l" defTabSz="914400" rtl="0" eaLnBrk="1" latinLnBrk="0" hangingPunct="1">
+        <a:defRPr sz="1800" kern="1200">
+          <a:solidFill>
+            <a:schemeClr val="tx1"/>
+          </a:solidFill>
+          <a:latin typeface="+mn-lt"/>
+          <a:ea typeface="+mn-ea"/>
+          <a:cs typeface="+mn-cs"/>
+        </a:defRPr>
+      </a:lvl1pPr>
+      <a:lvl2pPr marL="457200" algn="l" defTabSz="914400" rtl="0" eaLnBrk="1" latinLnBrk="0" hangingPunct="1">
+        <a:defRPr sz="1800" kern="1200">
+          <a:solidFill>
+            <a:schemeClr val="tx1"/>
+          </a:solidFill>
+          <a:latin typeface="+mn-lt"/>
+          <a:ea typeface="+mn-ea"/>
+          <a:cs typeface="+mn-cs"/>
+        </a:defRPr>
+      </a:lvl2pPr>
+      <a:lvl3pPr marL="914400" algn="l" defTabSz="914400" rtl="0" eaLnBrk="1" latinLnBrk="0" hangingPunct="1">
+        <a:defRPr sz="1800" kern="1200">
+          <a:solidFill>
+            <a:schemeClr val="tx1"/>
+          </a:solidFill>
+          <a:latin typeface="+mn-lt"/>
+          <a:ea typeface="+mn-ea"/>
+          <a:cs typeface="+mn-cs"/>
+        </a:defRPr>
+      </a:lvl3pPr>
+      <a:lvl4pPr marL="1371600" algn="l" defTabSz="914400" rtl="0" eaLnBrk="1" latinLnBrk="0" hangingPunct="1">
+        <a:defRPr sz="1800" kern="1200">
+          <a:solidFill>
+            <a:schemeClr val="tx1"/>
+          </a:solidFill>
+          <a:latin typeface="+mn-lt"/>
+          <a:ea typeface="+mn-ea"/>
+          <a:cs typeface="+mn-cs"/>
+        </a:defRPr>
+      </a:lvl4pPr>
+      <a:lvl5pPr marL="1828800" algn="l" defTabSz="914400" rtl="0" eaLnBrk="1" latinLnBrk="0" hangingPunct="1">
+        <a:defRPr sz="1800" kern="1200">
+          <a:solidFill>
+            <a:schemeClr val="tx1"/>
+          </a:solidFill>
+          <a:latin typeface="+mn-lt"/>
+          <a:ea typeface="+mn-ea"/>
+          <a:cs typeface="+mn-cs"/>
+        </a:defRPr>
+      </a:lvl5pPr>
+      <a:lvl6pPr marL="2286000" algn="l" defTabSz="914400" rtl="0" eaLnBrk="1" latinLnBrk="0" hangingPunct="1">
+        <a:defRPr sz="1800" kern="1200">
+          <a:solidFill>
+            <a:schemeClr val="tx1"/>
+          </a:solidFill>
+          <a:latin typeface="+mn-lt"/>
+          <a:ea typeface="+mn-ea"/>
+          <a:cs typeface="+mn-cs"/>
+        </a:defRPr>
+      </a:lvl6pPr>
+      <a:lvl7pPr marL="2743200" algn="l" defTabSz="914400" rtl="0" eaLnBrk="1" latinLnBrk="0" hangingPunct="1">
+        <a:defRPr sz="1800" kern="1200">
+          <a:solidFill>
+            <a:schemeClr val="tx1"/>
+          </a:solidFill>
+          <a:latin typeface="+mn-lt"/>
+          <a:ea typeface="+mn-ea"/>
+          <a:cs typeface="+mn-cs"/>
+        </a:defRPr>
+      </a:lvl7pPr>
+      <a:lvl8pPr marL="3200400" algn="l" defTabSz="914400" rtl="0" eaLnBrk="1" latinLnBrk="0" hangingPunct="1">
+        <a:defRPr sz="1800" kern="1200">
+          <a:solidFill>
+            <a:schemeClr val="tx1"/>
+          </a:solidFill>
+          <a:latin typeface="+mn-lt"/>
+          <a:ea typeface="+mn-ea"/>
+          <a:cs typeface="+mn-cs"/>
+        </a:defRPr>
+      </a:lvl8pPr>
+      <a:lvl9pPr marL="3657600" algn="l" defTabSz="914400" rtl="0" eaLnBrk="1" latinLnBrk="0" hangingPunct="1">
+        <a:defRPr sz="1800" kern="1200">
+          <a:solidFill>
+            <a:schemeClr val="tx1"/>
+          </a:solidFill>
+          <a:latin typeface="+mn-lt"/>
+          <a:ea typeface="+mn-ea"/>
+          <a:cs typeface="+mn-cs"/>
+        </a:defRPr>
+      </a:lvl9pPr>
+    </p:otherStyle>
+  </p:txStyles>
 </p:sldMaster>
 </file>
 
 <file path=ppt/slides/slide1.xml><?xml version="1.0" encoding="utf-8"?>
-<p:sld xmlns:a="http://schemas.openxmlformats.org/drawingml/2006/main" xmlns:p="http://schemas.openxmlformats.org/presentationml/2006/main" xmlns:r="http://schemas.openxmlformats.org/officeDocument/2006/relationships">
+<p:sld xmlns:a="http://schemas.openxmlformats.org/drawingml/2006/main" xmlns:r="http://schemas.openxmlformats.org/officeDocument/2006/relationships" xmlns:p="http://schemas.openxmlformats.org/presentationml/2006/main">
   <p:cSld>
     <p:spTree>
       <p:nvGrpSpPr>
@@ -6565,6 +8000,7 @@
         </p:spPr>
         <p:txBody>
           <a:bodyPr anchor="ctr"/>
+          <a:lstStyle/>
           <a:p>
             <a:pPr algn="ctr">
               <a:lnSpc>
@@ -6602,6 +8038,7 @@
         </p:spPr>
         <p:txBody>
           <a:bodyPr/>
+          <a:lstStyle/>
           <a:p>
             <a:pPr>
               <a:lnSpc>
@@ -6706,6 +8143,9 @@
       </p:sp>
     </p:spTree>
   </p:cSld>
+  <p:clrMapOvr>
+    <a:masterClrMapping/>
+  </p:clrMapOvr>
   <p:timing>
     <p:tnLst>
       <p:par>
@@ -6714,14 +8154,14 @@
             <p:seq>
               <p:cTn id="2" nodeType="mainSeq"/>
               <p:prevCondLst>
-                <p:cond delay="0" evt="onPrev">
+                <p:cond evt="onPrev" delay="0">
                   <p:tgtEl>
                     <p:sldTgt/>
                   </p:tgtEl>
                 </p:cond>
               </p:prevCondLst>
               <p:nextCondLst>
-                <p:cond delay="0" evt="onNext">
+                <p:cond evt="onNext" delay="0">
                   <p:tgtEl>
                     <p:sldTgt/>
                   </p:tgtEl>
@@ -6737,7 +8177,7 @@
 </file>
 
 <file path=ppt/slides/slide10.xml><?xml version="1.0" encoding="utf-8"?>
-<p:sld xmlns:a="http://schemas.openxmlformats.org/drawingml/2006/main" xmlns:p="http://schemas.openxmlformats.org/presentationml/2006/main" xmlns:r="http://schemas.openxmlformats.org/officeDocument/2006/relationships">
+<p:sld xmlns:a="http://schemas.openxmlformats.org/drawingml/2006/main" xmlns:r="http://schemas.openxmlformats.org/officeDocument/2006/relationships" xmlns:p="http://schemas.openxmlformats.org/presentationml/2006/main">
   <p:cSld>
     <p:spTree>
       <p:nvGrpSpPr>
@@ -6770,6 +8210,7 @@
         </p:spPr>
         <p:txBody>
           <a:bodyPr/>
+          <a:lstStyle/>
           <a:p>
             <a:pPr>
               <a:lnSpc>
@@ -6852,7 +8293,8 @@
           </a:ln>
         </p:spPr>
         <p:txBody>
-          <a:bodyPr lIns="90000" rIns="90000" tIns="45000" bIns="45000" anchor="ctr"/>
+          <a:bodyPr lIns="90000" tIns="45000" rIns="90000" bIns="45000" anchor="ctr"/>
+          <a:lstStyle/>
           <a:p>
             <a:pPr algn="ctr">
               <a:lnSpc>
@@ -6875,12 +8317,12 @@
       </p:sp>
       <p:pic>
         <p:nvPicPr>
-          <p:cNvPr id="145" name="Picture 3" descr=""/>
+          <p:cNvPr id="145" name="Picture 3"/>
           <p:cNvPicPr/>
           <p:nvPr/>
         </p:nvPicPr>
         <p:blipFill>
-          <a:blip r:embed="rId1"/>
+          <a:blip r:embed="rId3"/>
           <a:stretch>
             <a:fillRect/>
           </a:stretch>
@@ -6900,11 +8342,21 @@
       </p:pic>
     </p:spTree>
   </p:cSld>
+  <p:clrMapOvr>
+    <a:masterClrMapping/>
+  </p:clrMapOvr>
+  <p:timing>
+    <p:tnLst>
+      <p:par>
+        <p:cTn id="1" dur="indefinite" restart="never" nodeType="tmRoot"/>
+      </p:par>
+    </p:tnLst>
+  </p:timing>
 </p:sld>
 </file>
 
 <file path=ppt/slides/slide11.xml><?xml version="1.0" encoding="utf-8"?>
-<p:sld xmlns:a="http://schemas.openxmlformats.org/drawingml/2006/main" xmlns:p="http://schemas.openxmlformats.org/presentationml/2006/main" xmlns:r="http://schemas.openxmlformats.org/officeDocument/2006/relationships">
+<p:sld xmlns:a="http://schemas.openxmlformats.org/drawingml/2006/main" xmlns:r="http://schemas.openxmlformats.org/officeDocument/2006/relationships" xmlns:p="http://schemas.openxmlformats.org/presentationml/2006/main">
   <p:cSld>
     <p:spTree>
       <p:nvGrpSpPr>
@@ -6937,6 +8389,7 @@
         </p:spPr>
         <p:txBody>
           <a:bodyPr anchor="ctr"/>
+          <a:lstStyle/>
           <a:p>
             <a:pPr>
               <a:lnSpc>
@@ -6974,6 +8427,7 @@
         </p:spPr>
         <p:txBody>
           <a:bodyPr/>
+          <a:lstStyle/>
           <a:p>
             <a:pPr>
               <a:lnSpc>
@@ -6993,7 +8447,7 @@
               <a:t>Characteristic crustacean larval stage: </a:t>
             </a:r>
             <a:r>
-              <a:rPr b="1" lang="en-US" sz="2700" u="sng">
+              <a:rPr lang="en-US" sz="2700" b="1" u="sng">
                 <a:solidFill>
                   <a:srgbClr val="000000"/>
                 </a:solidFill>
@@ -7118,139 +8572,7 @@
       </p:sp>
       <p:pic>
         <p:nvPicPr>
-          <p:cNvPr id="148" name="Picture 4" descr=""/>
-          <p:cNvPicPr/>
-          <p:nvPr/>
-        </p:nvPicPr>
-        <p:blipFill>
-          <a:blip r:embed="rId1"/>
-          <a:stretch>
-            <a:fillRect/>
-          </a:stretch>
-        </p:blipFill>
-        <p:spPr>
-          <a:xfrm>
-            <a:off x="1266840" y="4800600"/>
-            <a:ext cx="1615680" cy="1742760"/>
-          </a:xfrm>
-          <a:prstGeom prst="rect">
-            <a:avLst/>
-          </a:prstGeom>
-          <a:ln>
-            <a:noFill/>
-          </a:ln>
-        </p:spPr>
-      </p:pic>
-      <p:sp>
-        <p:nvSpPr>
-          <p:cNvPr id="149" name="CustomShape 3"/>
-          <p:cNvSpPr/>
-          <p:nvPr/>
-        </p:nvSpPr>
-        <p:spPr>
-          <a:xfrm>
-            <a:off x="1377360" y="6553080"/>
-            <a:ext cx="1037520" cy="242640"/>
-          </a:xfrm>
-          <a:prstGeom prst="rect">
-            <a:avLst/>
-          </a:prstGeom>
-          <a:noFill/>
-          <a:ln>
-            <a:noFill/>
-          </a:ln>
-        </p:spPr>
-        <p:txBody>
-          <a:bodyPr wrap="none" lIns="90000" rIns="90000" tIns="45000" bIns="45000"/>
-          <a:p>
-            <a:pPr>
-              <a:lnSpc>
-                <a:spcPct val="100000"/>
-              </a:lnSpc>
-            </a:pPr>
-            <a:r>
-              <a:rPr lang="en-US" sz="1000">
-                <a:solidFill>
-                  <a:srgbClr val="000000"/>
-                </a:solidFill>
-                <a:latin typeface="Arial"/>
-                <a:ea typeface="ＭＳ Ｐゴシック"/>
-              </a:rPr>
-              <a:t>www.mesa.edu</a:t>
-            </a:r>
-            <a:endParaRPr/>
-          </a:p>
-        </p:txBody>
-      </p:sp>
-      <p:pic>
-        <p:nvPicPr>
-          <p:cNvPr id="150" name="Picture 6" descr=""/>
-          <p:cNvPicPr/>
-          <p:nvPr/>
-        </p:nvPicPr>
-        <p:blipFill>
-          <a:blip r:embed="rId2"/>
-          <a:stretch>
-            <a:fillRect/>
-          </a:stretch>
-        </p:blipFill>
-        <p:spPr>
-          <a:xfrm>
-            <a:off x="3751200" y="4871880"/>
-            <a:ext cx="1582200" cy="1719000"/>
-          </a:xfrm>
-          <a:prstGeom prst="rect">
-            <a:avLst/>
-          </a:prstGeom>
-          <a:ln>
-            <a:noFill/>
-          </a:ln>
-        </p:spPr>
-      </p:pic>
-      <p:sp>
-        <p:nvSpPr>
-          <p:cNvPr id="151" name="CustomShape 4"/>
-          <p:cNvSpPr/>
-          <p:nvPr/>
-        </p:nvSpPr>
-        <p:spPr>
-          <a:xfrm>
-            <a:off x="3350520" y="6613560"/>
-            <a:ext cx="1979280" cy="242640"/>
-          </a:xfrm>
-          <a:prstGeom prst="rect">
-            <a:avLst/>
-          </a:prstGeom>
-          <a:noFill/>
-          <a:ln>
-            <a:noFill/>
-          </a:ln>
-        </p:spPr>
-        <p:txBody>
-          <a:bodyPr wrap="none" lIns="90000" rIns="90000" tIns="45000" bIns="45000"/>
-          <a:p>
-            <a:pPr>
-              <a:lnSpc>
-                <a:spcPct val="100000"/>
-              </a:lnSpc>
-            </a:pPr>
-            <a:r>
-              <a:rPr lang="en-US" sz="1000">
-                <a:solidFill>
-                  <a:srgbClr val="000000"/>
-                </a:solidFill>
-                <a:latin typeface="Arial"/>
-                <a:ea typeface="ＭＳ Ｐゴシック"/>
-              </a:rPr>
-              <a:t>Copepod :www.theseashore.org</a:t>
-            </a:r>
-            <a:endParaRPr/>
-          </a:p>
-        </p:txBody>
-      </p:sp>
-      <p:pic>
-        <p:nvPicPr>
-          <p:cNvPr id="152" name="Picture 8" descr=""/>
+          <p:cNvPr id="148" name="Picture 4"/>
           <p:cNvPicPr/>
           <p:nvPr/>
         </p:nvPicPr>
@@ -7262,8 +8584,8 @@
         </p:blipFill>
         <p:spPr>
           <a:xfrm>
-            <a:off x="5867280" y="4572000"/>
-            <a:ext cx="2604600" cy="2055600"/>
+            <a:off x="1266840" y="4800600"/>
+            <a:ext cx="1615680" cy="1742760"/>
           </a:xfrm>
           <a:prstGeom prst="rect">
             <a:avLst/>
@@ -7275,14 +8597,14 @@
       </p:pic>
       <p:sp>
         <p:nvSpPr>
-          <p:cNvPr id="153" name="CustomShape 5"/>
+          <p:cNvPr id="149" name="CustomShape 3"/>
           <p:cNvSpPr/>
           <p:nvPr/>
         </p:nvSpPr>
         <p:spPr>
           <a:xfrm>
-            <a:off x="6329880" y="6553080"/>
-            <a:ext cx="2087640" cy="242640"/>
+            <a:off x="1377360" y="6553080"/>
+            <a:ext cx="1037520" cy="242640"/>
           </a:xfrm>
           <a:prstGeom prst="rect">
             <a:avLst/>
@@ -7293,7 +8615,142 @@
           </a:ln>
         </p:spPr>
         <p:txBody>
-          <a:bodyPr wrap="none" lIns="90000" rIns="90000" tIns="45000" bIns="45000"/>
+          <a:bodyPr wrap="none" lIns="90000" tIns="45000" rIns="90000" bIns="45000"/>
+          <a:lstStyle/>
+          <a:p>
+            <a:pPr>
+              <a:lnSpc>
+                <a:spcPct val="100000"/>
+              </a:lnSpc>
+            </a:pPr>
+            <a:r>
+              <a:rPr lang="en-US" sz="1000">
+                <a:solidFill>
+                  <a:srgbClr val="000000"/>
+                </a:solidFill>
+                <a:latin typeface="Arial"/>
+                <a:ea typeface="ＭＳ Ｐゴシック"/>
+              </a:rPr>
+              <a:t>www.mesa.edu</a:t>
+            </a:r>
+            <a:endParaRPr/>
+          </a:p>
+        </p:txBody>
+      </p:sp>
+      <p:pic>
+        <p:nvPicPr>
+          <p:cNvPr id="150" name="Picture 6"/>
+          <p:cNvPicPr/>
+          <p:nvPr/>
+        </p:nvPicPr>
+        <p:blipFill>
+          <a:blip r:embed="rId4"/>
+          <a:stretch>
+            <a:fillRect/>
+          </a:stretch>
+        </p:blipFill>
+        <p:spPr>
+          <a:xfrm>
+            <a:off x="3751200" y="4871880"/>
+            <a:ext cx="1582200" cy="1719000"/>
+          </a:xfrm>
+          <a:prstGeom prst="rect">
+            <a:avLst/>
+          </a:prstGeom>
+          <a:ln>
+            <a:noFill/>
+          </a:ln>
+        </p:spPr>
+      </p:pic>
+      <p:sp>
+        <p:nvSpPr>
+          <p:cNvPr id="151" name="CustomShape 4"/>
+          <p:cNvSpPr/>
+          <p:nvPr/>
+        </p:nvSpPr>
+        <p:spPr>
+          <a:xfrm>
+            <a:off x="3350520" y="6613560"/>
+            <a:ext cx="1979280" cy="242640"/>
+          </a:xfrm>
+          <a:prstGeom prst="rect">
+            <a:avLst/>
+          </a:prstGeom>
+          <a:noFill/>
+          <a:ln>
+            <a:noFill/>
+          </a:ln>
+        </p:spPr>
+        <p:txBody>
+          <a:bodyPr wrap="none" lIns="90000" tIns="45000" rIns="90000" bIns="45000"/>
+          <a:lstStyle/>
+          <a:p>
+            <a:pPr>
+              <a:lnSpc>
+                <a:spcPct val="100000"/>
+              </a:lnSpc>
+            </a:pPr>
+            <a:r>
+              <a:rPr lang="en-US" sz="1000">
+                <a:solidFill>
+                  <a:srgbClr val="000000"/>
+                </a:solidFill>
+                <a:latin typeface="Arial"/>
+                <a:ea typeface="ＭＳ Ｐゴシック"/>
+              </a:rPr>
+              <a:t>Copepod :www.theseashore.org</a:t>
+            </a:r>
+            <a:endParaRPr/>
+          </a:p>
+        </p:txBody>
+      </p:sp>
+      <p:pic>
+        <p:nvPicPr>
+          <p:cNvPr id="152" name="Picture 8"/>
+          <p:cNvPicPr/>
+          <p:nvPr/>
+        </p:nvPicPr>
+        <p:blipFill>
+          <a:blip r:embed="rId5"/>
+          <a:stretch>
+            <a:fillRect/>
+          </a:stretch>
+        </p:blipFill>
+        <p:spPr>
+          <a:xfrm>
+            <a:off x="5867280" y="4572000"/>
+            <a:ext cx="2604600" cy="2055600"/>
+          </a:xfrm>
+          <a:prstGeom prst="rect">
+            <a:avLst/>
+          </a:prstGeom>
+          <a:ln>
+            <a:noFill/>
+          </a:ln>
+        </p:spPr>
+      </p:pic>
+      <p:sp>
+        <p:nvSpPr>
+          <p:cNvPr id="153" name="CustomShape 5"/>
+          <p:cNvSpPr/>
+          <p:nvPr/>
+        </p:nvSpPr>
+        <p:spPr>
+          <a:xfrm>
+            <a:off x="6329880" y="6553080"/>
+            <a:ext cx="2087640" cy="242640"/>
+          </a:xfrm>
+          <a:prstGeom prst="rect">
+            <a:avLst/>
+          </a:prstGeom>
+          <a:noFill/>
+          <a:ln>
+            <a:noFill/>
+          </a:ln>
+        </p:spPr>
+        <p:txBody>
+          <a:bodyPr wrap="none" lIns="90000" tIns="45000" rIns="90000" bIns="45000"/>
+          <a:lstStyle/>
           <a:p>
             <a:pPr>
               <a:lnSpc>
@@ -7316,11 +8773,21 @@
       </p:sp>
     </p:spTree>
   </p:cSld>
+  <p:clrMapOvr>
+    <a:masterClrMapping/>
+  </p:clrMapOvr>
+  <p:timing>
+    <p:tnLst>
+      <p:par>
+        <p:cTn id="1" dur="indefinite" restart="never" nodeType="tmRoot"/>
+      </p:par>
+    </p:tnLst>
+  </p:timing>
 </p:sld>
 </file>
 
 <file path=ppt/slides/slide12.xml><?xml version="1.0" encoding="utf-8"?>
-<p:sld xmlns:a="http://schemas.openxmlformats.org/drawingml/2006/main" xmlns:p="http://schemas.openxmlformats.org/presentationml/2006/main" xmlns:r="http://schemas.openxmlformats.org/officeDocument/2006/relationships">
+<p:sld xmlns:a="http://schemas.openxmlformats.org/drawingml/2006/main" xmlns:r="http://schemas.openxmlformats.org/officeDocument/2006/relationships" xmlns:p="http://schemas.openxmlformats.org/presentationml/2006/main">
   <p:cSld>
     <p:spTree>
       <p:nvGrpSpPr>
@@ -7353,6 +8820,7 @@
         </p:spPr>
         <p:txBody>
           <a:bodyPr anchor="ctr"/>
+          <a:lstStyle/>
           <a:p>
             <a:pPr>
               <a:lnSpc>
@@ -7390,6 +8858,7 @@
         </p:spPr>
         <p:txBody>
           <a:bodyPr/>
+          <a:lstStyle/>
           <a:p>
             <a:pPr>
               <a:lnSpc>
@@ -7429,7 +8898,7 @@
               <a:t>Barnacles spend weeks as a nauplius, undergo 4-6 nauplear molts before molting into a </a:t>
             </a:r>
             <a:r>
-              <a:rPr b="1" lang="en-US" sz="2700" u="sng">
+              <a:rPr lang="en-US" sz="2700" b="1" u="sng">
                 <a:solidFill>
                   <a:srgbClr val="000000"/>
                 </a:solidFill>
@@ -7492,12 +8961,12 @@
       </p:sp>
       <p:pic>
         <p:nvPicPr>
-          <p:cNvPr id="156" name="Picture 4" descr=""/>
+          <p:cNvPr id="156" name="Picture 4"/>
           <p:cNvPicPr/>
           <p:nvPr/>
         </p:nvPicPr>
         <p:blipFill>
-          <a:blip r:embed="rId1"/>
+          <a:blip r:embed="rId3"/>
           <a:stretch>
             <a:fillRect/>
           </a:stretch>
@@ -7517,13 +8986,13 @@
       </p:pic>
       <p:pic>
         <p:nvPicPr>
-          <p:cNvPr id="157" name="Picture 5" descr=""/>
+          <p:cNvPr id="157" name="Picture 5"/>
           <p:cNvPicPr/>
           <p:nvPr/>
         </p:nvPicPr>
         <p:blipFill>
-          <a:blip r:embed="rId2"/>
-          <a:srcRect l="0" t="17874" r="0" b="0"/>
+          <a:blip r:embed="rId4"/>
+          <a:srcRect t="17874"/>
           <a:stretch>
             <a:fillRect/>
           </a:stretch>
@@ -7561,7 +9030,8 @@
           </a:ln>
         </p:spPr>
         <p:txBody>
-          <a:bodyPr wrap="none" lIns="90000" rIns="90000" tIns="45000" bIns="45000"/>
+          <a:bodyPr wrap="none" lIns="90000" tIns="45000" rIns="90000" bIns="45000"/>
+          <a:lstStyle/>
           <a:p>
             <a:pPr>
               <a:lnSpc>
@@ -7584,11 +9054,21 @@
       </p:sp>
     </p:spTree>
   </p:cSld>
+  <p:clrMapOvr>
+    <a:masterClrMapping/>
+  </p:clrMapOvr>
+  <p:timing>
+    <p:tnLst>
+      <p:par>
+        <p:cTn id="1" dur="indefinite" restart="never" nodeType="tmRoot"/>
+      </p:par>
+    </p:tnLst>
+  </p:timing>
 </p:sld>
 </file>
 
 <file path=ppt/slides/slide13.xml><?xml version="1.0" encoding="utf-8"?>
-<p:sld xmlns:a="http://schemas.openxmlformats.org/drawingml/2006/main" xmlns:p="http://schemas.openxmlformats.org/presentationml/2006/main" xmlns:r="http://schemas.openxmlformats.org/officeDocument/2006/relationships">
+<p:sld xmlns:a="http://schemas.openxmlformats.org/drawingml/2006/main" xmlns:r="http://schemas.openxmlformats.org/officeDocument/2006/relationships" xmlns:p="http://schemas.openxmlformats.org/presentationml/2006/main">
   <p:cSld>
     <p:spTree>
       <p:nvGrpSpPr>
@@ -7621,6 +9101,7 @@
         </p:spPr>
         <p:txBody>
           <a:bodyPr anchor="ctr"/>
+          <a:lstStyle/>
           <a:p>
             <a:pPr>
               <a:lnSpc>
@@ -7658,6 +9139,7 @@
         </p:spPr>
         <p:txBody>
           <a:bodyPr/>
+          <a:lstStyle/>
           <a:p>
             <a:pPr>
               <a:lnSpc>
@@ -7677,7 +9159,7 @@
               <a:t>Decapods usually hatch as a </a:t>
             </a:r>
             <a:r>
-              <a:rPr b="1" lang="en-US" sz="2800" u="sng">
+              <a:rPr lang="en-US" sz="2800" b="1" u="sng">
                 <a:solidFill>
                   <a:srgbClr val="000000"/>
                 </a:solidFill>
@@ -7727,7 +9209,7 @@
               <a:t>Once membrane is shed (few minutes) the larva is called a </a:t>
             </a:r>
             <a:r>
-              <a:rPr b="1" lang="en-US" sz="2800" u="sng">
+              <a:rPr lang="en-US" sz="2800" b="1" u="sng">
                 <a:solidFill>
                   <a:srgbClr val="000000"/>
                 </a:solidFill>
@@ -7772,69 +9254,69 @@
       </p:sp>
       <p:pic>
         <p:nvPicPr>
-          <p:cNvPr id="161" name="Picture 5" descr=""/>
-          <p:cNvPicPr/>
-          <p:nvPr/>
-        </p:nvPicPr>
-        <p:blipFill>
-          <a:blip r:embed="rId1"/>
-          <a:srcRect l="0" t="20664" r="0" b="13998"/>
-          <a:stretch>
-            <a:fillRect/>
-          </a:stretch>
-        </p:blipFill>
-        <p:spPr>
-          <a:xfrm>
-            <a:off x="762120" y="4282920"/>
-            <a:ext cx="2895120" cy="2269800"/>
-          </a:xfrm>
-          <a:prstGeom prst="rect">
-            <a:avLst/>
-          </a:prstGeom>
-          <a:ln>
-            <a:noFill/>
-          </a:ln>
-        </p:spPr>
-      </p:pic>
-      <p:pic>
-        <p:nvPicPr>
-          <p:cNvPr id="162" name="Picture 6" descr=""/>
-          <p:cNvPicPr/>
-          <p:nvPr/>
-        </p:nvPicPr>
-        <p:blipFill>
-          <a:blip r:embed="rId2"/>
-          <a:stretch>
-            <a:fillRect/>
-          </a:stretch>
-        </p:blipFill>
-        <p:spPr>
-          <a:xfrm>
-            <a:off x="3886200" y="4267080"/>
-            <a:ext cx="2053800" cy="2361960"/>
-          </a:xfrm>
-          <a:prstGeom prst="rect">
-            <a:avLst/>
-          </a:prstGeom>
-          <a:ln>
-            <a:noFill/>
-          </a:ln>
-        </p:spPr>
-      </p:pic>
-      <p:pic>
-        <p:nvPicPr>
-          <p:cNvPr id="163" name="Picture 7" descr=""/>
+          <p:cNvPr id="161" name="Picture 5"/>
           <p:cNvPicPr/>
           <p:nvPr/>
         </p:nvPicPr>
         <p:blipFill>
           <a:blip r:embed="rId3"/>
+          <a:srcRect t="20664" b="13998"/>
           <a:stretch>
             <a:fillRect/>
           </a:stretch>
         </p:blipFill>
         <p:spPr>
           <a:xfrm>
+            <a:off x="762120" y="4282920"/>
+            <a:ext cx="2895120" cy="2269800"/>
+          </a:xfrm>
+          <a:prstGeom prst="rect">
+            <a:avLst/>
+          </a:prstGeom>
+          <a:ln>
+            <a:noFill/>
+          </a:ln>
+        </p:spPr>
+      </p:pic>
+      <p:pic>
+        <p:nvPicPr>
+          <p:cNvPr id="162" name="Picture 6"/>
+          <p:cNvPicPr/>
+          <p:nvPr/>
+        </p:nvPicPr>
+        <p:blipFill>
+          <a:blip r:embed="rId4"/>
+          <a:stretch>
+            <a:fillRect/>
+          </a:stretch>
+        </p:blipFill>
+        <p:spPr>
+          <a:xfrm>
+            <a:off x="3886200" y="4267080"/>
+            <a:ext cx="2053800" cy="2361960"/>
+          </a:xfrm>
+          <a:prstGeom prst="rect">
+            <a:avLst/>
+          </a:prstGeom>
+          <a:ln>
+            <a:noFill/>
+          </a:ln>
+        </p:spPr>
+      </p:pic>
+      <p:pic>
+        <p:nvPicPr>
+          <p:cNvPr id="163" name="Picture 7"/>
+          <p:cNvPicPr/>
+          <p:nvPr/>
+        </p:nvPicPr>
+        <p:blipFill>
+          <a:blip r:embed="rId5"/>
+          <a:stretch>
+            <a:fillRect/>
+          </a:stretch>
+        </p:blipFill>
+        <p:spPr>
+          <a:xfrm>
             <a:off x="6248520" y="4200480"/>
             <a:ext cx="2190240" cy="2428560"/>
           </a:xfrm>
@@ -7866,7 +9348,8 @@
           </a:ln>
         </p:spPr>
         <p:txBody>
-          <a:bodyPr wrap="none" lIns="90000" rIns="90000" tIns="45000" bIns="45000"/>
+          <a:bodyPr wrap="none" lIns="90000" tIns="45000" rIns="90000" bIns="45000"/>
+          <a:lstStyle/>
           <a:p>
             <a:pPr>
               <a:lnSpc>
@@ -7907,7 +9390,8 @@
           </a:ln>
         </p:spPr>
         <p:txBody>
-          <a:bodyPr wrap="none" lIns="90000" rIns="90000" tIns="45000" bIns="45000"/>
+          <a:bodyPr wrap="none" lIns="90000" tIns="45000" rIns="90000" bIns="45000"/>
+          <a:lstStyle/>
           <a:p>
             <a:pPr>
               <a:lnSpc>
@@ -7930,11 +9414,21 @@
       </p:sp>
     </p:spTree>
   </p:cSld>
+  <p:clrMapOvr>
+    <a:masterClrMapping/>
+  </p:clrMapOvr>
+  <p:timing>
+    <p:tnLst>
+      <p:par>
+        <p:cTn id="1" dur="indefinite" restart="never" nodeType="tmRoot"/>
+      </p:par>
+    </p:tnLst>
+  </p:timing>
 </p:sld>
 </file>
 
 <file path=ppt/slides/slide14.xml><?xml version="1.0" encoding="utf-8"?>
-<p:sld xmlns:a="http://schemas.openxmlformats.org/drawingml/2006/main" xmlns:p="http://schemas.openxmlformats.org/presentationml/2006/main" xmlns:r="http://schemas.openxmlformats.org/officeDocument/2006/relationships">
+<p:sld xmlns:a="http://schemas.openxmlformats.org/drawingml/2006/main" xmlns:r="http://schemas.openxmlformats.org/officeDocument/2006/relationships" xmlns:p="http://schemas.openxmlformats.org/presentationml/2006/main">
   <p:cSld>
     <p:spTree>
       <p:nvGrpSpPr>
@@ -7967,6 +9461,7 @@
         </p:spPr>
         <p:txBody>
           <a:bodyPr anchor="ctr"/>
+          <a:lstStyle/>
           <a:p>
             <a:pPr>
               <a:lnSpc>
@@ -8004,6 +9499,7 @@
         </p:spPr>
         <p:txBody>
           <a:bodyPr/>
+          <a:lstStyle/>
           <a:p>
             <a:pPr>
               <a:lnSpc>
@@ -8023,7 +9519,7 @@
               <a:t>After weeks or months and several molts as a zoea, decapod larvae molt to the </a:t>
             </a:r>
             <a:r>
-              <a:rPr b="1" lang="en-US" sz="2800" u="sng">
+              <a:rPr lang="en-US" sz="2800" b="1" u="sng">
                 <a:solidFill>
                   <a:srgbClr val="000000"/>
                 </a:solidFill>
@@ -8076,12 +9572,12 @@
       </p:sp>
       <p:pic>
         <p:nvPicPr>
-          <p:cNvPr id="168" name="Picture 7" descr=""/>
+          <p:cNvPr id="168" name="Picture 7"/>
           <p:cNvPicPr/>
           <p:nvPr/>
         </p:nvPicPr>
         <p:blipFill>
-          <a:blip r:embed="rId1"/>
+          <a:blip r:embed="rId3"/>
           <a:stretch>
             <a:fillRect/>
           </a:stretch>
@@ -8119,7 +9615,8 @@
           </a:ln>
         </p:spPr>
         <p:txBody>
-          <a:bodyPr wrap="none" lIns="90000" rIns="90000" tIns="45000" bIns="45000"/>
+          <a:bodyPr wrap="none" lIns="90000" tIns="45000" rIns="90000" bIns="45000"/>
+          <a:lstStyle/>
           <a:p>
             <a:pPr>
               <a:lnSpc>
@@ -8142,12 +9639,12 @@
       </p:sp>
       <p:pic>
         <p:nvPicPr>
-          <p:cNvPr id="170" name="Picture 10" descr=""/>
+          <p:cNvPr id="170" name="Picture 10"/>
           <p:cNvPicPr/>
           <p:nvPr/>
         </p:nvPicPr>
         <p:blipFill>
-          <a:blip r:embed="rId2"/>
+          <a:blip r:embed="rId4"/>
           <a:stretch>
             <a:fillRect/>
           </a:stretch>
@@ -8185,7 +9682,8 @@
           </a:ln>
         </p:spPr>
         <p:txBody>
-          <a:bodyPr wrap="none" lIns="90000" rIns="90000" tIns="45000" bIns="45000"/>
+          <a:bodyPr wrap="none" lIns="90000" tIns="45000" rIns="90000" bIns="45000"/>
+          <a:lstStyle/>
           <a:p>
             <a:pPr>
               <a:lnSpc>
@@ -8208,11 +9706,21 @@
       </p:sp>
     </p:spTree>
   </p:cSld>
+  <p:clrMapOvr>
+    <a:masterClrMapping/>
+  </p:clrMapOvr>
+  <p:timing>
+    <p:tnLst>
+      <p:par>
+        <p:cTn id="1" dur="indefinite" restart="never" nodeType="tmRoot"/>
+      </p:par>
+    </p:tnLst>
+  </p:timing>
 </p:sld>
 </file>
 
 <file path=ppt/slides/slide15.xml><?xml version="1.0" encoding="utf-8"?>
-<p:sld xmlns:a="http://schemas.openxmlformats.org/drawingml/2006/main" xmlns:p="http://schemas.openxmlformats.org/presentationml/2006/main" xmlns:r="http://schemas.openxmlformats.org/officeDocument/2006/relationships">
+<p:sld xmlns:a="http://schemas.openxmlformats.org/drawingml/2006/main" xmlns:r="http://schemas.openxmlformats.org/officeDocument/2006/relationships" xmlns:p="http://schemas.openxmlformats.org/presentationml/2006/main">
   <p:cSld>
     <p:spTree>
       <p:nvGrpSpPr>
@@ -8245,6 +9753,7 @@
         </p:spPr>
         <p:txBody>
           <a:bodyPr anchor="ctr"/>
+          <a:lstStyle/>
           <a:p>
             <a:pPr>
               <a:lnSpc>
@@ -8282,6 +9791,7 @@
         </p:spPr>
         <p:txBody>
           <a:bodyPr/>
+          <a:lstStyle/>
           <a:p>
             <a:pPr>
               <a:lnSpc>
@@ -8291,7 +9801,7 @@
               <a:buChar char=""/>
             </a:pPr>
             <a:r>
-              <a:rPr lang="en-US" sz="2400">
+              <a:rPr lang="en-US" sz="2400" dirty="0">
                 <a:solidFill>
                   <a:srgbClr val="000000"/>
                 </a:solidFill>
@@ -8300,7 +9810,7 @@
               </a:rPr>
               <a:t>Many adapted to ephemeral (temporary ponds) or extreme (hypersaline) environments—Maybe because unable to compete or avoid predation in more typical habitat</a:t>
             </a:r>
-            <a:endParaRPr/>
+            <a:endParaRPr dirty="0"/>
           </a:p>
           <a:p>
             <a:pPr>
@@ -8308,7 +9818,7 @@
                 <a:spcPct val="80000"/>
               </a:lnSpc>
             </a:pPr>
-            <a:endParaRPr/>
+            <a:endParaRPr dirty="0"/>
           </a:p>
           <a:p>
             <a:pPr>
@@ -8319,16 +9829,36 @@
               <a:buChar char=""/>
             </a:pPr>
             <a:r>
-              <a:rPr lang="en-US" sz="2400">
-                <a:solidFill>
-                  <a:srgbClr val="000000"/>
-                </a:solidFill>
-                <a:latin typeface="Arial"/>
-                <a:ea typeface="ＭＳ Ｐゴシック"/>
-              </a:rPr>
-              <a:t>Many produce cysts that survive long periods of dessication (sea monkeys—add water, hatch instantly) </a:t>
-            </a:r>
-            <a:endParaRPr/>
+              <a:rPr lang="en-US" sz="2400" dirty="0">
+                <a:solidFill>
+                  <a:srgbClr val="000000"/>
+                </a:solidFill>
+                <a:latin typeface="Arial"/>
+                <a:ea typeface="ＭＳ Ｐゴシック"/>
+              </a:rPr>
+              <a:t>Many produce cysts that survive long periods of </a:t>
+            </a:r>
+            <a:r>
+              <a:rPr lang="en-US" sz="2400" dirty="0" err="1">
+                <a:solidFill>
+                  <a:srgbClr val="000000"/>
+                </a:solidFill>
+                <a:latin typeface="Arial"/>
+                <a:ea typeface="ＭＳ Ｐゴシック"/>
+              </a:rPr>
+              <a:t>dessication</a:t>
+            </a:r>
+            <a:r>
+              <a:rPr lang="en-US" sz="2400" dirty="0">
+                <a:solidFill>
+                  <a:srgbClr val="000000"/>
+                </a:solidFill>
+                <a:latin typeface="Arial"/>
+                <a:ea typeface="ＭＳ Ｐゴシック"/>
+              </a:rPr>
+              <a:t> (sea monkeys—add water, hatch instantly) </a:t>
+            </a:r>
+            <a:endParaRPr dirty="0"/>
           </a:p>
           <a:p>
             <a:pPr>
@@ -8336,7 +9866,7 @@
                 <a:spcPct val="80000"/>
               </a:lnSpc>
             </a:pPr>
-            <a:endParaRPr/>
+            <a:endParaRPr dirty="0"/>
           </a:p>
           <a:p>
             <a:pPr>
@@ -8347,16 +9877,56 @@
               <a:buChar char=""/>
             </a:pPr>
             <a:r>
-              <a:rPr lang="en-US" sz="2400">
-                <a:solidFill>
-                  <a:srgbClr val="000000"/>
-                </a:solidFill>
-                <a:latin typeface="Arial"/>
-                <a:ea typeface="ＭＳ Ｐゴシック"/>
-              </a:rPr>
-              <a:t>Characterized by paddle like thoracic appendages that are used for both locomotioin and gas exchange</a:t>
-            </a:r>
-            <a:endParaRPr/>
+              <a:rPr lang="en-US" sz="2400" dirty="0">
+                <a:solidFill>
+                  <a:srgbClr val="000000"/>
+                </a:solidFill>
+                <a:latin typeface="Arial"/>
+                <a:ea typeface="ＭＳ Ｐゴシック"/>
+              </a:rPr>
+              <a:t>Characterized by </a:t>
+            </a:r>
+            <a:r>
+              <a:rPr lang="en-US" sz="2400" dirty="0" smtClean="0">
+                <a:solidFill>
+                  <a:srgbClr val="000000"/>
+                </a:solidFill>
+                <a:latin typeface="Arial"/>
+                <a:ea typeface="ＭＳ Ｐゴシック"/>
+              </a:rPr>
+              <a:t>paddle-like </a:t>
+            </a:r>
+            <a:r>
+              <a:rPr lang="en-US" sz="2400" dirty="0">
+                <a:solidFill>
+                  <a:srgbClr val="000000"/>
+                </a:solidFill>
+                <a:latin typeface="Arial"/>
+                <a:ea typeface="ＭＳ Ｐゴシック"/>
+              </a:rPr>
+              <a:t>thoracic appendages that are used for both </a:t>
+            </a:r>
+            <a:r>
+              <a:rPr lang="en-US" sz="2400" dirty="0" smtClean="0">
+                <a:solidFill>
+                  <a:srgbClr val="000000"/>
+                </a:solidFill>
+                <a:latin typeface="Arial"/>
+                <a:ea typeface="ＭＳ Ｐゴシック"/>
+              </a:rPr>
+              <a:t>locomotion </a:t>
+            </a:r>
+            <a:r>
+              <a:rPr lang="en-US" sz="2400" dirty="0">
+                <a:solidFill>
+                  <a:srgbClr val="000000"/>
+                </a:solidFill>
+                <a:latin typeface="Arial"/>
+                <a:ea typeface="ＭＳ Ｐゴシック"/>
+              </a:rPr>
+              <a:t>and gas exchange</a:t>
+            </a:r>
+            <a:endParaRPr dirty="0"/>
           </a:p>
           <a:p>
             <a:pPr>
@@ -8364,7 +9934,7 @@
                 <a:spcPct val="80000"/>
               </a:lnSpc>
             </a:pPr>
-            <a:endParaRPr/>
+            <a:endParaRPr dirty="0"/>
           </a:p>
           <a:p>
             <a:pPr>
@@ -8375,7 +9945,7 @@
               <a:buChar char=""/>
             </a:pPr>
             <a:r>
-              <a:rPr lang="en-US" sz="2400">
+              <a:rPr lang="en-US" sz="2400" dirty="0">
                 <a:solidFill>
                   <a:srgbClr val="000000"/>
                 </a:solidFill>
@@ -8384,7 +9954,7 @@
               </a:rPr>
               <a:t>Composed of 4 orders</a:t>
             </a:r>
-            <a:endParaRPr/>
+            <a:endParaRPr dirty="0"/>
           </a:p>
           <a:p>
             <a:pPr lvl="1">
@@ -8395,7 +9965,7 @@
               <a:buChar char=""/>
             </a:pPr>
             <a:r>
-              <a:rPr lang="en-US" sz="2400">
+              <a:rPr lang="en-US" sz="2400" dirty="0" err="1">
                 <a:solidFill>
                   <a:srgbClr val="000000"/>
                 </a:solidFill>
@@ -8404,7 +9974,7 @@
               </a:rPr>
               <a:t>Anostroca</a:t>
             </a:r>
-            <a:endParaRPr/>
+            <a:endParaRPr dirty="0"/>
           </a:p>
           <a:p>
             <a:pPr lvl="1">
@@ -8415,7 +9985,7 @@
               <a:buChar char=""/>
             </a:pPr>
             <a:r>
-              <a:rPr lang="en-US" sz="2400">
+              <a:rPr lang="en-US" sz="2400" dirty="0" err="1">
                 <a:solidFill>
                   <a:srgbClr val="000000"/>
                 </a:solidFill>
@@ -8424,7 +9994,7 @@
               </a:rPr>
               <a:t>Notostraca</a:t>
             </a:r>
-            <a:endParaRPr/>
+            <a:endParaRPr dirty="0"/>
           </a:p>
           <a:p>
             <a:pPr lvl="1">
@@ -8435,7 +10005,7 @@
               <a:buChar char=""/>
             </a:pPr>
             <a:r>
-              <a:rPr lang="en-US" sz="2400">
+              <a:rPr lang="en-US" sz="2400" dirty="0" err="1">
                 <a:solidFill>
                   <a:srgbClr val="000000"/>
                 </a:solidFill>
@@ -8444,7 +10014,7 @@
               </a:rPr>
               <a:t>Cladocera</a:t>
             </a:r>
-            <a:endParaRPr/>
+            <a:endParaRPr dirty="0"/>
           </a:p>
           <a:p>
             <a:pPr lvl="1">
@@ -8455,7 +10025,7 @@
               <a:buChar char=""/>
             </a:pPr>
             <a:r>
-              <a:rPr lang="en-US" sz="2400">
+              <a:rPr lang="en-US" sz="2400" dirty="0" err="1">
                 <a:solidFill>
                   <a:srgbClr val="000000"/>
                 </a:solidFill>
@@ -8464,64 +10034,13 @@
               </a:rPr>
               <a:t>Conchostraca</a:t>
             </a:r>
-            <a:endParaRPr/>
+            <a:endParaRPr dirty="0"/>
           </a:p>
         </p:txBody>
       </p:sp>
       <p:pic>
         <p:nvPicPr>
-          <p:cNvPr id="174" name="Picture 6" descr=""/>
-          <p:cNvPicPr/>
-          <p:nvPr/>
-        </p:nvPicPr>
-        <p:blipFill>
-          <a:blip r:embed="rId1"/>
-          <a:stretch>
-            <a:fillRect/>
-          </a:stretch>
-        </p:blipFill>
-        <p:spPr>
-          <a:xfrm>
-            <a:off x="5867280" y="4419720"/>
-            <a:ext cx="2857320" cy="1266480"/>
-          </a:xfrm>
-          <a:prstGeom prst="rect">
-            <a:avLst/>
-          </a:prstGeom>
-          <a:ln>
-            <a:noFill/>
-          </a:ln>
-        </p:spPr>
-      </p:pic>
-      <p:pic>
-        <p:nvPicPr>
-          <p:cNvPr id="175" name="Picture 7" descr=""/>
-          <p:cNvPicPr/>
-          <p:nvPr/>
-        </p:nvPicPr>
-        <p:blipFill>
-          <a:blip r:embed="rId2"/>
-          <a:srcRect l="0" t="12791" r="0" b="0"/>
-          <a:stretch>
-            <a:fillRect/>
-          </a:stretch>
-        </p:blipFill>
-        <p:spPr>
-          <a:xfrm>
-            <a:off x="6953400" y="5294160"/>
-            <a:ext cx="1961640" cy="1282320"/>
-          </a:xfrm>
-          <a:prstGeom prst="rect">
-            <a:avLst/>
-          </a:prstGeom>
-          <a:ln>
-            <a:noFill/>
-          </a:ln>
-        </p:spPr>
-      </p:pic>
-      <p:pic>
-        <p:nvPicPr>
-          <p:cNvPr id="176" name="Picture 8" descr=""/>
+          <p:cNvPr id="174" name="Picture 6"/>
           <p:cNvPicPr/>
           <p:nvPr/>
         </p:nvPicPr>
@@ -8533,8 +10052,8 @@
         </p:blipFill>
         <p:spPr>
           <a:xfrm>
-            <a:off x="5505480" y="5486400"/>
-            <a:ext cx="1504440" cy="1128240"/>
+            <a:off x="5867280" y="4419720"/>
+            <a:ext cx="2857320" cy="1266480"/>
           </a:xfrm>
           <a:prstGeom prst="rect">
             <a:avLst/>
@@ -8546,20 +10065,21 @@
       </p:pic>
       <p:pic>
         <p:nvPicPr>
-          <p:cNvPr id="177" name="Picture 9" descr=""/>
+          <p:cNvPr id="175" name="Picture 7"/>
           <p:cNvPicPr/>
           <p:nvPr/>
         </p:nvPicPr>
         <p:blipFill>
           <a:blip r:embed="rId4"/>
+          <a:srcRect t="12791"/>
           <a:stretch>
             <a:fillRect/>
           </a:stretch>
         </p:blipFill>
         <p:spPr>
           <a:xfrm>
-            <a:off x="3809880" y="5105520"/>
-            <a:ext cx="1676160" cy="1490400"/>
+            <a:off x="6953400" y="5294160"/>
+            <a:ext cx="1961640" cy="1282320"/>
           </a:xfrm>
           <a:prstGeom prst="rect">
             <a:avLst/>
@@ -8569,13 +10089,73 @@
           </a:ln>
         </p:spPr>
       </p:pic>
+      <p:pic>
+        <p:nvPicPr>
+          <p:cNvPr id="176" name="Picture 8"/>
+          <p:cNvPicPr/>
+          <p:nvPr/>
+        </p:nvPicPr>
+        <p:blipFill>
+          <a:blip r:embed="rId5"/>
+          <a:stretch>
+            <a:fillRect/>
+          </a:stretch>
+        </p:blipFill>
+        <p:spPr>
+          <a:xfrm>
+            <a:off x="5505480" y="5486400"/>
+            <a:ext cx="1504440" cy="1128240"/>
+          </a:xfrm>
+          <a:prstGeom prst="rect">
+            <a:avLst/>
+          </a:prstGeom>
+          <a:ln>
+            <a:noFill/>
+          </a:ln>
+        </p:spPr>
+      </p:pic>
+      <p:pic>
+        <p:nvPicPr>
+          <p:cNvPr id="177" name="Picture 9"/>
+          <p:cNvPicPr/>
+          <p:nvPr/>
+        </p:nvPicPr>
+        <p:blipFill>
+          <a:blip r:embed="rId6"/>
+          <a:stretch>
+            <a:fillRect/>
+          </a:stretch>
+        </p:blipFill>
+        <p:spPr>
+          <a:xfrm>
+            <a:off x="3809880" y="5105520"/>
+            <a:ext cx="1676160" cy="1490400"/>
+          </a:xfrm>
+          <a:prstGeom prst="rect">
+            <a:avLst/>
+          </a:prstGeom>
+          <a:ln>
+            <a:noFill/>
+          </a:ln>
+        </p:spPr>
+      </p:pic>
     </p:spTree>
   </p:cSld>
+  <p:clrMapOvr>
+    <a:masterClrMapping/>
+  </p:clrMapOvr>
+  <p:timing>
+    <p:tnLst>
+      <p:par>
+        <p:cTn id="1" dur="indefinite" restart="never" nodeType="tmRoot"/>
+      </p:par>
+    </p:tnLst>
+  </p:timing>
 </p:sld>
 </file>
 
 <file path=ppt/slides/slide16.xml><?xml version="1.0" encoding="utf-8"?>
-<p:sld xmlns:a="http://schemas.openxmlformats.org/drawingml/2006/main" xmlns:p="http://schemas.openxmlformats.org/presentationml/2006/main" xmlns:r="http://schemas.openxmlformats.org/officeDocument/2006/relationships">
+<p:sld xmlns:a="http://schemas.openxmlformats.org/drawingml/2006/main" xmlns:r="http://schemas.openxmlformats.org/officeDocument/2006/relationships" xmlns:p="http://schemas.openxmlformats.org/presentationml/2006/main">
   <p:cSld>
     <p:spTree>
       <p:nvGrpSpPr>
@@ -8608,6 +10188,7 @@
         </p:spPr>
         <p:txBody>
           <a:bodyPr anchor="ctr"/>
+          <a:lstStyle/>
           <a:p>
             <a:pPr>
               <a:lnSpc>
@@ -8645,6 +10226,7 @@
         </p:spPr>
         <p:txBody>
           <a:bodyPr/>
+          <a:lstStyle/>
           <a:p>
             <a:pPr>
               <a:lnSpc>
@@ -8813,12 +10395,12 @@
       </p:sp>
       <p:pic>
         <p:nvPicPr>
-          <p:cNvPr id="180" name="Picture 4" descr=""/>
+          <p:cNvPr id="180" name="Picture 4"/>
           <p:cNvPicPr/>
           <p:nvPr/>
         </p:nvPicPr>
         <p:blipFill>
-          <a:blip r:embed="rId1"/>
+          <a:blip r:embed="rId3"/>
           <a:stretch>
             <a:fillRect/>
           </a:stretch>
@@ -8838,11 +10420,21 @@
       </p:pic>
     </p:spTree>
   </p:cSld>
+  <p:clrMapOvr>
+    <a:masterClrMapping/>
+  </p:clrMapOvr>
+  <p:timing>
+    <p:tnLst>
+      <p:par>
+        <p:cTn id="1" dur="indefinite" restart="never" nodeType="tmRoot"/>
+      </p:par>
+    </p:tnLst>
+  </p:timing>
 </p:sld>
 </file>
 
 <file path=ppt/slides/slide17.xml><?xml version="1.0" encoding="utf-8"?>
-<p:sld xmlns:a="http://schemas.openxmlformats.org/drawingml/2006/main" xmlns:p="http://schemas.openxmlformats.org/presentationml/2006/main" xmlns:r="http://schemas.openxmlformats.org/officeDocument/2006/relationships">
+<p:sld xmlns:a="http://schemas.openxmlformats.org/drawingml/2006/main" xmlns:r="http://schemas.openxmlformats.org/officeDocument/2006/relationships" xmlns:p="http://schemas.openxmlformats.org/presentationml/2006/main">
   <p:cSld>
     <p:spTree>
       <p:nvGrpSpPr>
@@ -8875,6 +10467,7 @@
         </p:spPr>
         <p:txBody>
           <a:bodyPr anchor="ctr"/>
+          <a:lstStyle/>
           <a:p>
             <a:pPr>
               <a:lnSpc>
@@ -8912,6 +10505,7 @@
         </p:spPr>
         <p:txBody>
           <a:bodyPr/>
+          <a:lstStyle/>
           <a:p>
             <a:pPr>
               <a:lnSpc>
@@ -8956,11 +10550,21 @@
       </p:sp>
     </p:spTree>
   </p:cSld>
+  <p:clrMapOvr>
+    <a:masterClrMapping/>
+  </p:clrMapOvr>
+  <p:timing>
+    <p:tnLst>
+      <p:par>
+        <p:cTn id="1" dur="indefinite" restart="never" nodeType="tmRoot"/>
+      </p:par>
+    </p:tnLst>
+  </p:timing>
 </p:sld>
 </file>
 
 <file path=ppt/slides/slide18.xml><?xml version="1.0" encoding="utf-8"?>
-<p:sld xmlns:a="http://schemas.openxmlformats.org/drawingml/2006/main" xmlns:p="http://schemas.openxmlformats.org/presentationml/2006/main" xmlns:r="http://schemas.openxmlformats.org/officeDocument/2006/relationships">
+<p:sld xmlns:a="http://schemas.openxmlformats.org/drawingml/2006/main" xmlns:r="http://schemas.openxmlformats.org/officeDocument/2006/relationships" xmlns:p="http://schemas.openxmlformats.org/presentationml/2006/main">
   <p:cSld>
     <p:spTree>
       <p:nvGrpSpPr>
@@ -8993,6 +10597,7 @@
         </p:spPr>
         <p:txBody>
           <a:bodyPr anchor="ctr"/>
+          <a:lstStyle/>
           <a:p>
             <a:pPr>
               <a:lnSpc>
@@ -9030,6 +10635,7 @@
         </p:spPr>
         <p:txBody>
           <a:bodyPr/>
+          <a:lstStyle/>
           <a:p>
             <a:pPr>
               <a:lnSpc>
@@ -9162,11 +10768,21 @@
       </p:sp>
     </p:spTree>
   </p:cSld>
+  <p:clrMapOvr>
+    <a:masterClrMapping/>
+  </p:clrMapOvr>
+  <p:timing>
+    <p:tnLst>
+      <p:par>
+        <p:cTn id="1" dur="indefinite" restart="never" nodeType="tmRoot"/>
+      </p:par>
+    </p:tnLst>
+  </p:timing>
 </p:sld>
 </file>
 
 <file path=ppt/slides/slide2.xml><?xml version="1.0" encoding="utf-8"?>
-<p:sld xmlns:a="http://schemas.openxmlformats.org/drawingml/2006/main" xmlns:p="http://schemas.openxmlformats.org/presentationml/2006/main" xmlns:r="http://schemas.openxmlformats.org/officeDocument/2006/relationships">
+<p:sld xmlns:a="http://schemas.openxmlformats.org/drawingml/2006/main" xmlns:r="http://schemas.openxmlformats.org/officeDocument/2006/relationships" xmlns:p="http://schemas.openxmlformats.org/presentationml/2006/main">
   <p:cSld>
     <p:spTree>
       <p:nvGrpSpPr>
@@ -9199,6 +10815,7 @@
         </p:spPr>
         <p:txBody>
           <a:bodyPr anchor="ctr"/>
+          <a:lstStyle/>
           <a:p>
             <a:pPr>
               <a:lnSpc>
@@ -9236,44 +10853,38 @@
         </p:spPr>
         <p:txBody>
           <a:bodyPr/>
+          <a:lstStyle/>
           <a:p>
             <a:pPr>
               <a:lnSpc>
                 <a:spcPct val="100000"/>
               </a:lnSpc>
             </a:pPr>
-            <a:r>
-              <a:rPr lang="en-US" sz="3200">
-                <a:solidFill>
-                  <a:srgbClr val="000000"/>
-                </a:solidFill>
-                <a:latin typeface="Arial"/>
-                <a:ea typeface="ＭＳ Ｐゴシック"/>
-              </a:rPr>
-              <a:t>A big day in 310</a:t>
-            </a:r>
-            <a:endParaRPr/>
+            <a:endParaRPr dirty="0"/>
           </a:p>
         </p:txBody>
       </p:sp>
     </p:spTree>
   </p:cSld>
+  <p:clrMapOvr>
+    <a:masterClrMapping/>
+  </p:clrMapOvr>
   <p:timing>
     <p:tnLst>
       <p:par>
-        <p:cTn id="3" dur="indefinite" restart="never" nodeType="tmRoot">
+        <p:cTn id="1" dur="indefinite" restart="never" nodeType="tmRoot">
           <p:childTnLst>
             <p:seq>
-              <p:cTn id="4" nodeType="mainSeq"/>
+              <p:cTn id="2" nodeType="mainSeq"/>
               <p:prevCondLst>
-                <p:cond delay="0" evt="onPrev">
+                <p:cond evt="onPrev" delay="0">
                   <p:tgtEl>
                     <p:sldTgt/>
                   </p:tgtEl>
                 </p:cond>
               </p:prevCondLst>
               <p:nextCondLst>
-                <p:cond delay="0" evt="onNext">
+                <p:cond evt="onNext" delay="0">
                   <p:tgtEl>
                     <p:sldTgt/>
                   </p:tgtEl>
@@ -9289,7 +10900,7 @@
 </file>
 
 <file path=ppt/slides/slide3.xml><?xml version="1.0" encoding="utf-8"?>
-<p:sld xmlns:a="http://schemas.openxmlformats.org/drawingml/2006/main" xmlns:p="http://schemas.openxmlformats.org/presentationml/2006/main" xmlns:r="http://schemas.openxmlformats.org/officeDocument/2006/relationships">
+<p:sld xmlns:a="http://schemas.openxmlformats.org/drawingml/2006/main" xmlns:r="http://schemas.openxmlformats.org/officeDocument/2006/relationships" xmlns:p="http://schemas.openxmlformats.org/presentationml/2006/main">
   <p:cSld>
     <p:spTree>
       <p:nvGrpSpPr>
@@ -9322,6 +10933,7 @@
         </p:spPr>
         <p:txBody>
           <a:bodyPr anchor="ctr"/>
+          <a:lstStyle/>
           <a:p>
             <a:pPr>
               <a:lnSpc>
@@ -9359,6 +10971,7 @@
         </p:spPr>
         <p:txBody>
           <a:bodyPr/>
+          <a:lstStyle/>
           <a:p>
             <a:pPr>
               <a:lnSpc>
@@ -9368,7 +10981,7 @@
               <a:buChar char=""/>
             </a:pPr>
             <a:r>
-              <a:rPr b="1" lang="en-US" sz="3200">
+              <a:rPr lang="en-US" sz="3200" b="1">
                 <a:solidFill>
                   <a:srgbClr val="000000"/>
                 </a:solidFill>
@@ -9398,7 +11011,7 @@
               <a:t>Touch, “hearing,” </a:t>
             </a:r>
             <a:r>
-              <a:rPr b="1" lang="en-US" sz="2800">
+              <a:rPr lang="en-US" sz="2800" b="1">
                 <a:solidFill>
                   <a:srgbClr val="000000"/>
                 </a:solidFill>
@@ -9418,7 +11031,7 @@
               <a:buChar char=""/>
             </a:pPr>
             <a:r>
-              <a:rPr b="1" lang="en-US" sz="2800">
+              <a:rPr lang="en-US" sz="2800" b="1">
                 <a:solidFill>
                   <a:srgbClr val="000000"/>
                 </a:solidFill>
@@ -9448,7 +11061,7 @@
               <a:buChar char=""/>
             </a:pPr>
             <a:r>
-              <a:rPr b="1" lang="en-US" sz="3200">
+              <a:rPr lang="en-US" sz="3200" b="1">
                 <a:solidFill>
                   <a:srgbClr val="000000"/>
                 </a:solidFill>
@@ -9468,7 +11081,7 @@
               <a:buChar char=""/>
             </a:pPr>
             <a:r>
-              <a:rPr b="1" lang="en-US" sz="3200">
+              <a:rPr lang="en-US" sz="3200" b="1">
                 <a:solidFill>
                   <a:srgbClr val="000000"/>
                 </a:solidFill>
@@ -9483,22 +11096,25 @@
       </p:sp>
     </p:spTree>
   </p:cSld>
+  <p:clrMapOvr>
+    <a:masterClrMapping/>
+  </p:clrMapOvr>
   <p:timing>
     <p:tnLst>
       <p:par>
-        <p:cTn id="5" dur="indefinite" restart="never" nodeType="tmRoot">
+        <p:cTn id="1" dur="indefinite" restart="never" nodeType="tmRoot">
           <p:childTnLst>
             <p:seq>
-              <p:cTn id="6" nodeType="mainSeq"/>
+              <p:cTn id="2" nodeType="mainSeq"/>
               <p:prevCondLst>
-                <p:cond delay="0" evt="onPrev">
+                <p:cond evt="onPrev" delay="0">
                   <p:tgtEl>
                     <p:sldTgt/>
                   </p:tgtEl>
                 </p:cond>
               </p:prevCondLst>
               <p:nextCondLst>
-                <p:cond delay="0" evt="onNext">
+                <p:cond evt="onNext" delay="0">
                   <p:tgtEl>
                     <p:sldTgt/>
                   </p:tgtEl>
@@ -9514,7 +11130,7 @@
 </file>
 
 <file path=ppt/slides/slide4.xml><?xml version="1.0" encoding="utf-8"?>
-<p:sld xmlns:a="http://schemas.openxmlformats.org/drawingml/2006/main" xmlns:p="http://schemas.openxmlformats.org/presentationml/2006/main" xmlns:r="http://schemas.openxmlformats.org/officeDocument/2006/relationships">
+<p:sld xmlns:a="http://schemas.openxmlformats.org/drawingml/2006/main" xmlns:r="http://schemas.openxmlformats.org/officeDocument/2006/relationships" xmlns:p="http://schemas.openxmlformats.org/presentationml/2006/main">
   <p:cSld>
     <p:spTree>
       <p:nvGrpSpPr>
@@ -9547,6 +11163,7 @@
         </p:spPr>
         <p:txBody>
           <a:bodyPr anchor="ctr"/>
+          <a:lstStyle/>
           <a:p>
             <a:pPr>
               <a:lnSpc>
@@ -9584,6 +11201,7 @@
         </p:spPr>
         <p:txBody>
           <a:bodyPr/>
+          <a:lstStyle/>
           <a:p>
             <a:pPr>
               <a:lnSpc>
@@ -9593,7 +11211,7 @@
               <a:buChar char=""/>
             </a:pPr>
             <a:r>
-              <a:rPr b="1" lang="en-US" sz="3200">
+              <a:rPr lang="en-US" sz="3200" b="1">
                 <a:solidFill>
                   <a:srgbClr val="000000"/>
                 </a:solidFill>
@@ -9623,7 +11241,7 @@
               <a:buChar char=""/>
             </a:pPr>
             <a:r>
-              <a:rPr b="1" lang="en-US" sz="3200">
+              <a:rPr lang="en-US" sz="3200" b="1">
                 <a:solidFill>
                   <a:srgbClr val="000000"/>
                 </a:solidFill>
@@ -9653,7 +11271,7 @@
               <a:buChar char=""/>
             </a:pPr>
             <a:r>
-              <a:rPr b="1" lang="en-US" sz="3200">
+              <a:rPr lang="en-US" sz="3200" b="1">
                 <a:solidFill>
                   <a:srgbClr val="000000"/>
                 </a:solidFill>
@@ -9689,22 +11307,25 @@
       </p:sp>
     </p:spTree>
   </p:cSld>
+  <p:clrMapOvr>
+    <a:masterClrMapping/>
+  </p:clrMapOvr>
   <p:timing>
     <p:tnLst>
       <p:par>
-        <p:cTn id="7" dur="indefinite" restart="never" nodeType="tmRoot">
+        <p:cTn id="1" dur="indefinite" restart="never" nodeType="tmRoot">
           <p:childTnLst>
             <p:seq>
-              <p:cTn id="8" nodeType="mainSeq"/>
+              <p:cTn id="2" nodeType="mainSeq"/>
               <p:prevCondLst>
-                <p:cond delay="0" evt="onPrev">
+                <p:cond evt="onPrev" delay="0">
                   <p:tgtEl>
                     <p:sldTgt/>
                   </p:tgtEl>
                 </p:cond>
               </p:prevCondLst>
               <p:nextCondLst>
-                <p:cond delay="0" evt="onNext">
+                <p:cond evt="onNext" delay="0">
                   <p:tgtEl>
                     <p:sldTgt/>
                   </p:tgtEl>
@@ -9720,7 +11341,7 @@
 </file>
 
 <file path=ppt/slides/slide5.xml><?xml version="1.0" encoding="utf-8"?>
-<p:sld xmlns:a="http://schemas.openxmlformats.org/drawingml/2006/main" xmlns:p="http://schemas.openxmlformats.org/presentationml/2006/main" xmlns:r="http://schemas.openxmlformats.org/officeDocument/2006/relationships">
+<p:sld xmlns:a="http://schemas.openxmlformats.org/drawingml/2006/main" xmlns:r="http://schemas.openxmlformats.org/officeDocument/2006/relationships" xmlns:p="http://schemas.openxmlformats.org/presentationml/2006/main">
   <p:cSld>
     <p:spTree>
       <p:nvGrpSpPr>
@@ -9753,6 +11374,7 @@
         </p:spPr>
         <p:txBody>
           <a:bodyPr anchor="ctr"/>
+          <a:lstStyle/>
           <a:p>
             <a:pPr>
               <a:lnSpc>
@@ -9790,6 +11412,7 @@
         </p:spPr>
         <p:txBody>
           <a:bodyPr/>
+          <a:lstStyle/>
           <a:p>
             <a:pPr>
               <a:lnSpc>
@@ -9819,7 +11442,7 @@
               <a:buChar char=""/>
             </a:pPr>
             <a:r>
-              <a:rPr b="1" lang="en-US" sz="2800">
+              <a:rPr lang="en-US" sz="2800" b="1">
                 <a:solidFill>
                   <a:srgbClr val="000000"/>
                 </a:solidFill>
@@ -9859,7 +11482,7 @@
               <a:buChar char=""/>
             </a:pPr>
             <a:r>
-              <a:rPr b="1" lang="en-US" sz="2400">
+              <a:rPr lang="en-US" sz="2400" b="1">
                 <a:solidFill>
                   <a:srgbClr val="000000"/>
                 </a:solidFill>
@@ -9892,7 +11515,7 @@
               <a:buChar char=""/>
             </a:pPr>
             <a:r>
-              <a:rPr b="1" lang="en-US" sz="2800">
+              <a:rPr lang="en-US" sz="2800" b="1">
                 <a:solidFill>
                   <a:srgbClr val="000000"/>
                 </a:solidFill>
@@ -9947,22 +11570,25 @@
       </p:sp>
     </p:spTree>
   </p:cSld>
+  <p:clrMapOvr>
+    <a:masterClrMapping/>
+  </p:clrMapOvr>
   <p:timing>
     <p:tnLst>
       <p:par>
-        <p:cTn id="9" dur="indefinite" restart="never" nodeType="tmRoot">
+        <p:cTn id="1" dur="indefinite" restart="never" nodeType="tmRoot">
           <p:childTnLst>
             <p:seq>
-              <p:cTn id="10" nodeType="mainSeq"/>
+              <p:cTn id="2" nodeType="mainSeq"/>
               <p:prevCondLst>
-                <p:cond delay="0" evt="onPrev">
+                <p:cond evt="onPrev" delay="0">
                   <p:tgtEl>
                     <p:sldTgt/>
                   </p:tgtEl>
                 </p:cond>
               </p:prevCondLst>
               <p:nextCondLst>
-                <p:cond delay="0" evt="onNext">
+                <p:cond evt="onNext" delay="0">
                   <p:tgtEl>
                     <p:sldTgt/>
                   </p:tgtEl>
@@ -9978,7 +11604,7 @@
 </file>
 
 <file path=ppt/slides/slide6.xml><?xml version="1.0" encoding="utf-8"?>
-<p:sld xmlns:a="http://schemas.openxmlformats.org/drawingml/2006/main" xmlns:p="http://schemas.openxmlformats.org/presentationml/2006/main" xmlns:r="http://schemas.openxmlformats.org/officeDocument/2006/relationships">
+<p:sld xmlns:a="http://schemas.openxmlformats.org/drawingml/2006/main" xmlns:r="http://schemas.openxmlformats.org/officeDocument/2006/relationships" xmlns:p="http://schemas.openxmlformats.org/presentationml/2006/main">
   <p:cSld>
     <p:spTree>
       <p:nvGrpSpPr>
@@ -10011,6 +11637,7 @@
         </p:spPr>
         <p:txBody>
           <a:bodyPr anchor="ctr"/>
+          <a:lstStyle/>
           <a:p>
             <a:pPr>
               <a:lnSpc>
@@ -10048,6 +11675,7 @@
         </p:spPr>
         <p:txBody>
           <a:bodyPr/>
+          <a:lstStyle/>
           <a:p>
             <a:pPr>
               <a:lnSpc>
@@ -10057,7 +11685,7 @@
               <a:buChar char=""/>
             </a:pPr>
             <a:r>
-              <a:rPr b="1" lang="en-US" sz="2000">
+              <a:rPr lang="en-US" sz="2000" b="1">
                 <a:solidFill>
                   <a:srgbClr val="000000"/>
                 </a:solidFill>
@@ -10087,7 +11715,7 @@
               <a:t>Each lens is directly apposed to the </a:t>
             </a:r>
             <a:r>
-              <a:rPr b="1" lang="en-US">
+              <a:rPr lang="en-US" b="1">
                 <a:solidFill>
                   <a:srgbClr val="000000"/>
                 </a:solidFill>
@@ -10160,7 +11788,7 @@
               <a:buChar char=""/>
             </a:pPr>
             <a:r>
-              <a:rPr b="1" lang="en-US" sz="2000">
+              <a:rPr lang="en-US" sz="2000" b="1">
                 <a:solidFill>
                   <a:srgbClr val="000000"/>
                 </a:solidFill>
@@ -10218,12 +11846,12 @@
       </p:sp>
       <p:pic>
         <p:nvPicPr>
-          <p:cNvPr id="135" name="Picture 1" descr=""/>
+          <p:cNvPr id="135" name="Picture 1"/>
           <p:cNvPicPr/>
           <p:nvPr/>
         </p:nvPicPr>
         <p:blipFill>
-          <a:blip r:embed="rId1"/>
+          <a:blip r:embed="rId3"/>
           <a:stretch>
             <a:fillRect/>
           </a:stretch>
@@ -10243,22 +11871,25 @@
       </p:pic>
     </p:spTree>
   </p:cSld>
+  <p:clrMapOvr>
+    <a:masterClrMapping/>
+  </p:clrMapOvr>
   <p:timing>
     <p:tnLst>
       <p:par>
-        <p:cTn id="11" dur="indefinite" restart="never" nodeType="tmRoot">
+        <p:cTn id="1" dur="indefinite" restart="never" nodeType="tmRoot">
           <p:childTnLst>
             <p:seq>
-              <p:cTn id="12" nodeType="mainSeq"/>
+              <p:cTn id="2" nodeType="mainSeq"/>
               <p:prevCondLst>
-                <p:cond delay="0" evt="onPrev">
+                <p:cond evt="onPrev" delay="0">
                   <p:tgtEl>
                     <p:sldTgt/>
                   </p:tgtEl>
                 </p:cond>
               </p:prevCondLst>
               <p:nextCondLst>
-                <p:cond delay="0" evt="onNext">
+                <p:cond evt="onNext" delay="0">
                   <p:tgtEl>
                     <p:sldTgt/>
                   </p:tgtEl>
@@ -10274,7 +11905,7 @@
 </file>
 
 <file path=ppt/slides/slide7.xml><?xml version="1.0" encoding="utf-8"?>
-<p:sld xmlns:a="http://schemas.openxmlformats.org/drawingml/2006/main" xmlns:p="http://schemas.openxmlformats.org/presentationml/2006/main" xmlns:r="http://schemas.openxmlformats.org/officeDocument/2006/relationships">
+<p:sld xmlns:a="http://schemas.openxmlformats.org/drawingml/2006/main" xmlns:r="http://schemas.openxmlformats.org/officeDocument/2006/relationships" xmlns:p="http://schemas.openxmlformats.org/presentationml/2006/main">
   <p:cSld>
     <p:spTree>
       <p:nvGrpSpPr>
@@ -10307,6 +11938,7 @@
         </p:spPr>
         <p:txBody>
           <a:bodyPr anchor="ctr"/>
+          <a:lstStyle/>
           <a:p>
             <a:pPr>
               <a:lnSpc>
@@ -10344,6 +11976,7 @@
         </p:spPr>
         <p:txBody>
           <a:bodyPr/>
+          <a:lstStyle/>
           <a:p>
             <a:pPr>
               <a:lnSpc>
@@ -10383,7 +12016,7 @@
               <a:t>Cavity with heavy particle, </a:t>
             </a:r>
             <a:r>
-              <a:rPr b="1" lang="en-US" sz="3200">
+              <a:rPr lang="en-US" sz="3200" b="1">
                 <a:solidFill>
                   <a:srgbClr val="000000"/>
                 </a:solidFill>
@@ -10408,12 +12041,12 @@
       </p:sp>
       <p:pic>
         <p:nvPicPr>
-          <p:cNvPr id="138" name="Picture 3" descr=""/>
+          <p:cNvPr id="138" name="Picture 3"/>
           <p:cNvPicPr/>
           <p:nvPr/>
         </p:nvPicPr>
         <p:blipFill>
-          <a:blip r:embed="rId1"/>
+          <a:blip r:embed="rId3"/>
           <a:stretch>
             <a:fillRect/>
           </a:stretch>
@@ -10433,22 +12066,25 @@
       </p:pic>
     </p:spTree>
   </p:cSld>
+  <p:clrMapOvr>
+    <a:masterClrMapping/>
+  </p:clrMapOvr>
   <p:timing>
     <p:tnLst>
       <p:par>
-        <p:cTn id="13" dur="indefinite" restart="never" nodeType="tmRoot">
+        <p:cTn id="1" dur="indefinite" restart="never" nodeType="tmRoot">
           <p:childTnLst>
             <p:seq>
-              <p:cTn id="14" nodeType="mainSeq"/>
+              <p:cTn id="2" nodeType="mainSeq"/>
               <p:prevCondLst>
-                <p:cond delay="0" evt="onPrev">
+                <p:cond evt="onPrev" delay="0">
                   <p:tgtEl>
                     <p:sldTgt/>
                   </p:tgtEl>
                 </p:cond>
               </p:prevCondLst>
               <p:nextCondLst>
-                <p:cond delay="0" evt="onNext">
+                <p:cond evt="onNext" delay="0">
                   <p:tgtEl>
                     <p:sldTgt/>
                   </p:tgtEl>
@@ -10464,7 +12100,7 @@
 </file>
 
 <file path=ppt/slides/slide8.xml><?xml version="1.0" encoding="utf-8"?>
-<p:sld xmlns:a="http://schemas.openxmlformats.org/drawingml/2006/main" xmlns:p="http://schemas.openxmlformats.org/presentationml/2006/main" xmlns:r="http://schemas.openxmlformats.org/officeDocument/2006/relationships">
+<p:sld xmlns:a="http://schemas.openxmlformats.org/drawingml/2006/main" xmlns:r="http://schemas.openxmlformats.org/officeDocument/2006/relationships" xmlns:p="http://schemas.openxmlformats.org/presentationml/2006/main">
   <p:cSld>
     <p:spTree>
       <p:nvGrpSpPr>
@@ -10497,6 +12133,7 @@
         </p:spPr>
         <p:txBody>
           <a:bodyPr anchor="ctr"/>
+          <a:lstStyle/>
           <a:p>
             <a:pPr>
               <a:lnSpc>
@@ -10534,6 +12171,7 @@
         </p:spPr>
         <p:txBody>
           <a:bodyPr/>
+          <a:lstStyle/>
           <a:p>
             <a:pPr>
               <a:lnSpc>
@@ -10583,7 +12221,7 @@
               <a:buChar char=""/>
             </a:pPr>
             <a:r>
-              <a:rPr b="1" lang="en-US" sz="3200">
+              <a:rPr lang="en-US" sz="3200" b="1">
                 <a:solidFill>
                   <a:srgbClr val="000000"/>
                 </a:solidFill>
@@ -10648,22 +12286,25 @@
       </p:sp>
     </p:spTree>
   </p:cSld>
+  <p:clrMapOvr>
+    <a:masterClrMapping/>
+  </p:clrMapOvr>
   <p:timing>
     <p:tnLst>
       <p:par>
-        <p:cTn id="15" dur="indefinite" restart="never" nodeType="tmRoot">
+        <p:cTn id="1" dur="indefinite" restart="never" nodeType="tmRoot">
           <p:childTnLst>
             <p:seq>
-              <p:cTn id="16" nodeType="mainSeq"/>
+              <p:cTn id="2" nodeType="mainSeq"/>
               <p:prevCondLst>
-                <p:cond delay="0" evt="onPrev">
+                <p:cond evt="onPrev" delay="0">
                   <p:tgtEl>
                     <p:sldTgt/>
                   </p:tgtEl>
                 </p:cond>
               </p:prevCondLst>
               <p:nextCondLst>
-                <p:cond delay="0" evt="onNext">
+                <p:cond evt="onNext" delay="0">
                   <p:tgtEl>
                     <p:sldTgt/>
                   </p:tgtEl>
@@ -10679,7 +12320,7 @@
 </file>
 
 <file path=ppt/slides/slide9.xml><?xml version="1.0" encoding="utf-8"?>
-<p:sld xmlns:a="http://schemas.openxmlformats.org/drawingml/2006/main" xmlns:p="http://schemas.openxmlformats.org/presentationml/2006/main" xmlns:r="http://schemas.openxmlformats.org/officeDocument/2006/relationships">
+<p:sld xmlns:a="http://schemas.openxmlformats.org/drawingml/2006/main" xmlns:r="http://schemas.openxmlformats.org/officeDocument/2006/relationships" xmlns:p="http://schemas.openxmlformats.org/presentationml/2006/main">
   <p:cSld>
     <p:spTree>
       <p:nvGrpSpPr>
@@ -10712,6 +12353,7 @@
         </p:spPr>
         <p:txBody>
           <a:bodyPr/>
+          <a:lstStyle/>
           <a:p>
             <a:pPr>
               <a:lnSpc>
@@ -10771,6 +12413,7 @@
         </p:spPr>
         <p:txBody>
           <a:bodyPr anchor="ctr"/>
+          <a:lstStyle/>
           <a:p>
             <a:pPr>
               <a:lnSpc>
@@ -10793,22 +12436,25 @@
       </p:sp>
     </p:spTree>
   </p:cSld>
+  <p:clrMapOvr>
+    <a:masterClrMapping/>
+  </p:clrMapOvr>
   <p:timing>
     <p:tnLst>
       <p:par>
-        <p:cTn id="17" dur="indefinite" restart="never" nodeType="tmRoot">
+        <p:cTn id="1" dur="indefinite" restart="never" nodeType="tmRoot">
           <p:childTnLst>
             <p:seq>
-              <p:cTn id="18" nodeType="mainSeq"/>
+              <p:cTn id="2" nodeType="mainSeq"/>
               <p:prevCondLst>
-                <p:cond delay="0" evt="onPrev">
+                <p:cond evt="onPrev" delay="0">
                   <p:tgtEl>
                     <p:sldTgt/>
                   </p:tgtEl>
                 </p:cond>
               </p:prevCondLst>
               <p:nextCondLst>
-                <p:cond delay="0" evt="onNext">
+                <p:cond evt="onNext" delay="0">
                   <p:tgtEl>
                     <p:sldTgt/>
                   </p:tgtEl>
@@ -11043,6 +12689,8 @@
       </a:bgFillStyleLst>
     </a:fmtScheme>
   </a:themeElements>
+  <a:objectDefaults/>
+  <a:extraClrSchemeLst/>
 </a:theme>
 </file>
 
@@ -11266,6 +12914,8 @@
       </a:bgFillStyleLst>
     </a:fmtScheme>
   </a:themeElements>
+  <a:objectDefaults/>
+  <a:extraClrSchemeLst/>
 </a:theme>
 </file>
 
@@ -11489,6 +13139,8 @@
       </a:bgFillStyleLst>
     </a:fmtScheme>
   </a:themeElements>
+  <a:objectDefaults/>
+  <a:extraClrSchemeLst/>
 </a:theme>
 </file>
 
@@ -11712,5 +13364,7 @@
       </a:bgFillStyleLst>
     </a:fmtScheme>
   </a:themeElements>
+  <a:objectDefaults/>
+  <a:extraClrSchemeLst/>
 </a:theme>
 </file>